--- a/Stone Age_apresentação.pptx
+++ b/Stone Age_apresentação.pptx
@@ -3394,7 +3394,7 @@
             </a:r>
             <a:r>
               <a:rPr lang="pt-BR" dirty="0" err="1"/>
-              <a:t>predction</a:t>
+              <a:t>prediction</a:t>
             </a:r>
             <a:endParaRPr lang="pt-BR" dirty="0"/>
           </a:p>
@@ -4921,15 +4921,7 @@
           <a:p>
             <a:r>
               <a:rPr lang="pt-BR" dirty="0"/>
-              <a:t>Foi </a:t>
-            </a:r>
-            <a:r>
-              <a:rPr lang="pt-BR" dirty="0" err="1"/>
-              <a:t>deciddo</a:t>
-            </a:r>
-            <a:r>
-              <a:rPr lang="pt-BR" dirty="0"/>
-              <a:t> não utilizar os dados onde nem todos os território reportaram os dados (período antes de 2020-03-16). Utilizar dados nesta região só diminuiria a eficiência do modelo, já que a informação não representaria o comportamento do pais</a:t>
+              <a:t>Foi decidido não utilizar os dados onde nem todos os território reportaram os dados (período antes de 2020-03-16). Utilizar dados nesta região só diminuiria a eficiência do modelo, já que a informação não representaria o comportamento do pais</a:t>
             </a:r>
           </a:p>
           <a:p>

--- a/Stone Age_apresentação.pptx
+++ b/Stone Age_apresentação.pptx
@@ -4696,8 +4696,13 @@
           <a:p>
             <a:r>
               <a:rPr lang="pt-BR" dirty="0"/>
-              <a:t>O modelo será validado com os dados de dezembro de 2020</a:t>
-            </a:r>
+              <a:t>O modelo será validado com os dados de dezembro </a:t>
+            </a:r>
+            <a:r>
+              <a:rPr lang="pt-BR"/>
+              <a:t>de 2020.</a:t>
+            </a:r>
+            <a:endParaRPr lang="pt-BR" dirty="0"/>
           </a:p>
           <a:p>
             <a:pPr marL="0" indent="0">

--- a/Stone Age_apresentação.pptx
+++ b/Stone Age_apresentação.pptx
@@ -2,7 +2,7 @@
 <file path=ppt/presentation.xml><?xml version="1.0" encoding="utf-8"?>
 <p:presentation xmlns:a="http://schemas.openxmlformats.org/drawingml/2006/main" xmlns:r="http://schemas.openxmlformats.org/officeDocument/2006/relationships" xmlns:p="http://schemas.openxmlformats.org/presentationml/2006/main" saveSubsetFonts="1">
   <p:sldMasterIdLst>
-    <p:sldMasterId id="2147483648" r:id="rId1"/>
+    <p:sldMasterId id="2147483696" r:id="rId1"/>
   </p:sldMasterIdLst>
   <p:sldIdLst>
     <p:sldId id="256" r:id="rId2"/>
@@ -29,9 +29,9 @@
   <p:notesSz cx="6858000" cy="9144000"/>
   <p:defaultTextStyle>
     <a:defPPr>
-      <a:defRPr lang="pt-BR"/>
+      <a:defRPr lang="en-US"/>
     </a:defPPr>
-    <a:lvl1pPr marL="0" algn="l" defTabSz="914400" rtl="0" eaLnBrk="1" latinLnBrk="0" hangingPunct="1">
+    <a:lvl1pPr marL="0" algn="l" defTabSz="457200" rtl="0" eaLnBrk="1" latinLnBrk="0" hangingPunct="1">
       <a:defRPr sz="1800" kern="1200">
         <a:solidFill>
           <a:schemeClr val="tx1"/>
@@ -41,7 +41,7 @@
         <a:cs typeface="+mn-cs"/>
       </a:defRPr>
     </a:lvl1pPr>
-    <a:lvl2pPr marL="457200" algn="l" defTabSz="914400" rtl="0" eaLnBrk="1" latinLnBrk="0" hangingPunct="1">
+    <a:lvl2pPr marL="457200" algn="l" defTabSz="457200" rtl="0" eaLnBrk="1" latinLnBrk="0" hangingPunct="1">
       <a:defRPr sz="1800" kern="1200">
         <a:solidFill>
           <a:schemeClr val="tx1"/>
@@ -51,7 +51,7 @@
         <a:cs typeface="+mn-cs"/>
       </a:defRPr>
     </a:lvl2pPr>
-    <a:lvl3pPr marL="914400" algn="l" defTabSz="914400" rtl="0" eaLnBrk="1" latinLnBrk="0" hangingPunct="1">
+    <a:lvl3pPr marL="914400" algn="l" defTabSz="457200" rtl="0" eaLnBrk="1" latinLnBrk="0" hangingPunct="1">
       <a:defRPr sz="1800" kern="1200">
         <a:solidFill>
           <a:schemeClr val="tx1"/>
@@ -61,7 +61,7 @@
         <a:cs typeface="+mn-cs"/>
       </a:defRPr>
     </a:lvl3pPr>
-    <a:lvl4pPr marL="1371600" algn="l" defTabSz="914400" rtl="0" eaLnBrk="1" latinLnBrk="0" hangingPunct="1">
+    <a:lvl4pPr marL="1371600" algn="l" defTabSz="457200" rtl="0" eaLnBrk="1" latinLnBrk="0" hangingPunct="1">
       <a:defRPr sz="1800" kern="1200">
         <a:solidFill>
           <a:schemeClr val="tx1"/>
@@ -71,7 +71,7 @@
         <a:cs typeface="+mn-cs"/>
       </a:defRPr>
     </a:lvl4pPr>
-    <a:lvl5pPr marL="1828800" algn="l" defTabSz="914400" rtl="0" eaLnBrk="1" latinLnBrk="0" hangingPunct="1">
+    <a:lvl5pPr marL="1828800" algn="l" defTabSz="457200" rtl="0" eaLnBrk="1" latinLnBrk="0" hangingPunct="1">
       <a:defRPr sz="1800" kern="1200">
         <a:solidFill>
           <a:schemeClr val="tx1"/>
@@ -81,7 +81,7 @@
         <a:cs typeface="+mn-cs"/>
       </a:defRPr>
     </a:lvl5pPr>
-    <a:lvl6pPr marL="2286000" algn="l" defTabSz="914400" rtl="0" eaLnBrk="1" latinLnBrk="0" hangingPunct="1">
+    <a:lvl6pPr marL="2286000" algn="l" defTabSz="457200" rtl="0" eaLnBrk="1" latinLnBrk="0" hangingPunct="1">
       <a:defRPr sz="1800" kern="1200">
         <a:solidFill>
           <a:schemeClr val="tx1"/>
@@ -91,7 +91,7 @@
         <a:cs typeface="+mn-cs"/>
       </a:defRPr>
     </a:lvl6pPr>
-    <a:lvl7pPr marL="2743200" algn="l" defTabSz="914400" rtl="0" eaLnBrk="1" latinLnBrk="0" hangingPunct="1">
+    <a:lvl7pPr marL="2743200" algn="l" defTabSz="457200" rtl="0" eaLnBrk="1" latinLnBrk="0" hangingPunct="1">
       <a:defRPr sz="1800" kern="1200">
         <a:solidFill>
           <a:schemeClr val="tx1"/>
@@ -101,7 +101,7 @@
         <a:cs typeface="+mn-cs"/>
       </a:defRPr>
     </a:lvl7pPr>
-    <a:lvl8pPr marL="3200400" algn="l" defTabSz="914400" rtl="0" eaLnBrk="1" latinLnBrk="0" hangingPunct="1">
+    <a:lvl8pPr marL="3200400" algn="l" defTabSz="457200" rtl="0" eaLnBrk="1" latinLnBrk="0" hangingPunct="1">
       <a:defRPr sz="1800" kern="1200">
         <a:solidFill>
           <a:schemeClr val="tx1"/>
@@ -111,7 +111,7 @@
         <a:cs typeface="+mn-cs"/>
       </a:defRPr>
     </a:lvl8pPr>
-    <a:lvl9pPr marL="3657600" algn="l" defTabSz="914400" rtl="0" eaLnBrk="1" latinLnBrk="0" hangingPunct="1">
+    <a:lvl9pPr marL="3657600" algn="l" defTabSz="457200" rtl="0" eaLnBrk="1" latinLnBrk="0" hangingPunct="1">
       <a:defRPr sz="1800" kern="1200">
         <a:solidFill>
           <a:schemeClr val="tx1"/>
@@ -126,8 +126,18 @@
 </file>
 
 <file path=ppt/slideLayouts/slideLayout1.xml><?xml version="1.0" encoding="utf-8"?>
-<p:sldLayout xmlns:a="http://schemas.openxmlformats.org/drawingml/2006/main" xmlns:r="http://schemas.openxmlformats.org/officeDocument/2006/relationships" xmlns:p="http://schemas.openxmlformats.org/presentationml/2006/main" type="title" preserve="1">
+<p:sldLayout xmlns:a="http://schemas.openxmlformats.org/drawingml/2006/main" xmlns:r="http://schemas.openxmlformats.org/officeDocument/2006/relationships" xmlns:p="http://schemas.openxmlformats.org/presentationml/2006/main" showMasterSp="0" type="title" preserve="1">
   <p:cSld name="Slide de Título">
+    <p:bg>
+      <p:bgPr>
+        <a:solidFill>
+          <a:schemeClr val="bg2">
+            <a:lumMod val="75000"/>
+          </a:schemeClr>
+        </a:solidFill>
+        <a:effectLst/>
+      </p:bgPr>
+    </p:bg>
     <p:spTree>
       <p:nvGrpSpPr>
         <p:cNvPr id="1" name=""/>
@@ -144,13 +154,7 @@
       </p:grpSpPr>
       <p:sp>
         <p:nvSpPr>
-          <p:cNvPr id="2" name="Título 1">
-            <a:extLst>
-              <a:ext uri="{FF2B5EF4-FFF2-40B4-BE49-F238E27FC236}">
-                <a16:creationId xmlns:a16="http://schemas.microsoft.com/office/drawing/2014/main" id="{73A24D94-EC01-4D72-BD18-01446F2BFAB1}"/>
-              </a:ext>
-            </a:extLst>
-          </p:cNvPr>
+          <p:cNvPr id="2" name="Title 1"/>
           <p:cNvSpPr>
             <a:spLocks noGrp="1"/>
           </p:cNvSpPr>
@@ -160,15 +164,24 @@
         </p:nvSpPr>
         <p:spPr>
           <a:xfrm>
-            <a:off x="1524000" y="1122363"/>
-            <a:ext cx="9144000" cy="2387600"/>
+            <a:off x="1261872" y="758952"/>
+            <a:ext cx="9418320" cy="4041648"/>
           </a:xfrm>
         </p:spPr>
         <p:txBody>
-          <a:bodyPr anchor="b"/>
+          <a:bodyPr anchor="b">
+            <a:normAutofit/>
+          </a:bodyPr>
           <a:lstStyle>
-            <a:lvl1pPr algn="ctr">
-              <a:defRPr sz="6000"/>
+            <a:lvl1pPr algn="l">
+              <a:lnSpc>
+                <a:spcPct val="85000"/>
+              </a:lnSpc>
+              <a:defRPr sz="7200" baseline="0">
+                <a:solidFill>
+                  <a:schemeClr val="tx1"/>
+                </a:solidFill>
+              </a:defRPr>
             </a:lvl1pPr>
           </a:lstStyle>
           <a:p>
@@ -176,18 +189,13 @@
               <a:rPr lang="pt-BR"/>
               <a:t>Clique para editar o título Mestre</a:t>
             </a:r>
-          </a:p>
-        </p:txBody>
-      </p:sp>
-      <p:sp>
-        <p:nvSpPr>
-          <p:cNvPr id="3" name="Subtítulo 2">
-            <a:extLst>
-              <a:ext uri="{FF2B5EF4-FFF2-40B4-BE49-F238E27FC236}">
-                <a16:creationId xmlns:a16="http://schemas.microsoft.com/office/drawing/2014/main" id="{88EB6A33-42A0-4720-B6EB-170B0A634236}"/>
-              </a:ext>
-            </a:extLst>
-          </p:cNvPr>
+            <a:endParaRPr lang="en-US" dirty="0"/>
+          </a:p>
+        </p:txBody>
+      </p:sp>
+      <p:sp>
+        <p:nvSpPr>
+          <p:cNvPr id="3" name="Subtitle 2"/>
           <p:cNvSpPr>
             <a:spLocks noGrp="1"/>
           </p:cNvSpPr>
@@ -197,78 +205,91 @@
         </p:nvSpPr>
         <p:spPr>
           <a:xfrm>
-            <a:off x="1524000" y="3602038"/>
-            <a:ext cx="9144000" cy="1655762"/>
+            <a:off x="1261872" y="4800600"/>
+            <a:ext cx="9418320" cy="1691640"/>
           </a:xfrm>
         </p:spPr>
         <p:txBody>
+          <a:bodyPr>
+            <a:normAutofit/>
+          </a:bodyPr>
+          <a:lstStyle>
+            <a:lvl1pPr marL="0" indent="0" algn="l">
+              <a:buNone/>
+              <a:defRPr sz="2200" baseline="0">
+                <a:solidFill>
+                  <a:schemeClr val="tx1">
+                    <a:lumMod val="75000"/>
+                  </a:schemeClr>
+                </a:solidFill>
+              </a:defRPr>
+            </a:lvl1pPr>
+            <a:lvl2pPr marL="457200" indent="0" algn="ctr">
+              <a:buNone/>
+              <a:defRPr sz="2200"/>
+            </a:lvl2pPr>
+            <a:lvl3pPr marL="914400" indent="0" algn="ctr">
+              <a:buNone/>
+              <a:defRPr sz="2200"/>
+            </a:lvl3pPr>
+            <a:lvl4pPr marL="1371600" indent="0" algn="ctr">
+              <a:buNone/>
+              <a:defRPr sz="2000"/>
+            </a:lvl4pPr>
+            <a:lvl5pPr marL="1828800" indent="0" algn="ctr">
+              <a:buNone/>
+              <a:defRPr sz="2000"/>
+            </a:lvl5pPr>
+            <a:lvl6pPr marL="2286000" indent="0" algn="ctr">
+              <a:buNone/>
+              <a:defRPr sz="2000"/>
+            </a:lvl6pPr>
+            <a:lvl7pPr marL="2743200" indent="0" algn="ctr">
+              <a:buNone/>
+              <a:defRPr sz="2000"/>
+            </a:lvl7pPr>
+            <a:lvl8pPr marL="3200400" indent="0" algn="ctr">
+              <a:buNone/>
+              <a:defRPr sz="2000"/>
+            </a:lvl8pPr>
+            <a:lvl9pPr marL="3657600" indent="0" algn="ctr">
+              <a:buNone/>
+              <a:defRPr sz="2000"/>
+            </a:lvl9pPr>
+          </a:lstStyle>
+          <a:p>
+            <a:r>
+              <a:rPr lang="pt-BR"/>
+              <a:t>Clique para editar o estilo do subtítulo Mestre</a:t>
+            </a:r>
+            <a:endParaRPr lang="en-US" dirty="0"/>
+          </a:p>
+        </p:txBody>
+      </p:sp>
+      <p:sp>
+        <p:nvSpPr>
+          <p:cNvPr id="4" name="Date Placeholder 3"/>
+          <p:cNvSpPr>
+            <a:spLocks noGrp="1"/>
+          </p:cNvSpPr>
+          <p:nvPr>
+            <p:ph type="dt" sz="half" idx="10"/>
+          </p:nvPr>
+        </p:nvSpPr>
+        <p:spPr/>
+        <p:txBody>
           <a:bodyPr/>
           <a:lstStyle>
-            <a:lvl1pPr marL="0" indent="0" algn="ctr">
-              <a:buNone/>
-              <a:defRPr sz="2400"/>
+            <a:lvl1pPr>
+              <a:defRPr>
+                <a:solidFill>
+                  <a:schemeClr val="tx1">
+                    <a:lumMod val="50000"/>
+                  </a:schemeClr>
+                </a:solidFill>
+              </a:defRPr>
             </a:lvl1pPr>
-            <a:lvl2pPr marL="457200" indent="0" algn="ctr">
-              <a:buNone/>
-              <a:defRPr sz="2000"/>
-            </a:lvl2pPr>
-            <a:lvl3pPr marL="914400" indent="0" algn="ctr">
-              <a:buNone/>
-              <a:defRPr sz="1800"/>
-            </a:lvl3pPr>
-            <a:lvl4pPr marL="1371600" indent="0" algn="ctr">
-              <a:buNone/>
-              <a:defRPr sz="1600"/>
-            </a:lvl4pPr>
-            <a:lvl5pPr marL="1828800" indent="0" algn="ctr">
-              <a:buNone/>
-              <a:defRPr sz="1600"/>
-            </a:lvl5pPr>
-            <a:lvl6pPr marL="2286000" indent="0" algn="ctr">
-              <a:buNone/>
-              <a:defRPr sz="1600"/>
-            </a:lvl6pPr>
-            <a:lvl7pPr marL="2743200" indent="0" algn="ctr">
-              <a:buNone/>
-              <a:defRPr sz="1600"/>
-            </a:lvl7pPr>
-            <a:lvl8pPr marL="3200400" indent="0" algn="ctr">
-              <a:buNone/>
-              <a:defRPr sz="1600"/>
-            </a:lvl8pPr>
-            <a:lvl9pPr marL="3657600" indent="0" algn="ctr">
-              <a:buNone/>
-              <a:defRPr sz="1600"/>
-            </a:lvl9pPr>
           </a:lstStyle>
-          <a:p>
-            <a:r>
-              <a:rPr lang="pt-BR"/>
-              <a:t>Clique para editar o estilo do subtítulo Mestre</a:t>
-            </a:r>
-          </a:p>
-        </p:txBody>
-      </p:sp>
-      <p:sp>
-        <p:nvSpPr>
-          <p:cNvPr id="4" name="Espaço Reservado para Data 3">
-            <a:extLst>
-              <a:ext uri="{FF2B5EF4-FFF2-40B4-BE49-F238E27FC236}">
-                <a16:creationId xmlns:a16="http://schemas.microsoft.com/office/drawing/2014/main" id="{248B8F5A-C7E6-4B53-9D99-D109939F0CCC}"/>
-              </a:ext>
-            </a:extLst>
-          </p:cNvPr>
-          <p:cNvSpPr>
-            <a:spLocks noGrp="1"/>
-          </p:cNvSpPr>
-          <p:nvPr>
-            <p:ph type="dt" sz="half" idx="10"/>
-          </p:nvPr>
-        </p:nvSpPr>
-        <p:spPr/>
-        <p:txBody>
-          <a:bodyPr/>
-          <a:lstStyle/>
           <a:p>
             <a:fld id="{81B264FE-31E8-493D-9CCD-26DB6514E02A}" type="datetimeFigureOut">
               <a:rPr lang="pt-BR" smtClean="0"/>
@@ -280,13 +301,7 @@
       </p:sp>
       <p:sp>
         <p:nvSpPr>
-          <p:cNvPr id="5" name="Espaço Reservado para Rodapé 4">
-            <a:extLst>
-              <a:ext uri="{FF2B5EF4-FFF2-40B4-BE49-F238E27FC236}">
-                <a16:creationId xmlns:a16="http://schemas.microsoft.com/office/drawing/2014/main" id="{07022831-7A7E-479A-8221-5BC8D3AAE836}"/>
-              </a:ext>
-            </a:extLst>
-          </p:cNvPr>
+          <p:cNvPr id="5" name="Footer Placeholder 4"/>
           <p:cNvSpPr>
             <a:spLocks noGrp="1"/>
           </p:cNvSpPr>
@@ -297,7 +312,17 @@
         <p:spPr/>
         <p:txBody>
           <a:bodyPr/>
-          <a:lstStyle/>
+          <a:lstStyle>
+            <a:lvl1pPr>
+              <a:defRPr>
+                <a:solidFill>
+                  <a:schemeClr val="tx1">
+                    <a:lumMod val="65000"/>
+                  </a:schemeClr>
+                </a:solidFill>
+              </a:defRPr>
+            </a:lvl1pPr>
+          </a:lstStyle>
           <a:p>
             <a:endParaRPr lang="pt-BR"/>
           </a:p>
@@ -305,13 +330,7 @@
       </p:sp>
       <p:sp>
         <p:nvSpPr>
-          <p:cNvPr id="6" name="Espaço Reservado para Número de Slide 5">
-            <a:extLst>
-              <a:ext uri="{FF2B5EF4-FFF2-40B4-BE49-F238E27FC236}">
-                <a16:creationId xmlns:a16="http://schemas.microsoft.com/office/drawing/2014/main" id="{FD88C0DE-D864-4C45-9BD1-3971940AD27F}"/>
-              </a:ext>
-            </a:extLst>
-          </p:cNvPr>
+          <p:cNvPr id="6" name="Slide Number Placeholder 5"/>
           <p:cNvSpPr>
             <a:spLocks noGrp="1"/>
           </p:cNvSpPr>
@@ -322,7 +341,17 @@
         <p:spPr/>
         <p:txBody>
           <a:bodyPr/>
-          <a:lstStyle/>
+          <a:lstStyle>
+            <a:lvl1pPr>
+              <a:defRPr>
+                <a:solidFill>
+                  <a:schemeClr val="tx1">
+                    <a:lumMod val="65000"/>
+                  </a:schemeClr>
+                </a:solidFill>
+              </a:defRPr>
+            </a:lvl1pPr>
+          </a:lstStyle>
           <a:p>
             <a:fld id="{9AEBB4AB-BA35-4F36-BF68-4FF17185EC7E}" type="slidenum">
               <a:rPr lang="pt-BR" smtClean="0"/>
@@ -332,15 +361,53 @@
           </a:p>
         </p:txBody>
       </p:sp>
+      <p:sp>
+        <p:nvSpPr>
+          <p:cNvPr id="7" name="Rectangle 6"/>
+          <p:cNvSpPr/>
+          <p:nvPr/>
+        </p:nvSpPr>
+        <p:spPr>
+          <a:xfrm>
+            <a:off x="0" y="0"/>
+            <a:ext cx="457200" cy="6858000"/>
+          </a:xfrm>
+          <a:prstGeom prst="rect">
+            <a:avLst/>
+          </a:prstGeom>
+          <a:solidFill>
+            <a:schemeClr val="accent1"/>
+          </a:solidFill>
+          <a:ln>
+            <a:noFill/>
+          </a:ln>
+        </p:spPr>
+        <p:style>
+          <a:lnRef idx="2">
+            <a:schemeClr val="accent1">
+              <a:shade val="50000"/>
+            </a:schemeClr>
+          </a:lnRef>
+          <a:fillRef idx="1">
+            <a:schemeClr val="accent1"/>
+          </a:fillRef>
+          <a:effectRef idx="0">
+            <a:schemeClr val="accent1"/>
+          </a:effectRef>
+          <a:fontRef idx="minor">
+            <a:schemeClr val="lt1"/>
+          </a:fontRef>
+        </p:style>
+      </p:sp>
     </p:spTree>
     <p:extLst>
       <p:ext uri="{BB962C8B-B14F-4D97-AF65-F5344CB8AC3E}">
-        <p14:creationId xmlns:p14="http://schemas.microsoft.com/office/powerpoint/2010/main" val="3133087827"/>
+        <p14:creationId xmlns:p14="http://schemas.microsoft.com/office/powerpoint/2010/main" val="1849020585"/>
       </p:ext>
     </p:extLst>
   </p:cSld>
   <p:clrMapOvr>
-    <a:masterClrMapping/>
+    <a:overrideClrMapping bg1="dk1" tx1="lt1" bg2="dk2" tx2="lt2" accent1="accent1" accent2="accent2" accent3="accent3" accent4="accent4" accent5="accent5" accent6="accent6" hlink="hlink" folHlink="folHlink"/>
   </p:clrMapOvr>
 </p:sldLayout>
 </file>
@@ -364,13 +431,7 @@
       </p:grpSpPr>
       <p:sp>
         <p:nvSpPr>
-          <p:cNvPr id="2" name="Título 1">
-            <a:extLst>
-              <a:ext uri="{FF2B5EF4-FFF2-40B4-BE49-F238E27FC236}">
-                <a16:creationId xmlns:a16="http://schemas.microsoft.com/office/drawing/2014/main" id="{82217AD9-180B-4305-9BDF-459B0E3C8A9A}"/>
-              </a:ext>
-            </a:extLst>
-          </p:cNvPr>
+          <p:cNvPr id="2" name="Title 1"/>
           <p:cNvSpPr>
             <a:spLocks noGrp="1"/>
           </p:cNvSpPr>
@@ -387,18 +448,13 @@
               <a:rPr lang="pt-BR"/>
               <a:t>Clique para editar o título Mestre</a:t>
             </a:r>
-          </a:p>
-        </p:txBody>
-      </p:sp>
-      <p:sp>
-        <p:nvSpPr>
-          <p:cNvPr id="3" name="Espaço Reservado para Texto Vertical 2">
-            <a:extLst>
-              <a:ext uri="{FF2B5EF4-FFF2-40B4-BE49-F238E27FC236}">
-                <a16:creationId xmlns:a16="http://schemas.microsoft.com/office/drawing/2014/main" id="{15A83DD9-9E8F-404B-8273-9A1D4E63FFDE}"/>
-              </a:ext>
-            </a:extLst>
-          </p:cNvPr>
+            <a:endParaRPr lang="en-US" dirty="0"/>
+          </a:p>
+        </p:txBody>
+      </p:sp>
+      <p:sp>
+        <p:nvSpPr>
+          <p:cNvPr id="3" name="Vertical Text Placeholder 2"/>
           <p:cNvSpPr>
             <a:spLocks noGrp="1"/>
           </p:cNvSpPr>
@@ -444,18 +500,13 @@
               <a:rPr lang="pt-BR"/>
               <a:t>Quinto nível</a:t>
             </a:r>
-          </a:p>
-        </p:txBody>
-      </p:sp>
-      <p:sp>
-        <p:nvSpPr>
-          <p:cNvPr id="4" name="Espaço Reservado para Data 3">
-            <a:extLst>
-              <a:ext uri="{FF2B5EF4-FFF2-40B4-BE49-F238E27FC236}">
-                <a16:creationId xmlns:a16="http://schemas.microsoft.com/office/drawing/2014/main" id="{10E3F9BD-B2A6-44DF-9247-A048BCA8838D}"/>
-              </a:ext>
-            </a:extLst>
-          </p:cNvPr>
+            <a:endParaRPr lang="en-US" dirty="0"/>
+          </a:p>
+        </p:txBody>
+      </p:sp>
+      <p:sp>
+        <p:nvSpPr>
+          <p:cNvPr id="4" name="Date Placeholder 3"/>
           <p:cNvSpPr>
             <a:spLocks noGrp="1"/>
           </p:cNvSpPr>
@@ -478,13 +529,7 @@
       </p:sp>
       <p:sp>
         <p:nvSpPr>
-          <p:cNvPr id="5" name="Espaço Reservado para Rodapé 4">
-            <a:extLst>
-              <a:ext uri="{FF2B5EF4-FFF2-40B4-BE49-F238E27FC236}">
-                <a16:creationId xmlns:a16="http://schemas.microsoft.com/office/drawing/2014/main" id="{F5E6B5B7-D2FF-48F1-BD08-63CF01724CA7}"/>
-              </a:ext>
-            </a:extLst>
-          </p:cNvPr>
+          <p:cNvPr id="5" name="Footer Placeholder 4"/>
           <p:cNvSpPr>
             <a:spLocks noGrp="1"/>
           </p:cNvSpPr>
@@ -503,13 +548,7 @@
       </p:sp>
       <p:sp>
         <p:nvSpPr>
-          <p:cNvPr id="6" name="Espaço Reservado para Número de Slide 5">
-            <a:extLst>
-              <a:ext uri="{FF2B5EF4-FFF2-40B4-BE49-F238E27FC236}">
-                <a16:creationId xmlns:a16="http://schemas.microsoft.com/office/drawing/2014/main" id="{F3A01663-722E-42BB-A074-203BB3C8EC58}"/>
-              </a:ext>
-            </a:extLst>
-          </p:cNvPr>
+          <p:cNvPr id="6" name="Slide Number Placeholder 5"/>
           <p:cNvSpPr>
             <a:spLocks noGrp="1"/>
           </p:cNvSpPr>
@@ -533,7 +572,7 @@
     </p:spTree>
     <p:extLst>
       <p:ext uri="{BB962C8B-B14F-4D97-AF65-F5344CB8AC3E}">
-        <p14:creationId xmlns:p14="http://schemas.microsoft.com/office/powerpoint/2010/main" val="148094656"/>
+        <p14:creationId xmlns:p14="http://schemas.microsoft.com/office/powerpoint/2010/main" val="3916305415"/>
       </p:ext>
     </p:extLst>
   </p:cSld>
@@ -562,13 +601,7 @@
       </p:grpSpPr>
       <p:sp>
         <p:nvSpPr>
-          <p:cNvPr id="2" name="Título Vertical 1">
-            <a:extLst>
-              <a:ext uri="{FF2B5EF4-FFF2-40B4-BE49-F238E27FC236}">
-                <a16:creationId xmlns:a16="http://schemas.microsoft.com/office/drawing/2014/main" id="{E7214CC0-FCF9-460D-B378-13E4C6BE69B4}"/>
-              </a:ext>
-            </a:extLst>
-          </p:cNvPr>
+          <p:cNvPr id="2" name="Vertical Title 1"/>
           <p:cNvSpPr>
             <a:spLocks noGrp="1"/>
           </p:cNvSpPr>
@@ -578,8 +611,8 @@
         </p:nvSpPr>
         <p:spPr>
           <a:xfrm>
-            <a:off x="8724900" y="365125"/>
-            <a:ext cx="2628900" cy="5811838"/>
+            <a:off x="8648700" y="381000"/>
+            <a:ext cx="2476500" cy="5897562"/>
           </a:xfrm>
         </p:spPr>
         <p:txBody>
@@ -590,18 +623,13 @@
               <a:rPr lang="pt-BR"/>
               <a:t>Clique para editar o título Mestre</a:t>
             </a:r>
-          </a:p>
-        </p:txBody>
-      </p:sp>
-      <p:sp>
-        <p:nvSpPr>
-          <p:cNvPr id="3" name="Espaço Reservado para Texto Vertical 2">
-            <a:extLst>
-              <a:ext uri="{FF2B5EF4-FFF2-40B4-BE49-F238E27FC236}">
-                <a16:creationId xmlns:a16="http://schemas.microsoft.com/office/drawing/2014/main" id="{A28EB5E6-46AB-475F-A761-A893B61F6576}"/>
-              </a:ext>
-            </a:extLst>
-          </p:cNvPr>
+            <a:endParaRPr lang="en-US" dirty="0"/>
+          </a:p>
+        </p:txBody>
+      </p:sp>
+      <p:sp>
+        <p:nvSpPr>
+          <p:cNvPr id="3" name="Vertical Text Placeholder 2"/>
           <p:cNvSpPr>
             <a:spLocks noGrp="1"/>
           </p:cNvSpPr>
@@ -611,8 +639,8 @@
         </p:nvSpPr>
         <p:spPr>
           <a:xfrm>
-            <a:off x="838200" y="365125"/>
-            <a:ext cx="7734300" cy="5811838"/>
+            <a:off x="762000" y="381000"/>
+            <a:ext cx="7734300" cy="5897562"/>
           </a:xfrm>
         </p:spPr>
         <p:txBody>
@@ -652,18 +680,13 @@
               <a:rPr lang="pt-BR"/>
               <a:t>Quinto nível</a:t>
             </a:r>
-          </a:p>
-        </p:txBody>
-      </p:sp>
-      <p:sp>
-        <p:nvSpPr>
-          <p:cNvPr id="4" name="Espaço Reservado para Data 3">
-            <a:extLst>
-              <a:ext uri="{FF2B5EF4-FFF2-40B4-BE49-F238E27FC236}">
-                <a16:creationId xmlns:a16="http://schemas.microsoft.com/office/drawing/2014/main" id="{BB1307DC-4445-4BEB-8B5A-8BEE9E9EBAE7}"/>
-              </a:ext>
-            </a:extLst>
-          </p:cNvPr>
+            <a:endParaRPr lang="en-US" dirty="0"/>
+          </a:p>
+        </p:txBody>
+      </p:sp>
+      <p:sp>
+        <p:nvSpPr>
+          <p:cNvPr id="4" name="Date Placeholder 3"/>
           <p:cNvSpPr>
             <a:spLocks noGrp="1"/>
           </p:cNvSpPr>
@@ -686,13 +709,7 @@
       </p:sp>
       <p:sp>
         <p:nvSpPr>
-          <p:cNvPr id="5" name="Espaço Reservado para Rodapé 4">
-            <a:extLst>
-              <a:ext uri="{FF2B5EF4-FFF2-40B4-BE49-F238E27FC236}">
-                <a16:creationId xmlns:a16="http://schemas.microsoft.com/office/drawing/2014/main" id="{8DF0DD98-1D57-42EF-884E-A6308805A06A}"/>
-              </a:ext>
-            </a:extLst>
-          </p:cNvPr>
+          <p:cNvPr id="5" name="Footer Placeholder 4"/>
           <p:cNvSpPr>
             <a:spLocks noGrp="1"/>
           </p:cNvSpPr>
@@ -711,13 +728,7 @@
       </p:sp>
       <p:sp>
         <p:nvSpPr>
-          <p:cNvPr id="6" name="Espaço Reservado para Número de Slide 5">
-            <a:extLst>
-              <a:ext uri="{FF2B5EF4-FFF2-40B4-BE49-F238E27FC236}">
-                <a16:creationId xmlns:a16="http://schemas.microsoft.com/office/drawing/2014/main" id="{D119D63B-6919-4372-B2DB-FCC85DB97A85}"/>
-              </a:ext>
-            </a:extLst>
-          </p:cNvPr>
+          <p:cNvPr id="6" name="Slide Number Placeholder 5"/>
           <p:cNvSpPr>
             <a:spLocks noGrp="1"/>
           </p:cNvSpPr>
@@ -741,7 +752,7 @@
     </p:spTree>
     <p:extLst>
       <p:ext uri="{BB962C8B-B14F-4D97-AF65-F5344CB8AC3E}">
-        <p14:creationId xmlns:p14="http://schemas.microsoft.com/office/powerpoint/2010/main" val="2655973123"/>
+        <p14:creationId xmlns:p14="http://schemas.microsoft.com/office/powerpoint/2010/main" val="2653904790"/>
       </p:ext>
     </p:extLst>
   </p:cSld>
@@ -770,13 +781,7 @@
       </p:grpSpPr>
       <p:sp>
         <p:nvSpPr>
-          <p:cNvPr id="2" name="Título 1">
-            <a:extLst>
-              <a:ext uri="{FF2B5EF4-FFF2-40B4-BE49-F238E27FC236}">
-                <a16:creationId xmlns:a16="http://schemas.microsoft.com/office/drawing/2014/main" id="{F2B3A746-93DE-4A28-9073-6DEE36132C31}"/>
-              </a:ext>
-            </a:extLst>
-          </p:cNvPr>
+          <p:cNvPr id="2" name="Title 1"/>
           <p:cNvSpPr>
             <a:spLocks noGrp="1"/>
           </p:cNvSpPr>
@@ -793,18 +798,13 @@
               <a:rPr lang="pt-BR"/>
               <a:t>Clique para editar o título Mestre</a:t>
             </a:r>
-          </a:p>
-        </p:txBody>
-      </p:sp>
-      <p:sp>
-        <p:nvSpPr>
-          <p:cNvPr id="3" name="Espaço Reservado para Conteúdo 2">
-            <a:extLst>
-              <a:ext uri="{FF2B5EF4-FFF2-40B4-BE49-F238E27FC236}">
-                <a16:creationId xmlns:a16="http://schemas.microsoft.com/office/drawing/2014/main" id="{FE58EB66-32DF-453D-8B76-4E7729BE5094}"/>
-              </a:ext>
-            </a:extLst>
-          </p:cNvPr>
+            <a:endParaRPr lang="en-US" dirty="0"/>
+          </a:p>
+        </p:txBody>
+      </p:sp>
+      <p:sp>
+        <p:nvSpPr>
+          <p:cNvPr id="3" name="Content Placeholder 2"/>
           <p:cNvSpPr>
             <a:spLocks noGrp="1"/>
           </p:cNvSpPr>
@@ -850,18 +850,13 @@
               <a:rPr lang="pt-BR"/>
               <a:t>Quinto nível</a:t>
             </a:r>
-          </a:p>
-        </p:txBody>
-      </p:sp>
-      <p:sp>
-        <p:nvSpPr>
-          <p:cNvPr id="4" name="Espaço Reservado para Data 3">
-            <a:extLst>
-              <a:ext uri="{FF2B5EF4-FFF2-40B4-BE49-F238E27FC236}">
-                <a16:creationId xmlns:a16="http://schemas.microsoft.com/office/drawing/2014/main" id="{22BD56A5-AB77-4735-AC24-408D5C5007AB}"/>
-              </a:ext>
-            </a:extLst>
-          </p:cNvPr>
+            <a:endParaRPr lang="en-US" dirty="0"/>
+          </a:p>
+        </p:txBody>
+      </p:sp>
+      <p:sp>
+        <p:nvSpPr>
+          <p:cNvPr id="4" name="Date Placeholder 3"/>
           <p:cNvSpPr>
             <a:spLocks noGrp="1"/>
           </p:cNvSpPr>
@@ -884,13 +879,7 @@
       </p:sp>
       <p:sp>
         <p:nvSpPr>
-          <p:cNvPr id="5" name="Espaço Reservado para Rodapé 4">
-            <a:extLst>
-              <a:ext uri="{FF2B5EF4-FFF2-40B4-BE49-F238E27FC236}">
-                <a16:creationId xmlns:a16="http://schemas.microsoft.com/office/drawing/2014/main" id="{FD55D345-71BC-435E-A341-1A142CE04E2F}"/>
-              </a:ext>
-            </a:extLst>
-          </p:cNvPr>
+          <p:cNvPr id="5" name="Footer Placeholder 4"/>
           <p:cNvSpPr>
             <a:spLocks noGrp="1"/>
           </p:cNvSpPr>
@@ -909,13 +898,7 @@
       </p:sp>
       <p:sp>
         <p:nvSpPr>
-          <p:cNvPr id="6" name="Espaço Reservado para Número de Slide 5">
-            <a:extLst>
-              <a:ext uri="{FF2B5EF4-FFF2-40B4-BE49-F238E27FC236}">
-                <a16:creationId xmlns:a16="http://schemas.microsoft.com/office/drawing/2014/main" id="{D72FFEE0-EF05-4C90-A53A-26FC71C32C55}"/>
-              </a:ext>
-            </a:extLst>
-          </p:cNvPr>
+          <p:cNvPr id="6" name="Slide Number Placeholder 5"/>
           <p:cNvSpPr>
             <a:spLocks noGrp="1"/>
           </p:cNvSpPr>
@@ -939,7 +922,7 @@
     </p:spTree>
     <p:extLst>
       <p:ext uri="{BB962C8B-B14F-4D97-AF65-F5344CB8AC3E}">
-        <p14:creationId xmlns:p14="http://schemas.microsoft.com/office/powerpoint/2010/main" val="1247828553"/>
+        <p14:creationId xmlns:p14="http://schemas.microsoft.com/office/powerpoint/2010/main" val="644004584"/>
       </p:ext>
     </p:extLst>
   </p:cSld>
@@ -968,13 +951,7 @@
       </p:grpSpPr>
       <p:sp>
         <p:nvSpPr>
-          <p:cNvPr id="2" name="Título 1">
-            <a:extLst>
-              <a:ext uri="{FF2B5EF4-FFF2-40B4-BE49-F238E27FC236}">
-                <a16:creationId xmlns:a16="http://schemas.microsoft.com/office/drawing/2014/main" id="{18E0EF42-B258-4C5B-8C21-4FE1C297C11B}"/>
-              </a:ext>
-            </a:extLst>
-          </p:cNvPr>
+          <p:cNvPr id="2" name="Title 1"/>
           <p:cNvSpPr>
             <a:spLocks noGrp="1"/>
           </p:cNvSpPr>
@@ -984,15 +961,20 @@
         </p:nvSpPr>
         <p:spPr>
           <a:xfrm>
-            <a:off x="831850" y="1709738"/>
-            <a:ext cx="10515600" cy="2852737"/>
+            <a:off x="1261872" y="758952"/>
+            <a:ext cx="9418320" cy="4041648"/>
           </a:xfrm>
         </p:spPr>
         <p:txBody>
-          <a:bodyPr anchor="b"/>
+          <a:bodyPr anchor="b">
+            <a:normAutofit/>
+          </a:bodyPr>
           <a:lstStyle>
             <a:lvl1pPr>
-              <a:defRPr sz="6000"/>
+              <a:lnSpc>
+                <a:spcPct val="85000"/>
+              </a:lnSpc>
+              <a:defRPr sz="7200" b="0"/>
             </a:lvl1pPr>
           </a:lstStyle>
           <a:p>
@@ -1000,18 +982,13 @@
               <a:rPr lang="pt-BR"/>
               <a:t>Clique para editar o título Mestre</a:t>
             </a:r>
-          </a:p>
-        </p:txBody>
-      </p:sp>
-      <p:sp>
-        <p:nvSpPr>
-          <p:cNvPr id="3" name="Espaço Reservado para Texto 2">
-            <a:extLst>
-              <a:ext uri="{FF2B5EF4-FFF2-40B4-BE49-F238E27FC236}">
-                <a16:creationId xmlns:a16="http://schemas.microsoft.com/office/drawing/2014/main" id="{21880F16-462C-4594-9F8D-A7B25181D347}"/>
-              </a:ext>
-            </a:extLst>
-          </p:cNvPr>
+            <a:endParaRPr lang="en-US" dirty="0"/>
+          </a:p>
+        </p:txBody>
+      </p:sp>
+      <p:sp>
+        <p:nvSpPr>
+          <p:cNvPr id="3" name="Text Placeholder 2"/>
           <p:cNvSpPr>
             <a:spLocks noGrp="1"/>
           </p:cNvSpPr>
@@ -1021,26 +998,29 @@
         </p:nvSpPr>
         <p:spPr>
           <a:xfrm>
-            <a:off x="831850" y="4589463"/>
-            <a:ext cx="10515600" cy="1500187"/>
+            <a:off x="1261872" y="4800600"/>
+            <a:ext cx="9418320" cy="1691640"/>
           </a:xfrm>
         </p:spPr>
         <p:txBody>
-          <a:bodyPr/>
+          <a:bodyPr anchor="t">
+            <a:normAutofit/>
+          </a:bodyPr>
           <a:lstStyle>
             <a:lvl1pPr marL="0" indent="0">
               <a:buNone/>
-              <a:defRPr sz="2400">
+              <a:defRPr sz="2200">
                 <a:solidFill>
                   <a:schemeClr val="tx1">
-                    <a:tint val="75000"/>
+                    <a:lumMod val="65000"/>
+                    <a:lumOff val="35000"/>
                   </a:schemeClr>
                 </a:solidFill>
               </a:defRPr>
             </a:lvl1pPr>
             <a:lvl2pPr marL="457200" indent="0">
               <a:buNone/>
-              <a:defRPr sz="2000">
+              <a:defRPr sz="1800">
                 <a:solidFill>
                   <a:schemeClr val="tx1">
                     <a:tint val="75000"/>
@@ -1050,7 +1030,7 @@
             </a:lvl2pPr>
             <a:lvl3pPr marL="914400" indent="0">
               <a:buNone/>
-              <a:defRPr sz="1800">
+              <a:defRPr sz="1600">
                 <a:solidFill>
                   <a:schemeClr val="tx1">
                     <a:tint val="75000"/>
@@ -1060,7 +1040,7 @@
             </a:lvl3pPr>
             <a:lvl4pPr marL="1371600" indent="0">
               <a:buNone/>
-              <a:defRPr sz="1600">
+              <a:defRPr sz="1400">
                 <a:solidFill>
                   <a:schemeClr val="tx1">
                     <a:tint val="75000"/>
@@ -1070,7 +1050,7 @@
             </a:lvl4pPr>
             <a:lvl5pPr marL="1828800" indent="0">
               <a:buNone/>
-              <a:defRPr sz="1600">
+              <a:defRPr sz="1400">
                 <a:solidFill>
                   <a:schemeClr val="tx1">
                     <a:tint val="75000"/>
@@ -1080,7 +1060,7 @@
             </a:lvl5pPr>
             <a:lvl6pPr marL="2286000" indent="0">
               <a:buNone/>
-              <a:defRPr sz="1600">
+              <a:defRPr sz="1400">
                 <a:solidFill>
                   <a:schemeClr val="tx1">
                     <a:tint val="75000"/>
@@ -1090,7 +1070,7 @@
             </a:lvl6pPr>
             <a:lvl7pPr marL="2743200" indent="0">
               <a:buNone/>
-              <a:defRPr sz="1600">
+              <a:defRPr sz="1400">
                 <a:solidFill>
                   <a:schemeClr val="tx1">
                     <a:tint val="75000"/>
@@ -1100,7 +1080,7 @@
             </a:lvl7pPr>
             <a:lvl8pPr marL="3200400" indent="0">
               <a:buNone/>
-              <a:defRPr sz="1600">
+              <a:defRPr sz="1400">
                 <a:solidFill>
                   <a:schemeClr val="tx1">
                     <a:tint val="75000"/>
@@ -1110,7 +1090,7 @@
             </a:lvl8pPr>
             <a:lvl9pPr marL="3657600" indent="0">
               <a:buNone/>
-              <a:defRPr sz="1600">
+              <a:defRPr sz="1400">
                 <a:solidFill>
                   <a:schemeClr val="tx1">
                     <a:tint val="75000"/>
@@ -1130,13 +1110,7 @@
       </p:sp>
       <p:sp>
         <p:nvSpPr>
-          <p:cNvPr id="4" name="Espaço Reservado para Data 3">
-            <a:extLst>
-              <a:ext uri="{FF2B5EF4-FFF2-40B4-BE49-F238E27FC236}">
-                <a16:creationId xmlns:a16="http://schemas.microsoft.com/office/drawing/2014/main" id="{B36AC321-A99B-4553-A9AE-1E136C697EB1}"/>
-              </a:ext>
-            </a:extLst>
-          </p:cNvPr>
+          <p:cNvPr id="4" name="Date Placeholder 3"/>
           <p:cNvSpPr>
             <a:spLocks noGrp="1"/>
           </p:cNvSpPr>
@@ -1159,13 +1133,7 @@
       </p:sp>
       <p:sp>
         <p:nvSpPr>
-          <p:cNvPr id="5" name="Espaço Reservado para Rodapé 4">
-            <a:extLst>
-              <a:ext uri="{FF2B5EF4-FFF2-40B4-BE49-F238E27FC236}">
-                <a16:creationId xmlns:a16="http://schemas.microsoft.com/office/drawing/2014/main" id="{B1206C98-4A1C-4EEF-AABF-1F38976CC057}"/>
-              </a:ext>
-            </a:extLst>
-          </p:cNvPr>
+          <p:cNvPr id="5" name="Footer Placeholder 4"/>
           <p:cNvSpPr>
             <a:spLocks noGrp="1"/>
           </p:cNvSpPr>
@@ -1184,13 +1152,7 @@
       </p:sp>
       <p:sp>
         <p:nvSpPr>
-          <p:cNvPr id="6" name="Espaço Reservado para Número de Slide 5">
-            <a:extLst>
-              <a:ext uri="{FF2B5EF4-FFF2-40B4-BE49-F238E27FC236}">
-                <a16:creationId xmlns:a16="http://schemas.microsoft.com/office/drawing/2014/main" id="{35806E1F-2D39-42B7-82CA-88416EB6A3A5}"/>
-              </a:ext>
-            </a:extLst>
-          </p:cNvPr>
+          <p:cNvPr id="6" name="Slide Number Placeholder 5"/>
           <p:cNvSpPr>
             <a:spLocks noGrp="1"/>
           </p:cNvSpPr>
@@ -1211,10 +1173,48 @@
           </a:p>
         </p:txBody>
       </p:sp>
+      <p:sp>
+        <p:nvSpPr>
+          <p:cNvPr id="7" name="Rectangle 6"/>
+          <p:cNvSpPr/>
+          <p:nvPr/>
+        </p:nvSpPr>
+        <p:spPr>
+          <a:xfrm>
+            <a:off x="0" y="0"/>
+            <a:ext cx="457200" cy="6858000"/>
+          </a:xfrm>
+          <a:prstGeom prst="rect">
+            <a:avLst/>
+          </a:prstGeom>
+          <a:solidFill>
+            <a:schemeClr val="accent1"/>
+          </a:solidFill>
+          <a:ln>
+            <a:noFill/>
+          </a:ln>
+        </p:spPr>
+        <p:style>
+          <a:lnRef idx="2">
+            <a:schemeClr val="accent1">
+              <a:shade val="50000"/>
+            </a:schemeClr>
+          </a:lnRef>
+          <a:fillRef idx="1">
+            <a:schemeClr val="accent1"/>
+          </a:fillRef>
+          <a:effectRef idx="0">
+            <a:schemeClr val="accent1"/>
+          </a:effectRef>
+          <a:fontRef idx="minor">
+            <a:schemeClr val="lt1"/>
+          </a:fontRef>
+        </p:style>
+      </p:sp>
     </p:spTree>
     <p:extLst>
       <p:ext uri="{BB962C8B-B14F-4D97-AF65-F5344CB8AC3E}">
-        <p14:creationId xmlns:p14="http://schemas.microsoft.com/office/powerpoint/2010/main" val="2064530346"/>
+        <p14:creationId xmlns:p14="http://schemas.microsoft.com/office/powerpoint/2010/main" val="2314969439"/>
       </p:ext>
     </p:extLst>
   </p:cSld>
@@ -1243,13 +1243,7 @@
       </p:grpSpPr>
       <p:sp>
         <p:nvSpPr>
-          <p:cNvPr id="2" name="Título 1">
-            <a:extLst>
-              <a:ext uri="{FF2B5EF4-FFF2-40B4-BE49-F238E27FC236}">
-                <a16:creationId xmlns:a16="http://schemas.microsoft.com/office/drawing/2014/main" id="{FC460A4E-D2F3-42E5-9F7A-C7BF39EFAFCE}"/>
-              </a:ext>
-            </a:extLst>
-          </p:cNvPr>
+          <p:cNvPr id="2" name="Title 1"/>
           <p:cNvSpPr>
             <a:spLocks noGrp="1"/>
           </p:cNvSpPr>
@@ -1266,18 +1260,13 @@
               <a:rPr lang="pt-BR"/>
               <a:t>Clique para editar o título Mestre</a:t>
             </a:r>
-          </a:p>
-        </p:txBody>
-      </p:sp>
-      <p:sp>
-        <p:nvSpPr>
-          <p:cNvPr id="3" name="Espaço Reservado para Conteúdo 2">
-            <a:extLst>
-              <a:ext uri="{FF2B5EF4-FFF2-40B4-BE49-F238E27FC236}">
-                <a16:creationId xmlns:a16="http://schemas.microsoft.com/office/drawing/2014/main" id="{5D4314CF-DD47-4A84-8B0F-3E85E2842BE5}"/>
-              </a:ext>
-            </a:extLst>
-          </p:cNvPr>
+            <a:endParaRPr lang="en-US" dirty="0"/>
+          </a:p>
+        </p:txBody>
+      </p:sp>
+      <p:sp>
+        <p:nvSpPr>
+          <p:cNvPr id="3" name="Content Placeholder 2"/>
           <p:cNvSpPr>
             <a:spLocks noGrp="1"/>
           </p:cNvSpPr>
@@ -1287,13 +1276,41 @@
         </p:nvSpPr>
         <p:spPr>
           <a:xfrm>
-            <a:off x="838200" y="1825625"/>
-            <a:ext cx="5181600" cy="4351338"/>
+            <a:off x="1261872" y="1828800"/>
+            <a:ext cx="4480560" cy="4351337"/>
           </a:xfrm>
         </p:spPr>
         <p:txBody>
           <a:bodyPr/>
-          <a:lstStyle/>
+          <a:lstStyle>
+            <a:lvl1pPr>
+              <a:defRPr sz="1800"/>
+            </a:lvl1pPr>
+            <a:lvl2pPr>
+              <a:defRPr sz="1600"/>
+            </a:lvl2pPr>
+            <a:lvl3pPr>
+              <a:defRPr sz="1400"/>
+            </a:lvl3pPr>
+            <a:lvl4pPr>
+              <a:defRPr sz="1400"/>
+            </a:lvl4pPr>
+            <a:lvl5pPr>
+              <a:defRPr sz="1400"/>
+            </a:lvl5pPr>
+            <a:lvl6pPr>
+              <a:defRPr sz="1400"/>
+            </a:lvl6pPr>
+            <a:lvl7pPr>
+              <a:defRPr sz="1400"/>
+            </a:lvl7pPr>
+            <a:lvl8pPr>
+              <a:defRPr sz="1400"/>
+            </a:lvl8pPr>
+            <a:lvl9pPr>
+              <a:defRPr sz="1400"/>
+            </a:lvl9pPr>
+          </a:lstStyle>
           <a:p>
             <a:pPr lvl="0"/>
             <a:r>
@@ -1328,18 +1345,13 @@
               <a:rPr lang="pt-BR"/>
               <a:t>Quinto nível</a:t>
             </a:r>
-          </a:p>
-        </p:txBody>
-      </p:sp>
-      <p:sp>
-        <p:nvSpPr>
-          <p:cNvPr id="4" name="Espaço Reservado para Conteúdo 3">
-            <a:extLst>
-              <a:ext uri="{FF2B5EF4-FFF2-40B4-BE49-F238E27FC236}">
-                <a16:creationId xmlns:a16="http://schemas.microsoft.com/office/drawing/2014/main" id="{99970AC3-487A-407D-9ADC-40487FCB38B1}"/>
-              </a:ext>
-            </a:extLst>
-          </p:cNvPr>
+            <a:endParaRPr lang="en-US" dirty="0"/>
+          </a:p>
+        </p:txBody>
+      </p:sp>
+      <p:sp>
+        <p:nvSpPr>
+          <p:cNvPr id="4" name="Content Placeholder 3"/>
           <p:cNvSpPr>
             <a:spLocks noGrp="1"/>
           </p:cNvSpPr>
@@ -1349,13 +1361,41 @@
         </p:nvSpPr>
         <p:spPr>
           <a:xfrm>
-            <a:off x="6172200" y="1825625"/>
-            <a:ext cx="5181600" cy="4351338"/>
+            <a:off x="6126480" y="1828800"/>
+            <a:ext cx="4480560" cy="4351337"/>
           </a:xfrm>
         </p:spPr>
         <p:txBody>
           <a:bodyPr/>
-          <a:lstStyle/>
+          <a:lstStyle>
+            <a:lvl1pPr>
+              <a:defRPr sz="1800"/>
+            </a:lvl1pPr>
+            <a:lvl2pPr>
+              <a:defRPr sz="1600"/>
+            </a:lvl2pPr>
+            <a:lvl3pPr>
+              <a:defRPr sz="1400"/>
+            </a:lvl3pPr>
+            <a:lvl4pPr>
+              <a:defRPr sz="1400"/>
+            </a:lvl4pPr>
+            <a:lvl5pPr>
+              <a:defRPr sz="1400"/>
+            </a:lvl5pPr>
+            <a:lvl6pPr>
+              <a:defRPr sz="1400"/>
+            </a:lvl6pPr>
+            <a:lvl7pPr>
+              <a:defRPr sz="1400"/>
+            </a:lvl7pPr>
+            <a:lvl8pPr>
+              <a:defRPr sz="1400"/>
+            </a:lvl8pPr>
+            <a:lvl9pPr>
+              <a:defRPr sz="1400"/>
+            </a:lvl9pPr>
+          </a:lstStyle>
           <a:p>
             <a:pPr lvl="0"/>
             <a:r>
@@ -1390,18 +1430,13 @@
               <a:rPr lang="pt-BR"/>
               <a:t>Quinto nível</a:t>
             </a:r>
-          </a:p>
-        </p:txBody>
-      </p:sp>
-      <p:sp>
-        <p:nvSpPr>
-          <p:cNvPr id="5" name="Espaço Reservado para Data 4">
-            <a:extLst>
-              <a:ext uri="{FF2B5EF4-FFF2-40B4-BE49-F238E27FC236}">
-                <a16:creationId xmlns:a16="http://schemas.microsoft.com/office/drawing/2014/main" id="{5EFF1953-761F-4231-88A8-0065F654BD4F}"/>
-              </a:ext>
-            </a:extLst>
-          </p:cNvPr>
+            <a:endParaRPr lang="en-US" dirty="0"/>
+          </a:p>
+        </p:txBody>
+      </p:sp>
+      <p:sp>
+        <p:nvSpPr>
+          <p:cNvPr id="5" name="Date Placeholder 4"/>
           <p:cNvSpPr>
             <a:spLocks noGrp="1"/>
           </p:cNvSpPr>
@@ -1424,13 +1459,7 @@
       </p:sp>
       <p:sp>
         <p:nvSpPr>
-          <p:cNvPr id="6" name="Espaço Reservado para Rodapé 5">
-            <a:extLst>
-              <a:ext uri="{FF2B5EF4-FFF2-40B4-BE49-F238E27FC236}">
-                <a16:creationId xmlns:a16="http://schemas.microsoft.com/office/drawing/2014/main" id="{FB9CA207-70FD-4B43-8BC1-49E8C5D6FDBE}"/>
-              </a:ext>
-            </a:extLst>
-          </p:cNvPr>
+          <p:cNvPr id="6" name="Footer Placeholder 5"/>
           <p:cNvSpPr>
             <a:spLocks noGrp="1"/>
           </p:cNvSpPr>
@@ -1449,13 +1478,7 @@
       </p:sp>
       <p:sp>
         <p:nvSpPr>
-          <p:cNvPr id="7" name="Espaço Reservado para Número de Slide 6">
-            <a:extLst>
-              <a:ext uri="{FF2B5EF4-FFF2-40B4-BE49-F238E27FC236}">
-                <a16:creationId xmlns:a16="http://schemas.microsoft.com/office/drawing/2014/main" id="{15207AFF-E7B2-4950-B9F5-78A6D9B02B7B}"/>
-              </a:ext>
-            </a:extLst>
-          </p:cNvPr>
+          <p:cNvPr id="7" name="Slide Number Placeholder 6"/>
           <p:cNvSpPr>
             <a:spLocks noGrp="1"/>
           </p:cNvSpPr>
@@ -1479,7 +1502,7 @@
     </p:spTree>
     <p:extLst>
       <p:ext uri="{BB962C8B-B14F-4D97-AF65-F5344CB8AC3E}">
-        <p14:creationId xmlns:p14="http://schemas.microsoft.com/office/powerpoint/2010/main" val="1867507261"/>
+        <p14:creationId xmlns:p14="http://schemas.microsoft.com/office/powerpoint/2010/main" val="2269304878"/>
       </p:ext>
     </p:extLst>
   </p:cSld>
@@ -1508,65 +1531,58 @@
       </p:grpSpPr>
       <p:sp>
         <p:nvSpPr>
-          <p:cNvPr id="2" name="Título 1">
-            <a:extLst>
-              <a:ext uri="{FF2B5EF4-FFF2-40B4-BE49-F238E27FC236}">
-                <a16:creationId xmlns:a16="http://schemas.microsoft.com/office/drawing/2014/main" id="{BDE85CCF-1873-40EF-8BED-C65366F3222F}"/>
-              </a:ext>
-            </a:extLst>
-          </p:cNvPr>
+          <p:cNvPr id="10" name="Title 9"/>
           <p:cNvSpPr>
             <a:spLocks noGrp="1"/>
           </p:cNvSpPr>
           <p:nvPr>
             <p:ph type="title"/>
+          </p:nvPr>
+        </p:nvSpPr>
+        <p:spPr/>
+        <p:txBody>
+          <a:bodyPr/>
+          <a:lstStyle/>
+          <a:p>
+            <a:r>
+              <a:rPr lang="pt-BR"/>
+              <a:t>Clique para editar o título Mestre</a:t>
+            </a:r>
+            <a:endParaRPr lang="en-US" dirty="0"/>
+          </a:p>
+        </p:txBody>
+      </p:sp>
+      <p:sp>
+        <p:nvSpPr>
+          <p:cNvPr id="3" name="Text Placeholder 2"/>
+          <p:cNvSpPr>
+            <a:spLocks noGrp="1"/>
+          </p:cNvSpPr>
+          <p:nvPr>
+            <p:ph type="body" idx="1"/>
           </p:nvPr>
         </p:nvSpPr>
         <p:spPr>
           <a:xfrm>
-            <a:off x="839788" y="365125"/>
-            <a:ext cx="10515600" cy="1325563"/>
+            <a:off x="1261872" y="1713655"/>
+            <a:ext cx="4480560" cy="731520"/>
           </a:xfrm>
         </p:spPr>
         <p:txBody>
-          <a:bodyPr/>
-          <a:lstStyle/>
-          <a:p>
-            <a:r>
-              <a:rPr lang="pt-BR"/>
-              <a:t>Clique para editar o título Mestre</a:t>
-            </a:r>
-          </a:p>
-        </p:txBody>
-      </p:sp>
-      <p:sp>
-        <p:nvSpPr>
-          <p:cNvPr id="3" name="Espaço Reservado para Texto 2">
-            <a:extLst>
-              <a:ext uri="{FF2B5EF4-FFF2-40B4-BE49-F238E27FC236}">
-                <a16:creationId xmlns:a16="http://schemas.microsoft.com/office/drawing/2014/main" id="{D7058F98-9EEE-4CE0-AB94-523C07244259}"/>
-              </a:ext>
-            </a:extLst>
-          </p:cNvPr>
-          <p:cNvSpPr>
-            <a:spLocks noGrp="1"/>
-          </p:cNvSpPr>
-          <p:nvPr>
-            <p:ph type="body" idx="1"/>
-          </p:nvPr>
-        </p:nvSpPr>
-        <p:spPr>
-          <a:xfrm>
-            <a:off x="839788" y="1681163"/>
-            <a:ext cx="5157787" cy="823912"/>
-          </a:xfrm>
-        </p:spPr>
-        <p:txBody>
-          <a:bodyPr anchor="b"/>
+          <a:bodyPr anchor="b">
+            <a:normAutofit/>
+          </a:bodyPr>
           <a:lstStyle>
             <a:lvl1pPr marL="0" indent="0">
-              <a:buNone/>
-              <a:defRPr sz="2400" b="1"/>
+              <a:spcBef>
+                <a:spcPts val="0"/>
+              </a:spcBef>
+              <a:buNone/>
+              <a:defRPr sz="2000" b="0">
+                <a:solidFill>
+                  <a:schemeClr val="tx2"/>
+                </a:solidFill>
+              </a:defRPr>
             </a:lvl1pPr>
             <a:lvl2pPr marL="457200" indent="0">
               <a:buNone/>
@@ -1612,13 +1628,7 @@
       </p:sp>
       <p:sp>
         <p:nvSpPr>
-          <p:cNvPr id="4" name="Espaço Reservado para Conteúdo 3">
-            <a:extLst>
-              <a:ext uri="{FF2B5EF4-FFF2-40B4-BE49-F238E27FC236}">
-                <a16:creationId xmlns:a16="http://schemas.microsoft.com/office/drawing/2014/main" id="{1F488B14-BCE4-440B-A838-E85921321494}"/>
-              </a:ext>
-            </a:extLst>
-          </p:cNvPr>
+          <p:cNvPr id="4" name="Content Placeholder 3"/>
           <p:cNvSpPr>
             <a:spLocks noGrp="1"/>
           </p:cNvSpPr>
@@ -1628,13 +1638,41 @@
         </p:nvSpPr>
         <p:spPr>
           <a:xfrm>
-            <a:off x="839788" y="2505075"/>
-            <a:ext cx="5157787" cy="3684588"/>
+            <a:off x="1261872" y="2507550"/>
+            <a:ext cx="4480560" cy="3664650"/>
           </a:xfrm>
         </p:spPr>
         <p:txBody>
           <a:bodyPr/>
-          <a:lstStyle/>
+          <a:lstStyle>
+            <a:lvl1pPr>
+              <a:defRPr sz="1800"/>
+            </a:lvl1pPr>
+            <a:lvl2pPr>
+              <a:defRPr sz="1600"/>
+            </a:lvl2pPr>
+            <a:lvl3pPr>
+              <a:defRPr sz="1400"/>
+            </a:lvl3pPr>
+            <a:lvl4pPr>
+              <a:defRPr sz="1400"/>
+            </a:lvl4pPr>
+            <a:lvl5pPr>
+              <a:defRPr sz="1400"/>
+            </a:lvl5pPr>
+            <a:lvl6pPr>
+              <a:defRPr sz="1400"/>
+            </a:lvl6pPr>
+            <a:lvl7pPr>
+              <a:defRPr sz="1400"/>
+            </a:lvl7pPr>
+            <a:lvl8pPr>
+              <a:defRPr sz="1400"/>
+            </a:lvl8pPr>
+            <a:lvl9pPr>
+              <a:defRPr sz="1400"/>
+            </a:lvl9pPr>
+          </a:lstStyle>
           <a:p>
             <a:pPr lvl="0"/>
             <a:r>
@@ -1669,18 +1707,13 @@
               <a:rPr lang="pt-BR"/>
               <a:t>Quinto nível</a:t>
             </a:r>
-          </a:p>
-        </p:txBody>
-      </p:sp>
-      <p:sp>
-        <p:nvSpPr>
-          <p:cNvPr id="5" name="Espaço Reservado para Texto 4">
-            <a:extLst>
-              <a:ext uri="{FF2B5EF4-FFF2-40B4-BE49-F238E27FC236}">
-                <a16:creationId xmlns:a16="http://schemas.microsoft.com/office/drawing/2014/main" id="{BD962F51-4AD1-420D-B3D4-B472D569BC02}"/>
-              </a:ext>
-            </a:extLst>
-          </p:cNvPr>
+            <a:endParaRPr lang="en-US" dirty="0"/>
+          </a:p>
+        </p:txBody>
+      </p:sp>
+      <p:sp>
+        <p:nvSpPr>
+          <p:cNvPr id="5" name="Text Placeholder 4"/>
           <p:cNvSpPr>
             <a:spLocks noGrp="1"/>
           </p:cNvSpPr>
@@ -1690,16 +1723,31 @@
         </p:nvSpPr>
         <p:spPr>
           <a:xfrm>
-            <a:off x="6172200" y="1681163"/>
-            <a:ext cx="5183188" cy="823912"/>
+            <a:off x="6126480" y="1713655"/>
+            <a:ext cx="4480560" cy="731520"/>
           </a:xfrm>
         </p:spPr>
         <p:txBody>
-          <a:bodyPr anchor="b"/>
+          <a:bodyPr anchor="b">
+            <a:normAutofit/>
+          </a:bodyPr>
           <a:lstStyle>
             <a:lvl1pPr marL="0" indent="0">
-              <a:buNone/>
-              <a:defRPr sz="2400" b="1"/>
+              <a:lnSpc>
+                <a:spcPct val="95000"/>
+              </a:lnSpc>
+              <a:spcBef>
+                <a:spcPts val="0"/>
+              </a:spcBef>
+              <a:buNone/>
+              <a:defRPr lang="en-US" sz="2000" b="0" kern="1200" dirty="0">
+                <a:solidFill>
+                  <a:schemeClr val="tx2"/>
+                </a:solidFill>
+                <a:latin typeface="+mn-lt"/>
+                <a:ea typeface="+mn-ea"/>
+                <a:cs typeface="+mn-cs"/>
+              </a:defRPr>
             </a:lvl1pPr>
             <a:lvl2pPr marL="457200" indent="0">
               <a:buNone/>
@@ -1735,7 +1783,16 @@
             </a:lvl9pPr>
           </a:lstStyle>
           <a:p>
-            <a:pPr lvl="0"/>
+            <a:pPr marL="0" lvl="0" indent="0" algn="l" defTabSz="914400" rtl="0" eaLnBrk="1" latinLnBrk="0" hangingPunct="1">
+              <a:lnSpc>
+                <a:spcPct val="90000"/>
+              </a:lnSpc>
+              <a:spcBef>
+                <a:spcPts val="2000"/>
+              </a:spcBef>
+              <a:buFontTx/>
+              <a:buNone/>
+            </a:pPr>
             <a:r>
               <a:rPr lang="pt-BR"/>
               <a:t>Clique para editar os estilos de texto Mestres</a:t>
@@ -1745,13 +1802,7 @@
       </p:sp>
       <p:sp>
         <p:nvSpPr>
-          <p:cNvPr id="6" name="Espaço Reservado para Conteúdo 5">
-            <a:extLst>
-              <a:ext uri="{FF2B5EF4-FFF2-40B4-BE49-F238E27FC236}">
-                <a16:creationId xmlns:a16="http://schemas.microsoft.com/office/drawing/2014/main" id="{06FC8BCA-3113-46E8-8659-0328C60635F5}"/>
-              </a:ext>
-            </a:extLst>
-          </p:cNvPr>
+          <p:cNvPr id="6" name="Content Placeholder 5"/>
           <p:cNvSpPr>
             <a:spLocks noGrp="1"/>
           </p:cNvSpPr>
@@ -1761,13 +1812,41 @@
         </p:nvSpPr>
         <p:spPr>
           <a:xfrm>
-            <a:off x="6172200" y="2505075"/>
-            <a:ext cx="5183188" cy="3684588"/>
+            <a:off x="6126480" y="2507550"/>
+            <a:ext cx="4480560" cy="3664650"/>
           </a:xfrm>
         </p:spPr>
         <p:txBody>
           <a:bodyPr/>
-          <a:lstStyle/>
+          <a:lstStyle>
+            <a:lvl1pPr>
+              <a:defRPr sz="1800"/>
+            </a:lvl1pPr>
+            <a:lvl2pPr>
+              <a:defRPr sz="1600"/>
+            </a:lvl2pPr>
+            <a:lvl3pPr>
+              <a:defRPr sz="1400"/>
+            </a:lvl3pPr>
+            <a:lvl4pPr>
+              <a:defRPr sz="1400"/>
+            </a:lvl4pPr>
+            <a:lvl5pPr>
+              <a:defRPr sz="1400"/>
+            </a:lvl5pPr>
+            <a:lvl6pPr>
+              <a:defRPr sz="1400"/>
+            </a:lvl6pPr>
+            <a:lvl7pPr>
+              <a:defRPr sz="1400"/>
+            </a:lvl7pPr>
+            <a:lvl8pPr>
+              <a:defRPr sz="1400"/>
+            </a:lvl8pPr>
+            <a:lvl9pPr>
+              <a:defRPr sz="1400"/>
+            </a:lvl9pPr>
+          </a:lstStyle>
           <a:p>
             <a:pPr lvl="0"/>
             <a:r>
@@ -1802,18 +1881,13 @@
               <a:rPr lang="pt-BR"/>
               <a:t>Quinto nível</a:t>
             </a:r>
-          </a:p>
-        </p:txBody>
-      </p:sp>
-      <p:sp>
-        <p:nvSpPr>
-          <p:cNvPr id="7" name="Espaço Reservado para Data 6">
-            <a:extLst>
-              <a:ext uri="{FF2B5EF4-FFF2-40B4-BE49-F238E27FC236}">
-                <a16:creationId xmlns:a16="http://schemas.microsoft.com/office/drawing/2014/main" id="{51897D36-960A-4E17-BC8D-8F818E20334C}"/>
-              </a:ext>
-            </a:extLst>
-          </p:cNvPr>
+            <a:endParaRPr lang="en-US" dirty="0"/>
+          </a:p>
+        </p:txBody>
+      </p:sp>
+      <p:sp>
+        <p:nvSpPr>
+          <p:cNvPr id="7" name="Date Placeholder 6"/>
           <p:cNvSpPr>
             <a:spLocks noGrp="1"/>
           </p:cNvSpPr>
@@ -1836,13 +1910,7 @@
       </p:sp>
       <p:sp>
         <p:nvSpPr>
-          <p:cNvPr id="8" name="Espaço Reservado para Rodapé 7">
-            <a:extLst>
-              <a:ext uri="{FF2B5EF4-FFF2-40B4-BE49-F238E27FC236}">
-                <a16:creationId xmlns:a16="http://schemas.microsoft.com/office/drawing/2014/main" id="{70BF8110-9668-4CB6-9A47-C02D0E4BC3D8}"/>
-              </a:ext>
-            </a:extLst>
-          </p:cNvPr>
+          <p:cNvPr id="8" name="Footer Placeholder 7"/>
           <p:cNvSpPr>
             <a:spLocks noGrp="1"/>
           </p:cNvSpPr>
@@ -1861,13 +1929,7 @@
       </p:sp>
       <p:sp>
         <p:nvSpPr>
-          <p:cNvPr id="9" name="Espaço Reservado para Número de Slide 8">
-            <a:extLst>
-              <a:ext uri="{FF2B5EF4-FFF2-40B4-BE49-F238E27FC236}">
-                <a16:creationId xmlns:a16="http://schemas.microsoft.com/office/drawing/2014/main" id="{FD130C1E-CA85-4732-A78B-FF52D56CAEFD}"/>
-              </a:ext>
-            </a:extLst>
-          </p:cNvPr>
+          <p:cNvPr id="9" name="Slide Number Placeholder 8"/>
           <p:cNvSpPr>
             <a:spLocks noGrp="1"/>
           </p:cNvSpPr>
@@ -1891,7 +1953,7 @@
     </p:spTree>
     <p:extLst>
       <p:ext uri="{BB962C8B-B14F-4D97-AF65-F5344CB8AC3E}">
-        <p14:creationId xmlns:p14="http://schemas.microsoft.com/office/powerpoint/2010/main" val="2987895652"/>
+        <p14:creationId xmlns:p14="http://schemas.microsoft.com/office/powerpoint/2010/main" val="3797367452"/>
       </p:ext>
     </p:extLst>
   </p:cSld>
@@ -1920,13 +1982,7 @@
       </p:grpSpPr>
       <p:sp>
         <p:nvSpPr>
-          <p:cNvPr id="2" name="Título 1">
-            <a:extLst>
-              <a:ext uri="{FF2B5EF4-FFF2-40B4-BE49-F238E27FC236}">
-                <a16:creationId xmlns:a16="http://schemas.microsoft.com/office/drawing/2014/main" id="{E93E0C1B-17D1-4D9C-8A81-231268007CC1}"/>
-              </a:ext>
-            </a:extLst>
-          </p:cNvPr>
+          <p:cNvPr id="6" name="Title 5"/>
           <p:cNvSpPr>
             <a:spLocks noGrp="1"/>
           </p:cNvSpPr>
@@ -1943,18 +1999,13 @@
               <a:rPr lang="pt-BR"/>
               <a:t>Clique para editar o título Mestre</a:t>
             </a:r>
-          </a:p>
-        </p:txBody>
-      </p:sp>
-      <p:sp>
-        <p:nvSpPr>
-          <p:cNvPr id="3" name="Espaço Reservado para Data 2">
-            <a:extLst>
-              <a:ext uri="{FF2B5EF4-FFF2-40B4-BE49-F238E27FC236}">
-                <a16:creationId xmlns:a16="http://schemas.microsoft.com/office/drawing/2014/main" id="{057F9271-4BAB-469B-8ABC-0264B5B24022}"/>
-              </a:ext>
-            </a:extLst>
-          </p:cNvPr>
+            <a:endParaRPr lang="en-US" dirty="0"/>
+          </a:p>
+        </p:txBody>
+      </p:sp>
+      <p:sp>
+        <p:nvSpPr>
+          <p:cNvPr id="3" name="Date Placeholder 2"/>
           <p:cNvSpPr>
             <a:spLocks noGrp="1"/>
           </p:cNvSpPr>
@@ -1977,13 +2028,7 @@
       </p:sp>
       <p:sp>
         <p:nvSpPr>
-          <p:cNvPr id="4" name="Espaço Reservado para Rodapé 3">
-            <a:extLst>
-              <a:ext uri="{FF2B5EF4-FFF2-40B4-BE49-F238E27FC236}">
-                <a16:creationId xmlns:a16="http://schemas.microsoft.com/office/drawing/2014/main" id="{ABF6EF8E-1EF0-4D25-9C51-B59E0F7D01ED}"/>
-              </a:ext>
-            </a:extLst>
-          </p:cNvPr>
+          <p:cNvPr id="4" name="Footer Placeholder 3"/>
           <p:cNvSpPr>
             <a:spLocks noGrp="1"/>
           </p:cNvSpPr>
@@ -2002,13 +2047,7 @@
       </p:sp>
       <p:sp>
         <p:nvSpPr>
-          <p:cNvPr id="5" name="Espaço Reservado para Número de Slide 4">
-            <a:extLst>
-              <a:ext uri="{FF2B5EF4-FFF2-40B4-BE49-F238E27FC236}">
-                <a16:creationId xmlns:a16="http://schemas.microsoft.com/office/drawing/2014/main" id="{696F459C-A214-443F-B7D0-22C81F4B141E}"/>
-              </a:ext>
-            </a:extLst>
-          </p:cNvPr>
+          <p:cNvPr id="5" name="Slide Number Placeholder 4"/>
           <p:cNvSpPr>
             <a:spLocks noGrp="1"/>
           </p:cNvSpPr>
@@ -2032,7 +2071,7 @@
     </p:spTree>
     <p:extLst>
       <p:ext uri="{BB962C8B-B14F-4D97-AF65-F5344CB8AC3E}">
-        <p14:creationId xmlns:p14="http://schemas.microsoft.com/office/powerpoint/2010/main" val="1421002870"/>
+        <p14:creationId xmlns:p14="http://schemas.microsoft.com/office/powerpoint/2010/main" val="2632572618"/>
       </p:ext>
     </p:extLst>
   </p:cSld>
@@ -2061,13 +2100,7 @@
       </p:grpSpPr>
       <p:sp>
         <p:nvSpPr>
-          <p:cNvPr id="2" name="Espaço Reservado para Data 1">
-            <a:extLst>
-              <a:ext uri="{FF2B5EF4-FFF2-40B4-BE49-F238E27FC236}">
-                <a16:creationId xmlns:a16="http://schemas.microsoft.com/office/drawing/2014/main" id="{775AF41F-49DE-4346-9DB1-C8D169E40193}"/>
-              </a:ext>
-            </a:extLst>
-          </p:cNvPr>
+          <p:cNvPr id="2" name="Date Placeholder 1"/>
           <p:cNvSpPr>
             <a:spLocks noGrp="1"/>
           </p:cNvSpPr>
@@ -2090,13 +2123,7 @@
       </p:sp>
       <p:sp>
         <p:nvSpPr>
-          <p:cNvPr id="3" name="Espaço Reservado para Rodapé 2">
-            <a:extLst>
-              <a:ext uri="{FF2B5EF4-FFF2-40B4-BE49-F238E27FC236}">
-                <a16:creationId xmlns:a16="http://schemas.microsoft.com/office/drawing/2014/main" id="{7216B0A4-A4FA-41F4-BD0C-8137E2B6AD23}"/>
-              </a:ext>
-            </a:extLst>
-          </p:cNvPr>
+          <p:cNvPr id="3" name="Footer Placeholder 2"/>
           <p:cNvSpPr>
             <a:spLocks noGrp="1"/>
           </p:cNvSpPr>
@@ -2115,13 +2142,7 @@
       </p:sp>
       <p:sp>
         <p:nvSpPr>
-          <p:cNvPr id="4" name="Espaço Reservado para Número de Slide 3">
-            <a:extLst>
-              <a:ext uri="{FF2B5EF4-FFF2-40B4-BE49-F238E27FC236}">
-                <a16:creationId xmlns:a16="http://schemas.microsoft.com/office/drawing/2014/main" id="{8D3FEA48-BC98-48E2-BB46-BB6D4F5756CC}"/>
-              </a:ext>
-            </a:extLst>
-          </p:cNvPr>
+          <p:cNvPr id="4" name="Slide Number Placeholder 3"/>
           <p:cNvSpPr>
             <a:spLocks noGrp="1"/>
           </p:cNvSpPr>
@@ -2145,7 +2166,7 @@
     </p:spTree>
     <p:extLst>
       <p:ext uri="{BB962C8B-B14F-4D97-AF65-F5344CB8AC3E}">
-        <p14:creationId xmlns:p14="http://schemas.microsoft.com/office/powerpoint/2010/main" val="1963787454"/>
+        <p14:creationId xmlns:p14="http://schemas.microsoft.com/office/powerpoint/2010/main" val="2191248053"/>
       </p:ext>
     </p:extLst>
   </p:cSld>
@@ -2174,13 +2195,7 @@
       </p:grpSpPr>
       <p:sp>
         <p:nvSpPr>
-          <p:cNvPr id="2" name="Título 1">
-            <a:extLst>
-              <a:ext uri="{FF2B5EF4-FFF2-40B4-BE49-F238E27FC236}">
-                <a16:creationId xmlns:a16="http://schemas.microsoft.com/office/drawing/2014/main" id="{9515366A-26EB-46FB-8E3B-2AEF00E9DAFC}"/>
-              </a:ext>
-            </a:extLst>
-          </p:cNvPr>
+          <p:cNvPr id="2" name="Title 1"/>
           <p:cNvSpPr>
             <a:spLocks noGrp="1"/>
           </p:cNvSpPr>
@@ -2190,15 +2205,17 @@
         </p:nvSpPr>
         <p:spPr>
           <a:xfrm>
-            <a:off x="839788" y="457200"/>
-            <a:ext cx="3932237" cy="1600200"/>
+            <a:off x="841248" y="457200"/>
+            <a:ext cx="3200400" cy="1600197"/>
           </a:xfrm>
         </p:spPr>
         <p:txBody>
-          <a:bodyPr anchor="b"/>
+          <a:bodyPr anchor="b">
+            <a:normAutofit/>
+          </a:bodyPr>
           <a:lstStyle>
             <a:lvl1pPr>
-              <a:defRPr sz="3200"/>
+              <a:defRPr sz="3200" b="0" baseline="0"/>
             </a:lvl1pPr>
           </a:lstStyle>
           <a:p>
@@ -2206,18 +2223,13 @@
               <a:rPr lang="pt-BR"/>
               <a:t>Clique para editar o título Mestre</a:t>
             </a:r>
-          </a:p>
-        </p:txBody>
-      </p:sp>
-      <p:sp>
-        <p:nvSpPr>
-          <p:cNvPr id="3" name="Espaço Reservado para Conteúdo 2">
-            <a:extLst>
-              <a:ext uri="{FF2B5EF4-FFF2-40B4-BE49-F238E27FC236}">
-                <a16:creationId xmlns:a16="http://schemas.microsoft.com/office/drawing/2014/main" id="{2F2C7220-FD25-425F-88D7-919A92C7EF51}"/>
-              </a:ext>
-            </a:extLst>
-          </p:cNvPr>
+            <a:endParaRPr lang="en-US" dirty="0"/>
+          </a:p>
+        </p:txBody>
+      </p:sp>
+      <p:sp>
+        <p:nvSpPr>
+          <p:cNvPr id="3" name="Content Placeholder 2"/>
           <p:cNvSpPr>
             <a:spLocks noGrp="1"/>
           </p:cNvSpPr>
@@ -2227,39 +2239,39 @@
         </p:nvSpPr>
         <p:spPr>
           <a:xfrm>
-            <a:off x="5183188" y="987425"/>
-            <a:ext cx="6172200" cy="4873625"/>
+            <a:off x="4504267" y="685800"/>
+            <a:ext cx="6079066" cy="5486400"/>
           </a:xfrm>
         </p:spPr>
         <p:txBody>
           <a:bodyPr/>
           <a:lstStyle>
             <a:lvl1pPr>
-              <a:defRPr sz="3200"/>
+              <a:defRPr sz="2000"/>
             </a:lvl1pPr>
             <a:lvl2pPr>
-              <a:defRPr sz="2800"/>
+              <a:defRPr sz="1800"/>
             </a:lvl2pPr>
             <a:lvl3pPr>
-              <a:defRPr sz="2400"/>
+              <a:defRPr sz="1600"/>
             </a:lvl3pPr>
             <a:lvl4pPr>
-              <a:defRPr sz="2000"/>
+              <a:defRPr sz="1400"/>
             </a:lvl4pPr>
             <a:lvl5pPr>
-              <a:defRPr sz="2000"/>
+              <a:defRPr sz="1400"/>
             </a:lvl5pPr>
             <a:lvl6pPr>
-              <a:defRPr sz="2000"/>
+              <a:defRPr sz="1400"/>
             </a:lvl6pPr>
             <a:lvl7pPr>
-              <a:defRPr sz="2000"/>
+              <a:defRPr sz="1400"/>
             </a:lvl7pPr>
             <a:lvl8pPr>
-              <a:defRPr sz="2000"/>
+              <a:defRPr sz="1400"/>
             </a:lvl8pPr>
             <a:lvl9pPr>
-              <a:defRPr sz="2000"/>
+              <a:defRPr sz="1400"/>
             </a:lvl9pPr>
           </a:lstStyle>
           <a:p>
@@ -2296,18 +2308,13 @@
               <a:rPr lang="pt-BR"/>
               <a:t>Quinto nível</a:t>
             </a:r>
-          </a:p>
-        </p:txBody>
-      </p:sp>
-      <p:sp>
-        <p:nvSpPr>
-          <p:cNvPr id="4" name="Espaço Reservado para Texto 3">
-            <a:extLst>
-              <a:ext uri="{FF2B5EF4-FFF2-40B4-BE49-F238E27FC236}">
-                <a16:creationId xmlns:a16="http://schemas.microsoft.com/office/drawing/2014/main" id="{B7CF9E4F-F02B-4B1E-9C5F-3F9478C13ECD}"/>
-              </a:ext>
-            </a:extLst>
-          </p:cNvPr>
+            <a:endParaRPr lang="en-US" dirty="0"/>
+          </a:p>
+        </p:txBody>
+      </p:sp>
+      <p:sp>
+        <p:nvSpPr>
+          <p:cNvPr id="4" name="Text Placeholder 3"/>
           <p:cNvSpPr>
             <a:spLocks noGrp="1"/>
           </p:cNvSpPr>
@@ -2317,48 +2324,56 @@
         </p:nvSpPr>
         <p:spPr>
           <a:xfrm>
-            <a:off x="839788" y="2057400"/>
-            <a:ext cx="3932237" cy="3811588"/>
+            <a:off x="841248" y="2099734"/>
+            <a:ext cx="3200400" cy="3810001"/>
           </a:xfrm>
         </p:spPr>
         <p:txBody>
-          <a:bodyPr/>
+          <a:bodyPr>
+            <a:normAutofit/>
+          </a:bodyPr>
           <a:lstStyle>
             <a:lvl1pPr marL="0" indent="0">
-              <a:buNone/>
-              <a:defRPr sz="1600"/>
+              <a:lnSpc>
+                <a:spcPct val="114000"/>
+              </a:lnSpc>
+              <a:spcBef>
+                <a:spcPts val="800"/>
+              </a:spcBef>
+              <a:buNone/>
+              <a:defRPr sz="1300"/>
             </a:lvl1pPr>
             <a:lvl2pPr marL="457200" indent="0">
               <a:buNone/>
-              <a:defRPr sz="1400"/>
+              <a:defRPr sz="1200"/>
             </a:lvl2pPr>
             <a:lvl3pPr marL="914400" indent="0">
               <a:buNone/>
-              <a:defRPr sz="1200"/>
+              <a:defRPr sz="1000"/>
             </a:lvl3pPr>
             <a:lvl4pPr marL="1371600" indent="0">
               <a:buNone/>
-              <a:defRPr sz="1000"/>
+              <a:defRPr sz="900"/>
             </a:lvl4pPr>
             <a:lvl5pPr marL="1828800" indent="0">
               <a:buNone/>
-              <a:defRPr sz="1000"/>
+              <a:defRPr sz="900"/>
             </a:lvl5pPr>
             <a:lvl6pPr marL="2286000" indent="0">
               <a:buNone/>
-              <a:defRPr sz="1000"/>
+              <a:defRPr sz="900"/>
             </a:lvl6pPr>
             <a:lvl7pPr marL="2743200" indent="0">
               <a:buNone/>
-              <a:defRPr sz="1000"/>
+              <a:defRPr sz="900"/>
             </a:lvl7pPr>
             <a:lvl8pPr marL="3200400" indent="0">
               <a:buNone/>
-              <a:defRPr sz="1000"/>
+              <a:defRPr sz="900"/>
             </a:lvl8pPr>
             <a:lvl9pPr marL="3657600" indent="0">
               <a:buNone/>
-              <a:defRPr sz="1000"/>
+              <a:defRPr sz="900"/>
             </a:lvl9pPr>
           </a:lstStyle>
           <a:p>
@@ -2372,13 +2387,7 @@
       </p:sp>
       <p:sp>
         <p:nvSpPr>
-          <p:cNvPr id="5" name="Espaço Reservado para Data 4">
-            <a:extLst>
-              <a:ext uri="{FF2B5EF4-FFF2-40B4-BE49-F238E27FC236}">
-                <a16:creationId xmlns:a16="http://schemas.microsoft.com/office/drawing/2014/main" id="{8922ECBB-AE15-4073-9829-B13780F14926}"/>
-              </a:ext>
-            </a:extLst>
-          </p:cNvPr>
+          <p:cNvPr id="5" name="Date Placeholder 4"/>
           <p:cNvSpPr>
             <a:spLocks noGrp="1"/>
           </p:cNvSpPr>
@@ -2401,13 +2410,7 @@
       </p:sp>
       <p:sp>
         <p:nvSpPr>
-          <p:cNvPr id="6" name="Espaço Reservado para Rodapé 5">
-            <a:extLst>
-              <a:ext uri="{FF2B5EF4-FFF2-40B4-BE49-F238E27FC236}">
-                <a16:creationId xmlns:a16="http://schemas.microsoft.com/office/drawing/2014/main" id="{5F2BD564-B25E-4CBB-BBEA-78BDBF28F082}"/>
-              </a:ext>
-            </a:extLst>
-          </p:cNvPr>
+          <p:cNvPr id="6" name="Footer Placeholder 5"/>
           <p:cNvSpPr>
             <a:spLocks noGrp="1"/>
           </p:cNvSpPr>
@@ -2426,13 +2429,7 @@
       </p:sp>
       <p:sp>
         <p:nvSpPr>
-          <p:cNvPr id="7" name="Espaço Reservado para Número de Slide 6">
-            <a:extLst>
-              <a:ext uri="{FF2B5EF4-FFF2-40B4-BE49-F238E27FC236}">
-                <a16:creationId xmlns:a16="http://schemas.microsoft.com/office/drawing/2014/main" id="{F2E30211-77A6-4429-AFE2-573AE122412D}"/>
-              </a:ext>
-            </a:extLst>
-          </p:cNvPr>
+          <p:cNvPr id="7" name="Slide Number Placeholder 6"/>
           <p:cNvSpPr>
             <a:spLocks noGrp="1"/>
           </p:cNvSpPr>
@@ -2456,7 +2453,7 @@
     </p:spTree>
     <p:extLst>
       <p:ext uri="{BB962C8B-B14F-4D97-AF65-F5344CB8AC3E}">
-        <p14:creationId xmlns:p14="http://schemas.microsoft.com/office/powerpoint/2010/main" val="504951584"/>
+        <p14:creationId xmlns:p14="http://schemas.microsoft.com/office/powerpoint/2010/main" val="2325447744"/>
       </p:ext>
     </p:extLst>
   </p:cSld>
@@ -2485,31 +2482,69 @@
       </p:grpSpPr>
       <p:sp>
         <p:nvSpPr>
-          <p:cNvPr id="2" name="Título 1">
-            <a:extLst>
-              <a:ext uri="{FF2B5EF4-FFF2-40B4-BE49-F238E27FC236}">
-                <a16:creationId xmlns:a16="http://schemas.microsoft.com/office/drawing/2014/main" id="{A529F86E-9797-404C-8331-964C41F41498}"/>
-              </a:ext>
-            </a:extLst>
-          </p:cNvPr>
-          <p:cNvSpPr>
-            <a:spLocks noGrp="1"/>
-          </p:cNvSpPr>
-          <p:nvPr>
-            <p:ph type="title"/>
-          </p:nvPr>
+          <p:cNvPr id="8" name="Rectangle 7"/>
+          <p:cNvSpPr/>
+          <p:nvPr/>
         </p:nvSpPr>
         <p:spPr>
           <a:xfrm>
-            <a:off x="839788" y="457200"/>
-            <a:ext cx="3932237" cy="1600200"/>
+            <a:off x="0" y="5105400"/>
+            <a:ext cx="11292840" cy="1752600"/>
+          </a:xfrm>
+          <a:prstGeom prst="rect">
+            <a:avLst/>
+          </a:prstGeom>
+          <a:solidFill>
+            <a:srgbClr val="000000"/>
+          </a:solidFill>
+          <a:ln>
+            <a:noFill/>
+          </a:ln>
+        </p:spPr>
+        <p:style>
+          <a:lnRef idx="2">
+            <a:schemeClr val="accent1">
+              <a:shade val="50000"/>
+            </a:schemeClr>
+          </a:lnRef>
+          <a:fillRef idx="1">
+            <a:schemeClr val="accent1"/>
+          </a:fillRef>
+          <a:effectRef idx="0">
+            <a:schemeClr val="accent1"/>
+          </a:effectRef>
+          <a:fontRef idx="minor">
+            <a:schemeClr val="lt1"/>
+          </a:fontRef>
+        </p:style>
+      </p:sp>
+      <p:sp>
+        <p:nvSpPr>
+          <p:cNvPr id="2" name="Title 1"/>
+          <p:cNvSpPr>
+            <a:spLocks noGrp="1"/>
+          </p:cNvSpPr>
+          <p:nvPr>
+            <p:ph type="title"/>
+          </p:nvPr>
+        </p:nvSpPr>
+        <p:spPr>
+          <a:xfrm>
+            <a:off x="914400" y="5257800"/>
+            <a:ext cx="9982200" cy="914400"/>
           </a:xfrm>
         </p:spPr>
         <p:txBody>
-          <a:bodyPr anchor="b"/>
+          <a:bodyPr anchor="b">
+            <a:normAutofit/>
+          </a:bodyPr>
           <a:lstStyle>
             <a:lvl1pPr>
-              <a:defRPr sz="3200"/>
+              <a:defRPr sz="2800" b="0">
+                <a:solidFill>
+                  <a:schemeClr val="bg1"/>
+                </a:solidFill>
+              </a:defRPr>
             </a:lvl1pPr>
           </a:lstStyle>
           <a:p>
@@ -2517,20 +2552,15 @@
               <a:rPr lang="pt-BR"/>
               <a:t>Clique para editar o título Mestre</a:t>
             </a:r>
-          </a:p>
-        </p:txBody>
-      </p:sp>
-      <p:sp>
-        <p:nvSpPr>
-          <p:cNvPr id="3" name="Espaço Reservado para Imagem 2">
-            <a:extLst>
-              <a:ext uri="{FF2B5EF4-FFF2-40B4-BE49-F238E27FC236}">
-                <a16:creationId xmlns:a16="http://schemas.microsoft.com/office/drawing/2014/main" id="{05115AC6-55F0-4026-A9E8-C5C6BAF1B6CD}"/>
-              </a:ext>
-            </a:extLst>
-          </p:cNvPr>
-          <p:cNvSpPr>
-            <a:spLocks noGrp="1"/>
+            <a:endParaRPr lang="en-US" dirty="0"/>
+          </a:p>
+        </p:txBody>
+      </p:sp>
+      <p:sp>
+        <p:nvSpPr>
+          <p:cNvPr id="3" name="Picture Placeholder 2"/>
+          <p:cNvSpPr>
+            <a:spLocks noGrp="1" noChangeAspect="1"/>
           </p:cNvSpPr>
           <p:nvPr>
             <p:ph type="pic" idx="1"/>
@@ -2538,16 +2568,26 @@
         </p:nvSpPr>
         <p:spPr>
           <a:xfrm>
-            <a:off x="5183188" y="987425"/>
-            <a:ext cx="6172200" cy="4873625"/>
+            <a:off x="0" y="0"/>
+            <a:ext cx="11292840" cy="5128923"/>
           </a:xfrm>
+          <a:blipFill>
+            <a:blip r:embed="rId2"/>
+            <a:stretch>
+              <a:fillRect/>
+            </a:stretch>
+          </a:blipFill>
         </p:spPr>
         <p:txBody>
-          <a:bodyPr/>
+          <a:bodyPr anchor="t"/>
           <a:lstStyle>
             <a:lvl1pPr marL="0" indent="0">
               <a:buNone/>
-              <a:defRPr sz="3200"/>
+              <a:defRPr sz="3200">
+                <a:solidFill>
+                  <a:schemeClr val="bg1"/>
+                </a:solidFill>
+              </a:defRPr>
             </a:lvl1pPr>
             <a:lvl2pPr marL="457200" indent="0">
               <a:buNone/>
@@ -2583,19 +2623,17 @@
             </a:lvl9pPr>
           </a:lstStyle>
           <a:p>
-            <a:endParaRPr lang="pt-BR"/>
-          </a:p>
-        </p:txBody>
-      </p:sp>
-      <p:sp>
-        <p:nvSpPr>
-          <p:cNvPr id="4" name="Espaço Reservado para Texto 3">
-            <a:extLst>
-              <a:ext uri="{FF2B5EF4-FFF2-40B4-BE49-F238E27FC236}">
-                <a16:creationId xmlns:a16="http://schemas.microsoft.com/office/drawing/2014/main" id="{D45F3BCB-6F52-4FA5-B466-3F1FCC89E8B3}"/>
-              </a:ext>
-            </a:extLst>
-          </p:cNvPr>
+            <a:r>
+              <a:rPr lang="pt-BR"/>
+              <a:t>Clique no ícone para adicionar uma imagem</a:t>
+            </a:r>
+            <a:endParaRPr lang="en-US" dirty="0"/>
+          </a:p>
+        </p:txBody>
+      </p:sp>
+      <p:sp>
+        <p:nvSpPr>
+          <p:cNvPr id="4" name="Text Placeholder 3"/>
           <p:cNvSpPr>
             <a:spLocks noGrp="1"/>
           </p:cNvSpPr>
@@ -2605,48 +2643,62 @@
         </p:nvSpPr>
         <p:spPr>
           <a:xfrm>
-            <a:off x="839788" y="2057400"/>
-            <a:ext cx="3932237" cy="3811588"/>
+            <a:off x="914400" y="6108589"/>
+            <a:ext cx="9982200" cy="597011"/>
           </a:xfrm>
         </p:spPr>
         <p:txBody>
-          <a:bodyPr/>
+          <a:bodyPr>
+            <a:normAutofit/>
+          </a:bodyPr>
           <a:lstStyle>
             <a:lvl1pPr marL="0" indent="0">
-              <a:buNone/>
-              <a:defRPr sz="1600"/>
+              <a:lnSpc>
+                <a:spcPct val="100000"/>
+              </a:lnSpc>
+              <a:spcBef>
+                <a:spcPts val="800"/>
+              </a:spcBef>
+              <a:buNone/>
+              <a:defRPr sz="1300">
+                <a:solidFill>
+                  <a:schemeClr val="bg1">
+                    <a:lumMod val="85000"/>
+                  </a:schemeClr>
+                </a:solidFill>
+              </a:defRPr>
             </a:lvl1pPr>
             <a:lvl2pPr marL="457200" indent="0">
               <a:buNone/>
-              <a:defRPr sz="1400"/>
+              <a:defRPr sz="1200"/>
             </a:lvl2pPr>
             <a:lvl3pPr marL="914400" indent="0">
               <a:buNone/>
-              <a:defRPr sz="1200"/>
+              <a:defRPr sz="1000"/>
             </a:lvl3pPr>
             <a:lvl4pPr marL="1371600" indent="0">
               <a:buNone/>
-              <a:defRPr sz="1000"/>
+              <a:defRPr sz="900"/>
             </a:lvl4pPr>
             <a:lvl5pPr marL="1828800" indent="0">
               <a:buNone/>
-              <a:defRPr sz="1000"/>
+              <a:defRPr sz="900"/>
             </a:lvl5pPr>
             <a:lvl6pPr marL="2286000" indent="0">
               <a:buNone/>
-              <a:defRPr sz="1000"/>
+              <a:defRPr sz="900"/>
             </a:lvl6pPr>
             <a:lvl7pPr marL="2743200" indent="0">
               <a:buNone/>
-              <a:defRPr sz="1000"/>
+              <a:defRPr sz="900"/>
             </a:lvl7pPr>
             <a:lvl8pPr marL="3200400" indent="0">
               <a:buNone/>
-              <a:defRPr sz="1000"/>
+              <a:defRPr sz="900"/>
             </a:lvl8pPr>
             <a:lvl9pPr marL="3657600" indent="0">
               <a:buNone/>
-              <a:defRPr sz="1000"/>
+              <a:defRPr sz="900"/>
             </a:lvl9pPr>
           </a:lstStyle>
           <a:p>
@@ -2660,13 +2712,7 @@
       </p:sp>
       <p:sp>
         <p:nvSpPr>
-          <p:cNvPr id="5" name="Espaço Reservado para Data 4">
-            <a:extLst>
-              <a:ext uri="{FF2B5EF4-FFF2-40B4-BE49-F238E27FC236}">
-                <a16:creationId xmlns:a16="http://schemas.microsoft.com/office/drawing/2014/main" id="{5E3C6A36-7852-4908-93B7-2AED6043AB66}"/>
-              </a:ext>
-            </a:extLst>
-          </p:cNvPr>
+          <p:cNvPr id="5" name="Date Placeholder 4"/>
           <p:cNvSpPr>
             <a:spLocks noGrp="1"/>
           </p:cNvSpPr>
@@ -2689,13 +2735,7 @@
       </p:sp>
       <p:sp>
         <p:nvSpPr>
-          <p:cNvPr id="6" name="Espaço Reservado para Rodapé 5">
-            <a:extLst>
-              <a:ext uri="{FF2B5EF4-FFF2-40B4-BE49-F238E27FC236}">
-                <a16:creationId xmlns:a16="http://schemas.microsoft.com/office/drawing/2014/main" id="{E4FF584B-9C74-4E7F-9CE3-75ACDB06FA95}"/>
-              </a:ext>
-            </a:extLst>
-          </p:cNvPr>
+          <p:cNvPr id="6" name="Footer Placeholder 5"/>
           <p:cNvSpPr>
             <a:spLocks noGrp="1"/>
           </p:cNvSpPr>
@@ -2714,13 +2754,7 @@
       </p:sp>
       <p:sp>
         <p:nvSpPr>
-          <p:cNvPr id="7" name="Espaço Reservado para Número de Slide 6">
-            <a:extLst>
-              <a:ext uri="{FF2B5EF4-FFF2-40B4-BE49-F238E27FC236}">
-                <a16:creationId xmlns:a16="http://schemas.microsoft.com/office/drawing/2014/main" id="{999EC849-B60E-40D8-B4AA-ED533959FA69}"/>
-              </a:ext>
-            </a:extLst>
-          </p:cNvPr>
+          <p:cNvPr id="7" name="Slide Number Placeholder 6"/>
           <p:cNvSpPr>
             <a:spLocks noGrp="1"/>
           </p:cNvSpPr>
@@ -2744,7 +2778,7 @@
     </p:spTree>
     <p:extLst>
       <p:ext uri="{BB962C8B-B14F-4D97-AF65-F5344CB8AC3E}">
-        <p14:creationId xmlns:p14="http://schemas.microsoft.com/office/powerpoint/2010/main" val="791462084"/>
+        <p14:creationId xmlns:p14="http://schemas.microsoft.com/office/powerpoint/2010/main" val="2530010934"/>
       </p:ext>
     </p:extLst>
   </p:cSld>
@@ -2778,31 +2812,65 @@
       </p:grpSpPr>
       <p:sp>
         <p:nvSpPr>
-          <p:cNvPr id="2" name="Espaço Reservado para Título 1">
-            <a:extLst>
-              <a:ext uri="{FF2B5EF4-FFF2-40B4-BE49-F238E27FC236}">
-                <a16:creationId xmlns:a16="http://schemas.microsoft.com/office/drawing/2014/main" id="{CC4AD166-C348-45AA-845E-19CAD2D5E095}"/>
-              </a:ext>
-            </a:extLst>
-          </p:cNvPr>
-          <p:cNvSpPr>
-            <a:spLocks noGrp="1"/>
-          </p:cNvSpPr>
-          <p:nvPr>
-            <p:ph type="title"/>
-          </p:nvPr>
+          <p:cNvPr id="7" name="Rectangle 6"/>
+          <p:cNvSpPr/>
+          <p:nvPr/>
         </p:nvSpPr>
         <p:spPr>
           <a:xfrm>
-            <a:off x="838200" y="365125"/>
-            <a:ext cx="10515600" cy="1325563"/>
+            <a:off x="11292840" y="0"/>
+            <a:ext cx="914400" cy="6858000"/>
+          </a:xfrm>
+          <a:prstGeom prst="rect">
+            <a:avLst/>
+          </a:prstGeom>
+          <a:solidFill>
+            <a:schemeClr val="tx2">
+              <a:lumMod val="75000"/>
+            </a:schemeClr>
+          </a:solidFill>
+          <a:ln>
+            <a:noFill/>
+          </a:ln>
+        </p:spPr>
+        <p:style>
+          <a:lnRef idx="2">
+            <a:schemeClr val="accent1">
+              <a:shade val="50000"/>
+            </a:schemeClr>
+          </a:lnRef>
+          <a:fillRef idx="1">
+            <a:schemeClr val="accent1"/>
+          </a:fillRef>
+          <a:effectRef idx="0">
+            <a:schemeClr val="accent1"/>
+          </a:effectRef>
+          <a:fontRef idx="minor">
+            <a:schemeClr val="lt1"/>
+          </a:fontRef>
+        </p:style>
+      </p:sp>
+      <p:sp>
+        <p:nvSpPr>
+          <p:cNvPr id="2" name="Title Placeholder 1"/>
+          <p:cNvSpPr>
+            <a:spLocks noGrp="1"/>
+          </p:cNvSpPr>
+          <p:nvPr>
+            <p:ph type="title"/>
+          </p:nvPr>
+        </p:nvSpPr>
+        <p:spPr>
+          <a:xfrm>
+            <a:off x="1261872" y="365760"/>
+            <a:ext cx="9692640" cy="1325562"/>
           </a:xfrm>
           <a:prstGeom prst="rect">
             <a:avLst/>
           </a:prstGeom>
         </p:spPr>
         <p:txBody>
-          <a:bodyPr vert="horz" lIns="91440" tIns="45720" rIns="91440" bIns="45720" rtlCol="0" anchor="ctr">
+          <a:bodyPr vert="horz" lIns="91440" tIns="45720" rIns="91440" bIns="45720" rtlCol="0" anchor="b">
             <a:normAutofit/>
           </a:bodyPr>
           <a:lstStyle/>
@@ -2811,18 +2879,13 @@
               <a:rPr lang="pt-BR"/>
               <a:t>Clique para editar o título Mestre</a:t>
             </a:r>
-          </a:p>
-        </p:txBody>
-      </p:sp>
-      <p:sp>
-        <p:nvSpPr>
-          <p:cNvPr id="3" name="Espaço Reservado para Texto 2">
-            <a:extLst>
-              <a:ext uri="{FF2B5EF4-FFF2-40B4-BE49-F238E27FC236}">
-                <a16:creationId xmlns:a16="http://schemas.microsoft.com/office/drawing/2014/main" id="{545D93EC-DC81-456E-9BC8-FCEDA428D6F6}"/>
-              </a:ext>
-            </a:extLst>
-          </p:cNvPr>
+            <a:endParaRPr lang="en-US" dirty="0"/>
+          </a:p>
+        </p:txBody>
+      </p:sp>
+      <p:sp>
+        <p:nvSpPr>
+          <p:cNvPr id="3" name="Text Placeholder 2"/>
           <p:cNvSpPr>
             <a:spLocks noGrp="1"/>
           </p:cNvSpPr>
@@ -2832,8 +2895,8 @@
         </p:nvSpPr>
         <p:spPr>
           <a:xfrm>
-            <a:off x="838200" y="1825625"/>
-            <a:ext cx="10515600" cy="4351338"/>
+            <a:off x="1261872" y="1828800"/>
+            <a:ext cx="8595360" cy="4351337"/>
           </a:xfrm>
           <a:prstGeom prst="rect">
             <a:avLst/>
@@ -2878,18 +2941,13 @@
               <a:rPr lang="pt-BR"/>
               <a:t>Quinto nível</a:t>
             </a:r>
-          </a:p>
-        </p:txBody>
-      </p:sp>
-      <p:sp>
-        <p:nvSpPr>
-          <p:cNvPr id="4" name="Espaço Reservado para Data 3">
-            <a:extLst>
-              <a:ext uri="{FF2B5EF4-FFF2-40B4-BE49-F238E27FC236}">
-                <a16:creationId xmlns:a16="http://schemas.microsoft.com/office/drawing/2014/main" id="{45FCC093-66B7-49AE-A71B-DCF6B4FCF130}"/>
-              </a:ext>
-            </a:extLst>
-          </p:cNvPr>
+            <a:endParaRPr lang="en-US" dirty="0"/>
+          </a:p>
+        </p:txBody>
+      </p:sp>
+      <p:sp>
+        <p:nvSpPr>
+          <p:cNvPr id="4" name="Date Placeholder 3"/>
           <p:cNvSpPr>
             <a:spLocks noGrp="1"/>
           </p:cNvSpPr>
@@ -2898,9 +2956,9 @@
           </p:nvPr>
         </p:nvSpPr>
         <p:spPr>
-          <a:xfrm>
-            <a:off x="838200" y="6356350"/>
-            <a:ext cx="2743200" cy="365125"/>
+          <a:xfrm rot="16200000">
+            <a:off x="10797542" y="998537"/>
+            <a:ext cx="1904999" cy="365125"/>
           </a:xfrm>
           <a:prstGeom prst="rect">
             <a:avLst/>
@@ -2909,11 +2967,12 @@
         <p:txBody>
           <a:bodyPr vert="horz" lIns="91440" tIns="45720" rIns="91440" bIns="45720" rtlCol="0" anchor="ctr"/>
           <a:lstStyle>
-            <a:lvl1pPr algn="l">
-              <a:defRPr sz="1200">
+            <a:lvl1pPr algn="r">
+              <a:defRPr sz="1050" b="0">
                 <a:solidFill>
-                  <a:schemeClr val="tx1">
-                    <a:tint val="75000"/>
+                  <a:schemeClr val="tx2">
+                    <a:lumMod val="20000"/>
+                    <a:lumOff val="80000"/>
                   </a:schemeClr>
                 </a:solidFill>
               </a:defRPr>
@@ -2930,13 +2989,7 @@
       </p:sp>
       <p:sp>
         <p:nvSpPr>
-          <p:cNvPr id="5" name="Espaço Reservado para Rodapé 4">
-            <a:extLst>
-              <a:ext uri="{FF2B5EF4-FFF2-40B4-BE49-F238E27FC236}">
-                <a16:creationId xmlns:a16="http://schemas.microsoft.com/office/drawing/2014/main" id="{B597718E-DCDF-4C73-97BC-0158AD09EFE9}"/>
-              </a:ext>
-            </a:extLst>
-          </p:cNvPr>
+          <p:cNvPr id="5" name="Footer Placeholder 4"/>
           <p:cNvSpPr>
             <a:spLocks noGrp="1"/>
           </p:cNvSpPr>
@@ -2945,9 +2998,9 @@
           </p:nvPr>
         </p:nvSpPr>
         <p:spPr>
-          <a:xfrm>
-            <a:off x="4038600" y="6356350"/>
-            <a:ext cx="4114800" cy="365125"/>
+          <a:xfrm rot="16200000">
+            <a:off x="9959341" y="4046537"/>
+            <a:ext cx="3581400" cy="365125"/>
           </a:xfrm>
           <a:prstGeom prst="rect">
             <a:avLst/>
@@ -2956,11 +3009,12 @@
         <p:txBody>
           <a:bodyPr vert="horz" lIns="91440" tIns="45720" rIns="91440" bIns="45720" rtlCol="0" anchor="ctr"/>
           <a:lstStyle>
-            <a:lvl1pPr algn="ctr">
-              <a:defRPr sz="1200">
+            <a:lvl1pPr algn="l">
+              <a:defRPr sz="1050">
                 <a:solidFill>
-                  <a:schemeClr val="tx1">
-                    <a:tint val="75000"/>
+                  <a:schemeClr val="tx2">
+                    <a:lumMod val="20000"/>
+                    <a:lumOff val="80000"/>
                   </a:schemeClr>
                 </a:solidFill>
               </a:defRPr>
@@ -2973,13 +3027,7 @@
       </p:sp>
       <p:sp>
         <p:nvSpPr>
-          <p:cNvPr id="6" name="Espaço Reservado para Número de Slide 5">
-            <a:extLst>
-              <a:ext uri="{FF2B5EF4-FFF2-40B4-BE49-F238E27FC236}">
-                <a16:creationId xmlns:a16="http://schemas.microsoft.com/office/drawing/2014/main" id="{8802D219-DE86-47D3-88DB-56C39D3D38EE}"/>
-              </a:ext>
-            </a:extLst>
-          </p:cNvPr>
+          <p:cNvPr id="6" name="Slide Number Placeholder 5"/>
           <p:cNvSpPr>
             <a:spLocks noGrp="1"/>
           </p:cNvSpPr>
@@ -2989,21 +3037,24 @@
         </p:nvSpPr>
         <p:spPr>
           <a:xfrm>
-            <a:off x="8610600" y="6356350"/>
-            <a:ext cx="2743200" cy="365125"/>
+            <a:off x="11292840" y="6172200"/>
+            <a:ext cx="914400" cy="593725"/>
           </a:xfrm>
           <a:prstGeom prst="rect">
             <a:avLst/>
           </a:prstGeom>
         </p:spPr>
         <p:txBody>
-          <a:bodyPr vert="horz" lIns="91440" tIns="45720" rIns="91440" bIns="45720" rtlCol="0" anchor="ctr"/>
+          <a:bodyPr vert="horz" lIns="45720" tIns="45720" rIns="45720" bIns="45720" rtlCol="0" anchor="ctr">
+            <a:normAutofit/>
+          </a:bodyPr>
           <a:lstStyle>
-            <a:lvl1pPr algn="r">
-              <a:defRPr sz="1200">
+            <a:lvl1pPr algn="ctr">
+              <a:defRPr sz="3600">
                 <a:solidFill>
-                  <a:schemeClr val="tx1">
-                    <a:tint val="75000"/>
+                  <a:schemeClr val="tx2">
+                    <a:lumMod val="60000"/>
+                    <a:lumOff val="40000"/>
                   </a:schemeClr>
                 </a:solidFill>
               </a:defRPr>
@@ -3021,23 +3072,23 @@
     </p:spTree>
     <p:extLst>
       <p:ext uri="{BB962C8B-B14F-4D97-AF65-F5344CB8AC3E}">
-        <p14:creationId xmlns:p14="http://schemas.microsoft.com/office/powerpoint/2010/main" val="1546957728"/>
+        <p14:creationId xmlns:p14="http://schemas.microsoft.com/office/powerpoint/2010/main" val="887841076"/>
       </p:ext>
     </p:extLst>
   </p:cSld>
   <p:clrMap bg1="lt1" tx1="dk1" bg2="lt2" tx2="dk2" accent1="accent1" accent2="accent2" accent3="accent3" accent4="accent4" accent5="accent5" accent6="accent6" hlink="hlink" folHlink="folHlink"/>
   <p:sldLayoutIdLst>
-    <p:sldLayoutId id="2147483649" r:id="rId1"/>
-    <p:sldLayoutId id="2147483650" r:id="rId2"/>
-    <p:sldLayoutId id="2147483651" r:id="rId3"/>
-    <p:sldLayoutId id="2147483652" r:id="rId4"/>
-    <p:sldLayoutId id="2147483653" r:id="rId5"/>
-    <p:sldLayoutId id="2147483654" r:id="rId6"/>
-    <p:sldLayoutId id="2147483655" r:id="rId7"/>
-    <p:sldLayoutId id="2147483656" r:id="rId8"/>
-    <p:sldLayoutId id="2147483657" r:id="rId9"/>
-    <p:sldLayoutId id="2147483658" r:id="rId10"/>
-    <p:sldLayoutId id="2147483659" r:id="rId11"/>
+    <p:sldLayoutId id="2147483697" r:id="rId1"/>
+    <p:sldLayoutId id="2147483698" r:id="rId2"/>
+    <p:sldLayoutId id="2147483699" r:id="rId3"/>
+    <p:sldLayoutId id="2147483700" r:id="rId4"/>
+    <p:sldLayoutId id="2147483701" r:id="rId5"/>
+    <p:sldLayoutId id="2147483702" r:id="rId6"/>
+    <p:sldLayoutId id="2147483703" r:id="rId7"/>
+    <p:sldLayoutId id="2147483704" r:id="rId8"/>
+    <p:sldLayoutId id="2147483705" r:id="rId9"/>
+    <p:sldLayoutId id="2147483706" r:id="rId10"/>
+    <p:sldLayoutId id="2147483707" r:id="rId11"/>
   </p:sldLayoutIdLst>
   <p:txStyles>
     <p:titleStyle>
@@ -3049,7 +3100,7 @@
           <a:spcPct val="0"/>
         </a:spcBef>
         <a:buNone/>
-        <a:defRPr sz="4400" kern="1200">
+        <a:defRPr sz="4400" kern="1200" spc="-50" baseline="0">
           <a:solidFill>
             <a:schemeClr val="tx1"/>
           </a:solidFill>
@@ -3060,16 +3111,23 @@
       </a:lvl1pPr>
     </p:titleStyle>
     <p:bodyStyle>
-      <a:lvl1pPr marL="228600" indent="-228600" algn="l" defTabSz="914400" rtl="0" eaLnBrk="1" latinLnBrk="0" hangingPunct="1">
+      <a:lvl1pPr marL="182880" indent="-182880" algn="l" defTabSz="914400" rtl="0" eaLnBrk="1" latinLnBrk="0" hangingPunct="1">
         <a:lnSpc>
-          <a:spcPct val="90000"/>
+          <a:spcPct val="95000"/>
         </a:lnSpc>
         <a:spcBef>
-          <a:spcPts val="1000"/>
+          <a:spcPts val="1400"/>
         </a:spcBef>
-        <a:buFont typeface="Arial" panose="020B0604020202020204" pitchFamily="34" charset="0"/>
+        <a:spcAft>
+          <a:spcPts val="200"/>
+        </a:spcAft>
+        <a:buClr>
+          <a:schemeClr val="accent1"/>
+        </a:buClr>
+        <a:buSzPct val="80000"/>
+        <a:buFont typeface="Arial" pitchFamily="34" charset="0"/>
         <a:buChar char="•"/>
-        <a:defRPr sz="2800" kern="1200">
+        <a:defRPr sz="1800" kern="1200" spc="10" baseline="0">
           <a:solidFill>
             <a:schemeClr val="tx1"/>
           </a:solidFill>
@@ -3078,144 +3136,216 @@
           <a:cs typeface="+mn-cs"/>
         </a:defRPr>
       </a:lvl1pPr>
-      <a:lvl2pPr marL="685800" indent="-228600" algn="l" defTabSz="914400" rtl="0" eaLnBrk="1" latinLnBrk="0" hangingPunct="1">
+      <a:lvl2pPr marL="457200" indent="-182880" algn="l" defTabSz="914400" rtl="0" eaLnBrk="1" latinLnBrk="0" hangingPunct="1">
         <a:lnSpc>
           <a:spcPct val="90000"/>
         </a:lnSpc>
         <a:spcBef>
-          <a:spcPts val="500"/>
+          <a:spcPts val="300"/>
         </a:spcBef>
-        <a:buFont typeface="Arial" panose="020B0604020202020204" pitchFamily="34" charset="0"/>
-        <a:buChar char="•"/>
-        <a:defRPr sz="2400" kern="1200">
+        <a:spcAft>
+          <a:spcPts val="300"/>
+        </a:spcAft>
+        <a:buClr>
+          <a:schemeClr val="accent1"/>
+        </a:buClr>
+        <a:buFont typeface="Wingdings 2" pitchFamily="18" charset="2"/>
+        <a:buChar char=""/>
+        <a:defRPr sz="1600" kern="1200">
           <a:solidFill>
-            <a:schemeClr val="tx1"/>
+            <a:schemeClr val="tx1">
+              <a:lumMod val="85000"/>
+              <a:lumOff val="15000"/>
+            </a:schemeClr>
           </a:solidFill>
           <a:latin typeface="+mn-lt"/>
           <a:ea typeface="+mn-ea"/>
           <a:cs typeface="+mn-cs"/>
         </a:defRPr>
       </a:lvl2pPr>
-      <a:lvl3pPr marL="1143000" indent="-228600" algn="l" defTabSz="914400" rtl="0" eaLnBrk="1" latinLnBrk="0" hangingPunct="1">
+      <a:lvl3pPr marL="731520" indent="-182880" algn="l" defTabSz="914400" rtl="0" eaLnBrk="1" latinLnBrk="0" hangingPunct="1">
         <a:lnSpc>
           <a:spcPct val="90000"/>
         </a:lnSpc>
         <a:spcBef>
-          <a:spcPts val="500"/>
+          <a:spcPts val="300"/>
         </a:spcBef>
-        <a:buFont typeface="Arial" panose="020B0604020202020204" pitchFamily="34" charset="0"/>
-        <a:buChar char="•"/>
-        <a:defRPr sz="2000" kern="1200">
+        <a:spcAft>
+          <a:spcPts val="300"/>
+        </a:spcAft>
+        <a:buClr>
+          <a:schemeClr val="accent1"/>
+        </a:buClr>
+        <a:buFont typeface="Wingdings 2" pitchFamily="18" charset="2"/>
+        <a:buChar char=""/>
+        <a:defRPr sz="1400" kern="1200">
           <a:solidFill>
-            <a:schemeClr val="tx1"/>
+            <a:schemeClr val="tx1">
+              <a:lumMod val="85000"/>
+              <a:lumOff val="15000"/>
+            </a:schemeClr>
           </a:solidFill>
           <a:latin typeface="+mn-lt"/>
           <a:ea typeface="+mn-ea"/>
           <a:cs typeface="+mn-cs"/>
         </a:defRPr>
       </a:lvl3pPr>
-      <a:lvl4pPr marL="1600200" indent="-228600" algn="l" defTabSz="914400" rtl="0" eaLnBrk="1" latinLnBrk="0" hangingPunct="1">
+      <a:lvl4pPr marL="1005840" indent="-182880" algn="l" defTabSz="914400" rtl="0" eaLnBrk="1" latinLnBrk="0" hangingPunct="1">
         <a:lnSpc>
           <a:spcPct val="90000"/>
         </a:lnSpc>
         <a:spcBef>
-          <a:spcPts val="500"/>
+          <a:spcPts val="300"/>
         </a:spcBef>
-        <a:buFont typeface="Arial" panose="020B0604020202020204" pitchFamily="34" charset="0"/>
-        <a:buChar char="•"/>
-        <a:defRPr sz="1800" kern="1200">
+        <a:spcAft>
+          <a:spcPts val="300"/>
+        </a:spcAft>
+        <a:buClr>
+          <a:schemeClr val="accent1"/>
+        </a:buClr>
+        <a:buFont typeface="Wingdings 2" pitchFamily="18" charset="2"/>
+        <a:buChar char=""/>
+        <a:defRPr sz="1400" kern="1200">
           <a:solidFill>
-            <a:schemeClr val="tx1"/>
+            <a:schemeClr val="tx1">
+              <a:lumMod val="85000"/>
+              <a:lumOff val="15000"/>
+            </a:schemeClr>
           </a:solidFill>
           <a:latin typeface="+mn-lt"/>
           <a:ea typeface="+mn-ea"/>
           <a:cs typeface="+mn-cs"/>
         </a:defRPr>
       </a:lvl4pPr>
-      <a:lvl5pPr marL="2057400" indent="-228600" algn="l" defTabSz="914400" rtl="0" eaLnBrk="1" latinLnBrk="0" hangingPunct="1">
+      <a:lvl5pPr marL="1280160" indent="-182880" algn="l" defTabSz="914400" rtl="0" eaLnBrk="1" latinLnBrk="0" hangingPunct="1">
         <a:lnSpc>
           <a:spcPct val="90000"/>
         </a:lnSpc>
         <a:spcBef>
-          <a:spcPts val="500"/>
+          <a:spcPts val="300"/>
         </a:spcBef>
-        <a:buFont typeface="Arial" panose="020B0604020202020204" pitchFamily="34" charset="0"/>
-        <a:buChar char="•"/>
-        <a:defRPr sz="1800" kern="1200">
+        <a:spcAft>
+          <a:spcPts val="300"/>
+        </a:spcAft>
+        <a:buClr>
+          <a:schemeClr val="accent1"/>
+        </a:buClr>
+        <a:buFont typeface="Wingdings 2" pitchFamily="18" charset="2"/>
+        <a:buChar char=""/>
+        <a:defRPr sz="1400" kern="1200">
           <a:solidFill>
-            <a:schemeClr val="tx1"/>
+            <a:schemeClr val="tx1">
+              <a:lumMod val="85000"/>
+              <a:lumOff val="15000"/>
+            </a:schemeClr>
           </a:solidFill>
           <a:latin typeface="+mn-lt"/>
           <a:ea typeface="+mn-ea"/>
           <a:cs typeface="+mn-cs"/>
         </a:defRPr>
       </a:lvl5pPr>
-      <a:lvl6pPr marL="2514600" indent="-228600" algn="l" defTabSz="914400" rtl="0" eaLnBrk="1" latinLnBrk="0" hangingPunct="1">
+      <a:lvl6pPr marL="1600000" indent="-228600" algn="l" defTabSz="914400" rtl="0" eaLnBrk="1" latinLnBrk="0" hangingPunct="1">
         <a:lnSpc>
           <a:spcPct val="90000"/>
         </a:lnSpc>
         <a:spcBef>
-          <a:spcPts val="500"/>
+          <a:spcPts val="300"/>
         </a:spcBef>
-        <a:buFont typeface="Arial" panose="020B0604020202020204" pitchFamily="34" charset="0"/>
-        <a:buChar char="•"/>
-        <a:defRPr sz="1800" kern="1200">
+        <a:spcAft>
+          <a:spcPts val="300"/>
+        </a:spcAft>
+        <a:buClr>
+          <a:schemeClr val="accent1"/>
+        </a:buClr>
+        <a:buFont typeface="Wingdings 2" pitchFamily="18" charset="2"/>
+        <a:buChar char=""/>
+        <a:defRPr sz="1400" kern="1200">
           <a:solidFill>
-            <a:schemeClr val="tx1"/>
+            <a:schemeClr val="tx1">
+              <a:lumMod val="85000"/>
+              <a:lumOff val="15000"/>
+            </a:schemeClr>
           </a:solidFill>
           <a:latin typeface="+mn-lt"/>
           <a:ea typeface="+mn-ea"/>
           <a:cs typeface="+mn-cs"/>
         </a:defRPr>
       </a:lvl6pPr>
-      <a:lvl7pPr marL="2971800" indent="-228600" algn="l" defTabSz="914400" rtl="0" eaLnBrk="1" latinLnBrk="0" hangingPunct="1">
+      <a:lvl7pPr marL="1900000" indent="-228600" algn="l" defTabSz="914400" rtl="0" eaLnBrk="1" latinLnBrk="0" hangingPunct="1">
         <a:lnSpc>
           <a:spcPct val="90000"/>
         </a:lnSpc>
         <a:spcBef>
-          <a:spcPts val="500"/>
+          <a:spcPts val="300"/>
         </a:spcBef>
-        <a:buFont typeface="Arial" panose="020B0604020202020204" pitchFamily="34" charset="0"/>
-        <a:buChar char="•"/>
-        <a:defRPr sz="1800" kern="1200">
+        <a:spcAft>
+          <a:spcPts val="300"/>
+        </a:spcAft>
+        <a:buClr>
+          <a:schemeClr val="accent1"/>
+        </a:buClr>
+        <a:buFont typeface="Wingdings 2" pitchFamily="18" charset="2"/>
+        <a:buChar char=""/>
+        <a:defRPr sz="1400" kern="1200">
           <a:solidFill>
-            <a:schemeClr val="tx1"/>
+            <a:schemeClr val="tx1">
+              <a:lumMod val="85000"/>
+              <a:lumOff val="15000"/>
+            </a:schemeClr>
           </a:solidFill>
           <a:latin typeface="+mn-lt"/>
           <a:ea typeface="+mn-ea"/>
           <a:cs typeface="+mn-cs"/>
         </a:defRPr>
       </a:lvl7pPr>
-      <a:lvl8pPr marL="3429000" indent="-228600" algn="l" defTabSz="914400" rtl="0" eaLnBrk="1" latinLnBrk="0" hangingPunct="1">
+      <a:lvl8pPr marL="2200000" indent="-228600" algn="l" defTabSz="914400" rtl="0" eaLnBrk="1" latinLnBrk="0" hangingPunct="1">
         <a:lnSpc>
           <a:spcPct val="90000"/>
         </a:lnSpc>
         <a:spcBef>
-          <a:spcPts val="500"/>
+          <a:spcPts val="300"/>
         </a:spcBef>
-        <a:buFont typeface="Arial" panose="020B0604020202020204" pitchFamily="34" charset="0"/>
-        <a:buChar char="•"/>
-        <a:defRPr sz="1800" kern="1200">
+        <a:spcAft>
+          <a:spcPts val="300"/>
+        </a:spcAft>
+        <a:buClr>
+          <a:schemeClr val="accent1"/>
+        </a:buClr>
+        <a:buFont typeface="Wingdings 2" pitchFamily="18" charset="2"/>
+        <a:buChar char=""/>
+        <a:defRPr sz="1400" kern="1200">
           <a:solidFill>
-            <a:schemeClr val="tx1"/>
+            <a:schemeClr val="tx1">
+              <a:lumMod val="85000"/>
+              <a:lumOff val="15000"/>
+            </a:schemeClr>
           </a:solidFill>
           <a:latin typeface="+mn-lt"/>
           <a:ea typeface="+mn-ea"/>
           <a:cs typeface="+mn-cs"/>
         </a:defRPr>
       </a:lvl8pPr>
-      <a:lvl9pPr marL="3886200" indent="-228600" algn="l" defTabSz="914400" rtl="0" eaLnBrk="1" latinLnBrk="0" hangingPunct="1">
+      <a:lvl9pPr marL="2500000" indent="-228600" algn="l" defTabSz="914400" rtl="0" eaLnBrk="1" latinLnBrk="0" hangingPunct="1">
         <a:lnSpc>
           <a:spcPct val="90000"/>
         </a:lnSpc>
         <a:spcBef>
-          <a:spcPts val="500"/>
+          <a:spcPts val="300"/>
         </a:spcBef>
-        <a:buFont typeface="Arial" panose="020B0604020202020204" pitchFamily="34" charset="0"/>
-        <a:buChar char="•"/>
-        <a:defRPr sz="1800" kern="1200">
+        <a:spcAft>
+          <a:spcPts val="300"/>
+        </a:spcAft>
+        <a:buClr>
+          <a:schemeClr val="accent1"/>
+        </a:buClr>
+        <a:buFont typeface="Wingdings 2" pitchFamily="18" charset="2"/>
+        <a:buChar char=""/>
+        <a:defRPr sz="1400" kern="1200">
           <a:solidFill>
-            <a:schemeClr val="tx1"/>
+            <a:schemeClr val="tx1">
+              <a:lumMod val="85000"/>
+              <a:lumOff val="15000"/>
+            </a:schemeClr>
           </a:solidFill>
           <a:latin typeface="+mn-lt"/>
           <a:ea typeface="+mn-ea"/>
@@ -3225,7 +3355,7 @@
     </p:bodyStyle>
     <p:otherStyle>
       <a:defPPr>
-        <a:defRPr lang="pt-BR"/>
+        <a:defRPr lang="en-US"/>
       </a:defPPr>
       <a:lvl1pPr marL="0" algn="l" defTabSz="914400" rtl="0" eaLnBrk="1" latinLnBrk="0" hangingPunct="1">
         <a:defRPr sz="1800" kern="1200">
@@ -3390,13 +3520,17 @@
           <a:p>
             <a:r>
               <a:rPr lang="pt-BR" dirty="0"/>
-              <a:t>COVID deaths </a:t>
-            </a:r>
-            <a:r>
-              <a:rPr lang="pt-BR" dirty="0" err="1"/>
-              <a:t>prediction</a:t>
-            </a:r>
+              <a:t>COVID deaths Prediction</a:t>
+            </a:r>
+          </a:p>
+          <a:p>
             <a:endParaRPr lang="pt-BR" dirty="0"/>
+          </a:p>
+          <a:p>
+            <a:r>
+              <a:rPr lang="pt-BR" dirty="0"/>
+              <a:t>Rodrigo Neumann</a:t>
+            </a:r>
           </a:p>
         </p:txBody>
       </p:sp>
@@ -3448,23 +3582,25 @@
         </p:nvSpPr>
         <p:spPr/>
         <p:txBody>
-          <a:bodyPr/>
-          <a:lstStyle/>
-          <a:p>
-            <a:r>
-              <a:rPr lang="pt-BR" dirty="0" err="1"/>
+          <a:bodyPr>
+            <a:normAutofit/>
+          </a:bodyPr>
+          <a:lstStyle/>
+          <a:p>
+            <a:r>
+              <a:rPr lang="pt-BR" sz="4800" b="1" dirty="0" err="1"/>
               <a:t>Feature</a:t>
             </a:r>
             <a:r>
-              <a:rPr lang="pt-BR" dirty="0"/>
+              <a:rPr lang="pt-BR" sz="4800" b="1" dirty="0"/>
               <a:t> </a:t>
             </a:r>
             <a:r>
-              <a:rPr lang="pt-BR" dirty="0" err="1"/>
+              <a:rPr lang="pt-BR" sz="4800" b="1" dirty="0" err="1"/>
               <a:t>Selection</a:t>
             </a:r>
             <a:r>
-              <a:rPr lang="pt-BR" dirty="0"/>
+              <a:rPr lang="pt-BR" sz="4800" b="1" dirty="0"/>
               <a:t> </a:t>
             </a:r>
           </a:p>
@@ -3489,121 +3625,159 @@
         <p:spPr/>
         <p:txBody>
           <a:bodyPr>
-            <a:normAutofit fontScale="92500" lnSpcReduction="20000"/>
+            <a:normAutofit fontScale="47500" lnSpcReduction="20000"/>
           </a:bodyPr>
           <a:lstStyle/>
           <a:p>
-            <a:r>
-              <a:rPr lang="pt-BR" dirty="0" err="1"/>
-              <a:t>Varaveis</a:t>
-            </a:r>
-            <a:r>
-              <a:rPr lang="pt-BR" dirty="0"/>
-              <a:t> utilizadas no modelo:</a:t>
-            </a:r>
-          </a:p>
-          <a:p>
-            <a:r>
-              <a:rPr lang="pt-BR" dirty="0" err="1"/>
+            <a:pPr marL="0" indent="0" algn="just">
+              <a:buNone/>
+            </a:pPr>
+            <a:r>
+              <a:rPr lang="pt-BR" sz="4400" dirty="0"/>
+              <a:t>Variáveis utilizadas no modelo:</a:t>
+            </a:r>
+          </a:p>
+          <a:p>
+            <a:pPr algn="just"/>
+            <a:r>
+              <a:rPr lang="pt-BR" sz="3800" b="1" dirty="0" err="1"/>
               <a:t>deathIncrease</a:t>
             </a:r>
             <a:r>
-              <a:rPr lang="pt-BR" dirty="0"/>
-              <a:t> : Numero de mortes no dai anterior ao previsto</a:t>
-            </a:r>
-          </a:p>
-          <a:p>
-            <a:r>
-              <a:rPr lang="pt-BR" dirty="0" err="1"/>
+              <a:rPr lang="pt-BR" sz="3800" b="1" dirty="0"/>
+              <a:t>:</a:t>
+            </a:r>
+            <a:r>
+              <a:rPr lang="pt-BR" sz="3800" dirty="0"/>
+              <a:t> Numero de mortes no dai anterior ao previsto;</a:t>
+            </a:r>
+          </a:p>
+          <a:p>
+            <a:pPr algn="just"/>
+            <a:r>
+              <a:rPr lang="pt-BR" sz="3800" b="1" dirty="0" err="1"/>
               <a:t>pending</a:t>
             </a:r>
             <a:r>
-              <a:rPr lang="pt-BR" dirty="0"/>
-              <a:t>: Numero de testes aguardando resultado</a:t>
-            </a:r>
-          </a:p>
-          <a:p>
-            <a:r>
-              <a:rPr lang="pt-BR" dirty="0" err="1"/>
+              <a:rPr lang="pt-BR" sz="3800" b="1" dirty="0"/>
+              <a:t>:</a:t>
+            </a:r>
+            <a:r>
+              <a:rPr lang="pt-BR" sz="3800" dirty="0"/>
+              <a:t> Numero de testes aguardando resultado;</a:t>
+            </a:r>
+          </a:p>
+          <a:p>
+            <a:pPr algn="just"/>
+            <a:r>
+              <a:rPr lang="pt-BR" sz="3800" b="1" dirty="0" err="1"/>
               <a:t>inIcuCurrently</a:t>
             </a:r>
             <a:r>
-              <a:rPr lang="pt-BR" dirty="0"/>
-              <a:t>: Pessoas atualmente hospitalizadas com casos graves </a:t>
-            </a:r>
-          </a:p>
-          <a:p>
-            <a:r>
-              <a:rPr lang="pt-BR" dirty="0" err="1"/>
+              <a:rPr lang="pt-BR" sz="3800" b="1" dirty="0"/>
+              <a:t>: </a:t>
+            </a:r>
+            <a:r>
+              <a:rPr lang="pt-BR" sz="3800" dirty="0"/>
+              <a:t>Pessoas atualmente hospitalizadas com casos graves ;</a:t>
+            </a:r>
+          </a:p>
+          <a:p>
+            <a:pPr algn="just"/>
+            <a:r>
+              <a:rPr lang="pt-BR" sz="3800" b="1" dirty="0" err="1"/>
               <a:t>onVentilatorCurrently</a:t>
             </a:r>
             <a:r>
-              <a:rPr lang="pt-BR" dirty="0"/>
-              <a:t>: Pessoas hospitalizadas usando ventilação</a:t>
-            </a:r>
-          </a:p>
-          <a:p>
-            <a:r>
-              <a:rPr lang="pt-BR" dirty="0" err="1"/>
+              <a:rPr lang="pt-BR" sz="3800" b="1" dirty="0"/>
+              <a:t>: </a:t>
+            </a:r>
+            <a:r>
+              <a:rPr lang="pt-BR" sz="3800" dirty="0"/>
+              <a:t>Pessoas hospitalizadas usando ventilação;</a:t>
+            </a:r>
+          </a:p>
+          <a:p>
+            <a:pPr algn="just"/>
+            <a:r>
+              <a:rPr lang="pt-BR" sz="3800" b="1" dirty="0" err="1"/>
               <a:t>positiveIncrease</a:t>
             </a:r>
             <a:r>
-              <a:rPr lang="pt-BR" dirty="0"/>
-              <a:t>: Aumento no numero de testes positivos</a:t>
-            </a:r>
-          </a:p>
-          <a:p>
-            <a:r>
-              <a:rPr lang="pt-BR" dirty="0" err="1"/>
+              <a:rPr lang="pt-BR" sz="3800" b="1" dirty="0"/>
+              <a:t>: </a:t>
+            </a:r>
+            <a:r>
+              <a:rPr lang="pt-BR" sz="3800" dirty="0"/>
+              <a:t>Aumento no numero de testes positivos;</a:t>
+            </a:r>
+          </a:p>
+          <a:p>
+            <a:pPr algn="just"/>
+            <a:r>
+              <a:rPr lang="pt-BR" sz="3800" b="1" dirty="0" err="1"/>
               <a:t>negativeIncrease</a:t>
             </a:r>
             <a:r>
-              <a:rPr lang="pt-BR" dirty="0"/>
-              <a:t>: Aumento no numero de testes negativos</a:t>
-            </a:r>
-          </a:p>
-          <a:p>
-            <a:r>
-              <a:rPr lang="pt-BR" dirty="0" err="1"/>
+              <a:rPr lang="pt-BR" sz="3800" b="1" dirty="0"/>
+              <a:t>: </a:t>
+            </a:r>
+            <a:r>
+              <a:rPr lang="pt-BR" sz="3800" dirty="0"/>
+              <a:t>Aumento no numero de testes negativos;</a:t>
+            </a:r>
+          </a:p>
+          <a:p>
+            <a:pPr algn="just"/>
+            <a:r>
+              <a:rPr lang="pt-BR" sz="3800" b="1" dirty="0" err="1"/>
               <a:t>hospitalizedIncrease</a:t>
             </a:r>
             <a:r>
-              <a:rPr lang="pt-BR" dirty="0"/>
-              <a:t>: Aumento no numero de Hospitalizados</a:t>
-            </a:r>
-          </a:p>
-          <a:p>
-            <a:r>
-              <a:rPr lang="pt-BR" dirty="0"/>
+              <a:rPr lang="pt-BR" sz="3800" dirty="0"/>
+              <a:t>: Aumento no numero de Hospitalizados;</a:t>
+            </a:r>
+          </a:p>
+          <a:p>
+            <a:pPr algn="just"/>
+            <a:r>
+              <a:rPr lang="pt-BR" sz="3800" dirty="0"/>
               <a:t>E as variáveis criadas na etapa de </a:t>
             </a:r>
             <a:r>
-              <a:rPr lang="pt-BR" dirty="0" err="1"/>
+              <a:rPr lang="pt-BR" sz="3800" dirty="0" err="1"/>
               <a:t>feature</a:t>
             </a:r>
             <a:r>
-              <a:rPr lang="pt-BR" dirty="0"/>
+              <a:rPr lang="pt-BR" sz="3800" dirty="0"/>
               <a:t> </a:t>
             </a:r>
             <a:r>
-              <a:rPr lang="pt-BR" dirty="0" err="1"/>
+              <a:rPr lang="pt-BR" sz="3800" dirty="0" err="1"/>
               <a:t>enginnering</a:t>
             </a:r>
-            <a:endParaRPr lang="pt-BR" dirty="0"/>
-          </a:p>
-          <a:p>
-            <a:r>
-              <a:rPr lang="pt-BR" dirty="0"/>
+            <a:r>
+              <a:rPr lang="pt-BR" sz="3800" dirty="0"/>
+              <a:t>.</a:t>
+            </a:r>
+          </a:p>
+          <a:p>
+            <a:pPr marL="0" indent="0" algn="just">
+              <a:buNone/>
+            </a:pPr>
+            <a:r>
+              <a:rPr lang="pt-BR" sz="4400" dirty="0"/>
               <a:t>Resultando em 17 variáveis usadas no modelo (7 delas sendo </a:t>
             </a:r>
             <a:r>
-              <a:rPr lang="pt-BR" dirty="0" err="1"/>
+              <a:rPr lang="pt-BR" sz="4400" dirty="0" err="1"/>
               <a:t>dummies</a:t>
             </a:r>
             <a:r>
-              <a:rPr lang="pt-BR" dirty="0"/>
-              <a:t>)</a:t>
-            </a:r>
+              <a:rPr lang="pt-BR" sz="4400" dirty="0"/>
+              <a:t>).</a:t>
+            </a:r>
+            <a:endParaRPr lang="pt-BR" sz="2000" dirty="0"/>
           </a:p>
         </p:txBody>
       </p:sp>
@@ -3655,18 +3829,20 @@
         </p:nvSpPr>
         <p:spPr/>
         <p:txBody>
-          <a:bodyPr/>
-          <a:lstStyle/>
-          <a:p>
-            <a:r>
-              <a:rPr lang="pt-BR" dirty="0"/>
+          <a:bodyPr>
+            <a:normAutofit/>
+          </a:bodyPr>
+          <a:lstStyle/>
+          <a:p>
+            <a:r>
+              <a:rPr lang="pt-BR" sz="4800" b="1" dirty="0"/>
               <a:t>Model </a:t>
             </a:r>
             <a:r>
-              <a:rPr lang="pt-BR" dirty="0" err="1"/>
+              <a:rPr lang="pt-BR" sz="4800" b="1" dirty="0" err="1"/>
               <a:t>Selection</a:t>
             </a:r>
-            <a:endParaRPr lang="pt-BR" dirty="0"/>
+            <a:endParaRPr lang="pt-BR" sz="4800" b="1" dirty="0"/>
           </a:p>
         </p:txBody>
       </p:sp>
@@ -3692,42 +3868,46 @@
           <a:lstStyle/>
           <a:p>
             <a:r>
+              <a:rPr lang="pt-BR" sz="2400" dirty="0"/>
+              <a:t>Para determinar o modelo que seria utilizado foram testado varias combinações de modelos até chegar no modelo escolhido.</a:t>
+            </a:r>
+          </a:p>
+          <a:p>
+            <a:endParaRPr lang="pt-BR" sz="2400" dirty="0"/>
+          </a:p>
+          <a:p>
+            <a:r>
+              <a:rPr lang="pt-BR" sz="2400" dirty="0"/>
+              <a:t>Alguns exemplo: Regressão linear, Regressão polinomial, </a:t>
+            </a:r>
+            <a:r>
+              <a:rPr lang="pt-BR" sz="2400" dirty="0" err="1"/>
+              <a:t>Random</a:t>
+            </a:r>
+            <a:r>
+              <a:rPr lang="pt-BR" sz="2400" dirty="0"/>
+              <a:t> Forest.</a:t>
+            </a:r>
+          </a:p>
+          <a:p>
+            <a:endParaRPr lang="pt-BR" sz="2400" dirty="0"/>
+          </a:p>
+          <a:p>
+            <a:r>
+              <a:rPr lang="pt-BR" sz="2400" dirty="0"/>
+              <a:t>Comparando principalmente o </a:t>
+            </a:r>
+            <a:r>
+              <a:rPr lang="pt-BR" sz="2400" dirty="0" err="1"/>
+              <a:t>fit</a:t>
+            </a:r>
+            <a:r>
+              <a:rPr lang="pt-BR" sz="2400" dirty="0"/>
+              <a:t> obtido na etapa de validação, foi escolhido trabalhar com um regressão linear da raiz quadrada da variável resposta</a:t>
+            </a:r>
+            <a:r>
               <a:rPr lang="pt-BR" dirty="0"/>
-              <a:t>Para determinar o modelo que seria utilizado foram testado varias combinações de modelos até chegar no modelo escolhido.</a:t>
-            </a:r>
-          </a:p>
-          <a:p>
-            <a:endParaRPr lang="pt-BR" dirty="0"/>
-          </a:p>
-          <a:p>
-            <a:r>
-              <a:rPr lang="pt-BR" dirty="0"/>
-              <a:t>Alguns exemplo: Regressão linear, Regressão polinomial, </a:t>
-            </a:r>
-            <a:r>
-              <a:rPr lang="pt-BR" dirty="0" err="1"/>
-              <a:t>Random</a:t>
-            </a:r>
-            <a:r>
-              <a:rPr lang="pt-BR" dirty="0"/>
-              <a:t> Forest</a:t>
-            </a:r>
-          </a:p>
-          <a:p>
-            <a:endParaRPr lang="pt-BR" dirty="0"/>
-          </a:p>
-          <a:p>
-            <a:r>
-              <a:rPr lang="pt-BR" dirty="0"/>
-              <a:t>Comparando principalmente o </a:t>
-            </a:r>
-            <a:r>
-              <a:rPr lang="pt-BR" dirty="0" err="1"/>
-              <a:t>fit</a:t>
-            </a:r>
-            <a:r>
-              <a:rPr lang="pt-BR" dirty="0"/>
-              <a:t> obtido na etapa de validação, foi escolhido trabalhar com um regressão linear da raiz quadrada da variável resposta. </a:t>
+              <a:t>. </a:t>
             </a:r>
           </a:p>
         </p:txBody>
@@ -3780,97 +3960,231 @@
         </p:nvSpPr>
         <p:spPr/>
         <p:txBody>
-          <a:bodyPr/>
-          <a:lstStyle/>
-          <a:p>
-            <a:r>
-              <a:rPr lang="pt-BR" dirty="0"/>
+          <a:bodyPr>
+            <a:normAutofit/>
+          </a:bodyPr>
+          <a:lstStyle/>
+          <a:p>
+            <a:r>
+              <a:rPr lang="pt-BR" sz="4800" b="1" dirty="0"/>
               <a:t>Model </a:t>
             </a:r>
             <a:r>
-              <a:rPr lang="pt-BR" dirty="0" err="1"/>
+              <a:rPr lang="pt-BR" sz="4800" b="1" dirty="0" err="1"/>
               <a:t>description</a:t>
             </a:r>
-            <a:endParaRPr lang="pt-BR" dirty="0"/>
-          </a:p>
-        </p:txBody>
-      </p:sp>
-      <p:sp>
-        <p:nvSpPr>
-          <p:cNvPr id="3" name="Espaço Reservado para Conteúdo 2">
-            <a:extLst>
-              <a:ext uri="{FF2B5EF4-FFF2-40B4-BE49-F238E27FC236}">
-                <a16:creationId xmlns:a16="http://schemas.microsoft.com/office/drawing/2014/main" id="{F35E9256-59EA-40D0-8147-BFD2A9D4143D}"/>
-              </a:ext>
-            </a:extLst>
-          </p:cNvPr>
-          <p:cNvSpPr>
-            <a:spLocks noGrp="1"/>
-          </p:cNvSpPr>
-          <p:nvPr>
-            <p:ph idx="1"/>
-          </p:nvPr>
-        </p:nvSpPr>
-        <p:spPr/>
-        <p:txBody>
-          <a:bodyPr/>
-          <a:lstStyle/>
-          <a:p>
-            <a:pPr marL="0" indent="0">
-              <a:buNone/>
-            </a:pPr>
-            <a:r>
-              <a:rPr lang="pt-BR" dirty="0"/>
-              <a:t>Modelo: </a:t>
-            </a:r>
-            <a:r>
-              <a:rPr lang="pt-BR" dirty="0" err="1"/>
-              <a:t>sqrt</a:t>
-            </a:r>
-            <a:r>
-              <a:rPr lang="pt-BR" dirty="0"/>
-              <a:t>(Y(X))= A X +B + e</a:t>
-            </a:r>
-          </a:p>
-          <a:p>
-            <a:r>
-              <a:rPr lang="pt-BR" dirty="0"/>
-              <a:t>Porque utilizar a raiz da variável resposta? </a:t>
-            </a:r>
-          </a:p>
-          <a:p>
-            <a:pPr marL="0" indent="0">
-              <a:buNone/>
-            </a:pPr>
-            <a:r>
-              <a:rPr lang="pt-BR" dirty="0"/>
-              <a:t>Remetendo a decomposição STL é possível perceber que a </a:t>
-            </a:r>
-            <a:r>
-              <a:rPr lang="pt-BR" dirty="0" err="1"/>
-              <a:t>variança</a:t>
-            </a:r>
-            <a:r>
-              <a:rPr lang="pt-BR" dirty="0"/>
-              <a:t> da sazonalidade cresce muito, especialmente na região de validação. Funções como a raiz quadrada e log ajudam a reduzir a </a:t>
-            </a:r>
-            <a:r>
-              <a:rPr lang="pt-BR" dirty="0" err="1"/>
-              <a:t>variança</a:t>
-            </a:r>
-            <a:r>
-              <a:rPr lang="pt-BR" dirty="0"/>
-              <a:t> o que facilita no ajuste do modelo. Foram realizados testes com modelo do tipo log(Y(X))= A X +B + e, e os resultado não foram tão bons quanto com a raiz quadrada</a:t>
-            </a:r>
-          </a:p>
-          <a:p>
-            <a:pPr marL="0" indent="0">
-              <a:buNone/>
-            </a:pPr>
-            <a:endParaRPr lang="pt-BR" dirty="0"/>
-          </a:p>
-        </p:txBody>
-      </p:sp>
+            <a:endParaRPr lang="pt-BR" sz="4800" b="1" dirty="0"/>
+          </a:p>
+        </p:txBody>
+      </p:sp>
+      <mc:AlternateContent xmlns:mc="http://schemas.openxmlformats.org/markup-compatibility/2006">
+        <mc:Choice xmlns:a14="http://schemas.microsoft.com/office/drawing/2010/main" Requires="a14">
+          <p:sp>
+            <p:nvSpPr>
+              <p:cNvPr id="3" name="Espaço Reservado para Conteúdo 2">
+                <a:extLst>
+                  <a:ext uri="{FF2B5EF4-FFF2-40B4-BE49-F238E27FC236}">
+                    <a16:creationId xmlns:a16="http://schemas.microsoft.com/office/drawing/2014/main" id="{F35E9256-59EA-40D0-8147-BFD2A9D4143D}"/>
+                  </a:ext>
+                </a:extLst>
+              </p:cNvPr>
+              <p:cNvSpPr>
+                <a:spLocks noGrp="1"/>
+              </p:cNvSpPr>
+              <p:nvPr>
+                <p:ph idx="1"/>
+              </p:nvPr>
+            </p:nvSpPr>
+            <p:spPr/>
+            <p:txBody>
+              <a:bodyPr/>
+              <a:lstStyle/>
+              <a:p>
+                <a:pPr marL="0" indent="0">
+                  <a:buNone/>
+                </a:pPr>
+                <a:r>
+                  <a:rPr lang="pt-BR" sz="2400" dirty="0"/>
+                  <a:t>Modelo</a:t>
+                </a:r>
+                <a14:m>
+                  <m:oMath xmlns:m="http://schemas.openxmlformats.org/officeDocument/2006/math">
+                    <m:r>
+                      <a:rPr lang="pt-BR" sz="2400" b="0" i="0" smtClean="0">
+                        <a:latin typeface="Cambria Math" panose="02040503050406030204" pitchFamily="18" charset="0"/>
+                      </a:rPr>
+                      <m:t>:</m:t>
+                    </m:r>
+                  </m:oMath>
+                </a14:m>
+                <a:endParaRPr lang="pt-BR" sz="2400" b="0" i="0" dirty="0">
+                  <a:latin typeface="Cambria Math" panose="02040503050406030204" pitchFamily="18" charset="0"/>
+                </a:endParaRPr>
+              </a:p>
+              <a:p>
+                <a:pPr marL="0" indent="0">
+                  <a:buNone/>
+                </a:pPr>
+                <a14:m>
+                  <m:oMathPara xmlns:m="http://schemas.openxmlformats.org/officeDocument/2006/math">
+                    <m:oMathParaPr>
+                      <m:jc m:val="centerGroup"/>
+                    </m:oMathParaPr>
+                    <m:oMath xmlns:m="http://schemas.openxmlformats.org/officeDocument/2006/math">
+                      <m:rad>
+                        <m:radPr>
+                          <m:degHide m:val="on"/>
+                          <m:ctrlPr>
+                            <a:rPr lang="pt-BR" sz="2400" i="1" smtClean="0">
+                              <a:latin typeface="Cambria Math" panose="02040503050406030204" pitchFamily="18" charset="0"/>
+                            </a:rPr>
+                          </m:ctrlPr>
+                        </m:radPr>
+                        <m:deg/>
+                        <m:e>
+                          <m:r>
+                            <a:rPr lang="pt-BR" sz="2400" b="0" i="1" smtClean="0">
+                              <a:latin typeface="Cambria Math" panose="02040503050406030204" pitchFamily="18" charset="0"/>
+                            </a:rPr>
+                            <m:t>𝑌</m:t>
+                          </m:r>
+                          <m:r>
+                            <a:rPr lang="pt-BR" sz="2400" b="0" i="1" smtClean="0">
+                              <a:latin typeface="Cambria Math" panose="02040503050406030204" pitchFamily="18" charset="0"/>
+                            </a:rPr>
+                            <m:t>(</m:t>
+                          </m:r>
+                          <m:r>
+                            <a:rPr lang="pt-BR" sz="2400" b="0" i="1" smtClean="0">
+                              <a:latin typeface="Cambria Math" panose="02040503050406030204" pitchFamily="18" charset="0"/>
+                            </a:rPr>
+                            <m:t>𝑋</m:t>
+                          </m:r>
+                          <m:r>
+                            <a:rPr lang="pt-BR" sz="2400" b="0" i="1" smtClean="0">
+                              <a:latin typeface="Cambria Math" panose="02040503050406030204" pitchFamily="18" charset="0"/>
+                            </a:rPr>
+                            <m:t>)</m:t>
+                          </m:r>
+                        </m:e>
+                      </m:rad>
+                      <m:r>
+                        <a:rPr lang="pt-BR" sz="2400" b="0" i="1" smtClean="0">
+                          <a:latin typeface="Cambria Math" panose="02040503050406030204" pitchFamily="18" charset="0"/>
+                        </a:rPr>
+                        <m:t>=</m:t>
+                      </m:r>
+                      <m:r>
+                        <a:rPr lang="pt-BR" sz="2400" b="0" i="1" smtClean="0">
+                          <a:latin typeface="Cambria Math" panose="02040503050406030204" pitchFamily="18" charset="0"/>
+                        </a:rPr>
+                        <m:t>𝐴</m:t>
+                      </m:r>
+                      <m:r>
+                        <a:rPr lang="pt-BR" sz="2400" b="0" i="1" smtClean="0">
+                          <a:latin typeface="Cambria Math" panose="02040503050406030204" pitchFamily="18" charset="0"/>
+                        </a:rPr>
+                        <m:t> </m:t>
+                      </m:r>
+                      <m:r>
+                        <a:rPr lang="pt-BR" sz="2400" b="0" i="1" smtClean="0">
+                          <a:latin typeface="Cambria Math" panose="02040503050406030204" pitchFamily="18" charset="0"/>
+                        </a:rPr>
+                        <m:t>𝑋</m:t>
+                      </m:r>
+                      <m:r>
+                        <a:rPr lang="pt-BR" sz="2400" b="0" i="1" smtClean="0">
+                          <a:latin typeface="Cambria Math" panose="02040503050406030204" pitchFamily="18" charset="0"/>
+                        </a:rPr>
+                        <m:t>+</m:t>
+                      </m:r>
+                      <m:r>
+                        <a:rPr lang="pt-BR" sz="2400" b="0" i="1" smtClean="0">
+                          <a:latin typeface="Cambria Math" panose="02040503050406030204" pitchFamily="18" charset="0"/>
+                        </a:rPr>
+                        <m:t>𝐵</m:t>
+                      </m:r>
+                      <m:r>
+                        <a:rPr lang="pt-BR" sz="2400" b="0" i="1" smtClean="0">
+                          <a:latin typeface="Cambria Math" panose="02040503050406030204" pitchFamily="18" charset="0"/>
+                        </a:rPr>
+                        <m:t>+</m:t>
+                      </m:r>
+                      <m:r>
+                        <a:rPr lang="pt-BR" sz="2400" b="0" i="1" smtClean="0">
+                          <a:latin typeface="Cambria Math" panose="02040503050406030204" pitchFamily="18" charset="0"/>
+                        </a:rPr>
+                        <m:t>𝑒</m:t>
+                      </m:r>
+                    </m:oMath>
+                  </m:oMathPara>
+                </a14:m>
+                <a:endParaRPr lang="pt-BR" sz="2400" dirty="0"/>
+              </a:p>
+              <a:p>
+                <a:r>
+                  <a:rPr lang="pt-BR" sz="2400" dirty="0"/>
+                  <a:t>Porque utilizar a raiz da variável resposta? </a:t>
+                </a:r>
+              </a:p>
+              <a:p>
+                <a:pPr marL="0" indent="0" algn="just">
+                  <a:buNone/>
+                </a:pPr>
+                <a:r>
+                  <a:rPr lang="pt-BR" sz="2400" dirty="0"/>
+                  <a:t>Remetendo a decomposição STL é possível perceber que a variância da sazonalidade cresce muito, especialmente na região de validação. Funções como a raiz quadrada e log ajudam a reduzir a variância o que facilita no ajuste do modelo. Foram realizados testes com modelo do tipo log(Y(X))= A X +B + e, e os resultado não foram tão bons quanto com a raiz quadrada.</a:t>
+                </a:r>
+              </a:p>
+              <a:p>
+                <a:pPr marL="0" indent="0">
+                  <a:buNone/>
+                </a:pPr>
+                <a:endParaRPr lang="pt-BR" dirty="0"/>
+              </a:p>
+            </p:txBody>
+          </p:sp>
+        </mc:Choice>
+        <mc:Fallback>
+          <p:sp>
+            <p:nvSpPr>
+              <p:cNvPr id="3" name="Espaço Reservado para Conteúdo 2">
+                <a:extLst>
+                  <a:ext uri="{FF2B5EF4-FFF2-40B4-BE49-F238E27FC236}">
+                    <a16:creationId xmlns:a16="http://schemas.microsoft.com/office/drawing/2014/main" id="{F35E9256-59EA-40D0-8147-BFD2A9D4143D}"/>
+                  </a:ext>
+                </a:extLst>
+              </p:cNvPr>
+              <p:cNvSpPr>
+                <a:spLocks noGrp="1" noRot="1" noChangeAspect="1" noMove="1" noResize="1" noEditPoints="1" noAdjustHandles="1" noChangeArrowheads="1" noChangeShapeType="1" noTextEdit="1"/>
+              </p:cNvSpPr>
+              <p:nvPr>
+                <p:ph idx="1"/>
+              </p:nvPr>
+            </p:nvSpPr>
+            <p:spPr>
+              <a:blipFill>
+                <a:blip r:embed="rId2"/>
+                <a:stretch>
+                  <a:fillRect l="-1064" t="-1541" r="-1064"/>
+                </a:stretch>
+              </a:blipFill>
+            </p:spPr>
+            <p:txBody>
+              <a:bodyPr/>
+              <a:lstStyle/>
+              <a:p>
+                <a:r>
+                  <a:rPr lang="pt-BR">
+                    <a:noFill/>
+                  </a:rPr>
+                  <a:t> </a:t>
+                </a:r>
+              </a:p>
+            </p:txBody>
+          </p:sp>
+        </mc:Fallback>
+      </mc:AlternateContent>
     </p:spTree>
     <p:extLst>
       <p:ext uri="{BB962C8B-B14F-4D97-AF65-F5344CB8AC3E}">
@@ -3919,18 +4233,20 @@
         </p:nvSpPr>
         <p:spPr/>
         <p:txBody>
-          <a:bodyPr/>
-          <a:lstStyle/>
-          <a:p>
-            <a:r>
-              <a:rPr lang="pt-BR" dirty="0"/>
+          <a:bodyPr>
+            <a:normAutofit/>
+          </a:bodyPr>
+          <a:lstStyle/>
+          <a:p>
+            <a:r>
+              <a:rPr lang="pt-BR" sz="4800" b="1" dirty="0"/>
               <a:t>Model </a:t>
             </a:r>
             <a:r>
-              <a:rPr lang="pt-BR" dirty="0" err="1"/>
+              <a:rPr lang="pt-BR" sz="4800" b="1" dirty="0" err="1"/>
               <a:t>description</a:t>
             </a:r>
-            <a:endParaRPr lang="pt-BR" dirty="0"/>
+            <a:endParaRPr lang="pt-BR" sz="4800" b="1" dirty="0"/>
           </a:p>
         </p:txBody>
       </p:sp>
@@ -3956,46 +4272,46 @@
           <a:lstStyle/>
           <a:p>
             <a:r>
-              <a:rPr lang="pt-BR" dirty="0"/>
+              <a:rPr lang="pt-BR" sz="2400" dirty="0"/>
               <a:t>Outra adição que foi feita no modelo foi passar o produto da variável </a:t>
             </a:r>
             <a:r>
-              <a:rPr lang="pt-BR" dirty="0" err="1"/>
+              <a:rPr lang="pt-BR" sz="2400" dirty="0" err="1"/>
               <a:t>data_n</a:t>
             </a:r>
             <a:r>
-              <a:rPr lang="pt-BR" dirty="0"/>
+              <a:rPr lang="pt-BR" sz="2400" dirty="0"/>
               <a:t> com as </a:t>
             </a:r>
             <a:r>
-              <a:rPr lang="pt-BR" dirty="0" err="1"/>
+              <a:rPr lang="pt-BR" sz="2400" dirty="0" err="1"/>
               <a:t>dummies</a:t>
             </a:r>
             <a:r>
-              <a:rPr lang="pt-BR" dirty="0"/>
+              <a:rPr lang="pt-BR" sz="2400" dirty="0"/>
               <a:t> (Ex. </a:t>
             </a:r>
             <a:r>
-              <a:rPr lang="pt-BR" dirty="0" err="1"/>
+              <a:rPr lang="pt-BR" sz="2400" dirty="0" err="1"/>
               <a:t>date_n</a:t>
             </a:r>
             <a:r>
-              <a:rPr lang="pt-BR" dirty="0"/>
+              <a:rPr lang="pt-BR" sz="2400" dirty="0"/>
               <a:t> X </a:t>
             </a:r>
             <a:r>
-              <a:rPr lang="pt-BR" dirty="0" err="1"/>
+              <a:rPr lang="pt-BR" sz="2400" dirty="0" err="1"/>
               <a:t>d_w_domingo</a:t>
             </a:r>
             <a:r>
-              <a:rPr lang="pt-BR" dirty="0"/>
-              <a:t>) </a:t>
-            </a:r>
-          </a:p>
-          <a:p>
-            <a:r>
-              <a:rPr lang="pt-BR" dirty="0"/>
-              <a:t>O objetivo desta adição no modelo foi facilitar que o efeito da sazonalidade mudasse ao longo do tempo, oferecendo um pouco mais de não-linearidade para o modelo </a:t>
+              <a:rPr lang="pt-BR" sz="2400" dirty="0"/>
+              <a:t>).</a:t>
+            </a:r>
+          </a:p>
+          <a:p>
+            <a:r>
+              <a:rPr lang="pt-BR" sz="2400" dirty="0"/>
+              <a:t>O objetivo desta adição no modelo foi facilitar que o efeito da sazonalidade mudasse ao longo do tempo, oferecendo um pouco mais de não-linearidade para o modelo.</a:t>
             </a:r>
           </a:p>
           <a:p>
@@ -4054,11 +4370,13 @@
         </p:nvSpPr>
         <p:spPr/>
         <p:txBody>
-          <a:bodyPr/>
-          <a:lstStyle/>
-          <a:p>
-            <a:r>
-              <a:rPr lang="pt-BR" dirty="0"/>
+          <a:bodyPr>
+            <a:normAutofit/>
+          </a:bodyPr>
+          <a:lstStyle/>
+          <a:p>
+            <a:r>
+              <a:rPr lang="pt-BR" sz="4800" b="1" dirty="0"/>
               <a:t>Resultado do Treino</a:t>
             </a:r>
           </a:p>
@@ -4092,7 +4410,7 @@
         </p:blipFill>
         <p:spPr>
           <a:xfrm>
-            <a:off x="1262108" y="1602346"/>
+            <a:off x="915879" y="1691322"/>
             <a:ext cx="9667783" cy="5040339"/>
           </a:xfrm>
           <a:prstGeom prst="rect">
@@ -4148,11 +4466,13 @@
         </p:nvSpPr>
         <p:spPr/>
         <p:txBody>
-          <a:bodyPr/>
-          <a:lstStyle/>
-          <a:p>
-            <a:r>
-              <a:rPr lang="pt-BR" dirty="0"/>
+          <a:bodyPr>
+            <a:normAutofit/>
+          </a:bodyPr>
+          <a:lstStyle/>
+          <a:p>
+            <a:r>
+              <a:rPr lang="pt-BR" sz="4800" b="1" dirty="0"/>
               <a:t>Resultado do Treino</a:t>
             </a:r>
           </a:p>
@@ -4188,8 +4508,8 @@
         </p:blipFill>
         <p:spPr>
           <a:xfrm>
-            <a:off x="1091649" y="1509744"/>
-            <a:ext cx="10008701" cy="5218078"/>
+            <a:off x="1395192" y="1988598"/>
+            <a:ext cx="8346222" cy="4351338"/>
           </a:xfrm>
         </p:spPr>
       </p:pic>
@@ -4241,71 +4561,153 @@
         </p:nvSpPr>
         <p:spPr/>
         <p:txBody>
-          <a:bodyPr/>
-          <a:lstStyle/>
-          <a:p>
-            <a:r>
-              <a:rPr lang="pt-BR" dirty="0"/>
+          <a:bodyPr>
+            <a:normAutofit/>
+          </a:bodyPr>
+          <a:lstStyle/>
+          <a:p>
+            <a:r>
+              <a:rPr lang="pt-BR" sz="4800" b="1" dirty="0"/>
               <a:t>Resultado do Treino</a:t>
             </a:r>
           </a:p>
         </p:txBody>
       </p:sp>
-      <p:sp>
-        <p:nvSpPr>
-          <p:cNvPr id="3" name="Espaço Reservado para Conteúdo 2">
-            <a:extLst>
-              <a:ext uri="{FF2B5EF4-FFF2-40B4-BE49-F238E27FC236}">
-                <a16:creationId xmlns:a16="http://schemas.microsoft.com/office/drawing/2014/main" id="{EBFDDE69-DBA8-4C83-A490-251ED3AF4138}"/>
-              </a:ext>
-            </a:extLst>
-          </p:cNvPr>
-          <p:cNvSpPr>
-            <a:spLocks noGrp="1"/>
-          </p:cNvSpPr>
-          <p:nvPr>
-            <p:ph idx="1"/>
-          </p:nvPr>
-        </p:nvSpPr>
-        <p:spPr/>
-        <p:txBody>
-          <a:bodyPr/>
-          <a:lstStyle/>
-          <a:p>
-            <a:r>
-              <a:rPr lang="pt-BR" dirty="0"/>
-              <a:t>Erro Absoluto Médio: 130.782 mortes</a:t>
-            </a:r>
-          </a:p>
-          <a:p>
-            <a:endParaRPr lang="pt-BR" dirty="0"/>
-          </a:p>
-          <a:p>
-            <a:r>
-              <a:rPr lang="pt-BR" dirty="0"/>
-              <a:t>Erro Relativo Médio: 21,48 % </a:t>
-            </a:r>
-          </a:p>
-          <a:p>
-            <a:endParaRPr lang="pt-BR" dirty="0"/>
-          </a:p>
-          <a:p>
-            <a:r>
-              <a:rPr lang="pt-BR" dirty="0"/>
-              <a:t>Erro médio quadrático: 190,96</a:t>
-            </a:r>
-          </a:p>
-          <a:p>
-            <a:endParaRPr lang="pt-BR" dirty="0"/>
-          </a:p>
-          <a:p>
-            <a:r>
-              <a:rPr lang="pt-BR" dirty="0"/>
-              <a:t>R^2: 87,9 %</a:t>
-            </a:r>
-          </a:p>
-        </p:txBody>
-      </p:sp>
+      <mc:AlternateContent xmlns:mc="http://schemas.openxmlformats.org/markup-compatibility/2006">
+        <mc:Choice xmlns:a14="http://schemas.microsoft.com/office/drawing/2010/main" Requires="a14">
+          <p:sp>
+            <p:nvSpPr>
+              <p:cNvPr id="3" name="Espaço Reservado para Conteúdo 2">
+                <a:extLst>
+                  <a:ext uri="{FF2B5EF4-FFF2-40B4-BE49-F238E27FC236}">
+                    <a16:creationId xmlns:a16="http://schemas.microsoft.com/office/drawing/2014/main" id="{EBFDDE69-DBA8-4C83-A490-251ED3AF4138}"/>
+                  </a:ext>
+                </a:extLst>
+              </p:cNvPr>
+              <p:cNvSpPr>
+                <a:spLocks noGrp="1"/>
+              </p:cNvSpPr>
+              <p:nvPr>
+                <p:ph idx="1"/>
+              </p:nvPr>
+            </p:nvSpPr>
+            <p:spPr/>
+            <p:txBody>
+              <a:bodyPr>
+                <a:normAutofit/>
+              </a:bodyPr>
+              <a:lstStyle/>
+              <a:p>
+                <a:r>
+                  <a:rPr lang="pt-BR" sz="2400" dirty="0"/>
+                  <a:t>Erro Absoluto Médio: 130.782 mortes</a:t>
+                </a:r>
+              </a:p>
+              <a:p>
+                <a:endParaRPr lang="pt-BR" sz="2400" dirty="0"/>
+              </a:p>
+              <a:p>
+                <a:r>
+                  <a:rPr lang="pt-BR" sz="2400" dirty="0"/>
+                  <a:t>Erro Relativo Médio: 21,48% </a:t>
+                </a:r>
+              </a:p>
+              <a:p>
+                <a:endParaRPr lang="pt-BR" sz="2400" dirty="0"/>
+              </a:p>
+              <a:p>
+                <a:r>
+                  <a:rPr lang="pt-BR" sz="2400" dirty="0"/>
+                  <a:t>Erro médio quadrático: 190,96</a:t>
+                </a:r>
+              </a:p>
+              <a:p>
+                <a:endParaRPr lang="pt-BR" sz="2400" dirty="0"/>
+              </a:p>
+              <a:p>
+                <a14:m>
+                  <m:oMath xmlns:m="http://schemas.openxmlformats.org/officeDocument/2006/math">
+                    <m:sSup>
+                      <m:sSupPr>
+                        <m:ctrlPr>
+                          <a:rPr lang="pt-BR" sz="2400" b="0" i="1" smtClean="0">
+                            <a:latin typeface="Cambria Math" panose="02040503050406030204" pitchFamily="18" charset="0"/>
+                          </a:rPr>
+                        </m:ctrlPr>
+                      </m:sSupPr>
+                      <m:e>
+                        <m:r>
+                          <a:rPr lang="pt-BR" sz="2400" b="0" i="1" smtClean="0">
+                            <a:latin typeface="Cambria Math" panose="02040503050406030204" pitchFamily="18" charset="0"/>
+                          </a:rPr>
+                          <m:t>𝑅</m:t>
+                        </m:r>
+                      </m:e>
+                      <m:sup>
+                        <m:r>
+                          <a:rPr lang="pt-BR" sz="2400" b="0" i="1" smtClean="0">
+                            <a:latin typeface="Cambria Math" panose="02040503050406030204" pitchFamily="18" charset="0"/>
+                          </a:rPr>
+                          <m:t>2</m:t>
+                        </m:r>
+                      </m:sup>
+                    </m:sSup>
+                    <m:r>
+                      <a:rPr lang="pt-BR" sz="2400" b="0" i="1" smtClean="0">
+                        <a:latin typeface="Cambria Math" panose="02040503050406030204" pitchFamily="18" charset="0"/>
+                      </a:rPr>
+                      <m:t> </m:t>
+                    </m:r>
+                  </m:oMath>
+                </a14:m>
+                <a:r>
+                  <a:rPr lang="pt-BR" sz="2400" dirty="0"/>
+                  <a:t>: 87,9%</a:t>
+                </a:r>
+              </a:p>
+            </p:txBody>
+          </p:sp>
+        </mc:Choice>
+        <mc:Fallback>
+          <p:sp>
+            <p:nvSpPr>
+              <p:cNvPr id="3" name="Espaço Reservado para Conteúdo 2">
+                <a:extLst>
+                  <a:ext uri="{FF2B5EF4-FFF2-40B4-BE49-F238E27FC236}">
+                    <a16:creationId xmlns:a16="http://schemas.microsoft.com/office/drawing/2014/main" id="{EBFDDE69-DBA8-4C83-A490-251ED3AF4138}"/>
+                  </a:ext>
+                </a:extLst>
+              </p:cNvPr>
+              <p:cNvSpPr>
+                <a:spLocks noGrp="1" noRot="1" noChangeAspect="1" noMove="1" noResize="1" noEditPoints="1" noAdjustHandles="1" noChangeArrowheads="1" noChangeShapeType="1" noTextEdit="1"/>
+              </p:cNvSpPr>
+              <p:nvPr>
+                <p:ph idx="1"/>
+              </p:nvPr>
+            </p:nvSpPr>
+            <p:spPr>
+              <a:blipFill>
+                <a:blip r:embed="rId2"/>
+                <a:stretch>
+                  <a:fillRect l="-496" t="-1541"/>
+                </a:stretch>
+              </a:blipFill>
+            </p:spPr>
+            <p:txBody>
+              <a:bodyPr/>
+              <a:lstStyle/>
+              <a:p>
+                <a:r>
+                  <a:rPr lang="pt-BR">
+                    <a:noFill/>
+                  </a:rPr>
+                  <a:t> </a:t>
+                </a:r>
+              </a:p>
+            </p:txBody>
+          </p:sp>
+        </mc:Fallback>
+      </mc:AlternateContent>
     </p:spTree>
     <p:extLst>
       <p:ext uri="{BB962C8B-B14F-4D97-AF65-F5344CB8AC3E}">
@@ -4354,11 +4756,13 @@
         </p:nvSpPr>
         <p:spPr/>
         <p:txBody>
-          <a:bodyPr/>
-          <a:lstStyle/>
-          <a:p>
-            <a:r>
-              <a:rPr lang="pt-BR" dirty="0"/>
+          <a:bodyPr>
+            <a:normAutofit/>
+          </a:bodyPr>
+          <a:lstStyle/>
+          <a:p>
+            <a:r>
+              <a:rPr lang="pt-BR" sz="4800" b="1" dirty="0"/>
               <a:t>Resultado da Validação</a:t>
             </a:r>
           </a:p>
@@ -4392,7 +4796,7 @@
         </p:blipFill>
         <p:spPr>
           <a:xfrm>
-            <a:off x="1438182" y="1690688"/>
+            <a:off x="1065320" y="1691322"/>
             <a:ext cx="9445841" cy="4924629"/>
           </a:xfrm>
           <a:prstGeom prst="rect">
@@ -4448,11 +4852,13 @@
         </p:nvSpPr>
         <p:spPr/>
         <p:txBody>
-          <a:bodyPr/>
-          <a:lstStyle/>
-          <a:p>
-            <a:r>
-              <a:rPr lang="pt-BR" dirty="0"/>
+          <a:bodyPr>
+            <a:normAutofit/>
+          </a:bodyPr>
+          <a:lstStyle/>
+          <a:p>
+            <a:r>
+              <a:rPr lang="pt-BR" sz="4800" b="1" dirty="0"/>
               <a:t>Resultado da Validação</a:t>
             </a:r>
           </a:p>
@@ -4488,8 +4894,8 @@
         </p:blipFill>
         <p:spPr>
           <a:xfrm>
-            <a:off x="1260325" y="1690688"/>
-            <a:ext cx="9671349" cy="5042198"/>
+            <a:off x="1261872" y="2059619"/>
+            <a:ext cx="8346222" cy="4351338"/>
           </a:xfrm>
         </p:spPr>
       </p:pic>
@@ -4541,71 +4947,147 @@
         </p:nvSpPr>
         <p:spPr/>
         <p:txBody>
-          <a:bodyPr/>
-          <a:lstStyle/>
-          <a:p>
-            <a:r>
-              <a:rPr lang="pt-BR" dirty="0"/>
+          <a:bodyPr>
+            <a:normAutofit/>
+          </a:bodyPr>
+          <a:lstStyle/>
+          <a:p>
+            <a:r>
+              <a:rPr lang="pt-BR" sz="4800" b="1" dirty="0"/>
               <a:t>Resultado da Validação</a:t>
             </a:r>
           </a:p>
         </p:txBody>
       </p:sp>
-      <p:sp>
-        <p:nvSpPr>
-          <p:cNvPr id="3" name="Espaço Reservado para Conteúdo 2">
-            <a:extLst>
-              <a:ext uri="{FF2B5EF4-FFF2-40B4-BE49-F238E27FC236}">
-                <a16:creationId xmlns:a16="http://schemas.microsoft.com/office/drawing/2014/main" id="{EBFDDE69-DBA8-4C83-A490-251ED3AF4138}"/>
-              </a:ext>
-            </a:extLst>
-          </p:cNvPr>
-          <p:cNvSpPr>
-            <a:spLocks noGrp="1"/>
-          </p:cNvSpPr>
-          <p:nvPr>
-            <p:ph idx="1"/>
-          </p:nvPr>
-        </p:nvSpPr>
-        <p:spPr/>
-        <p:txBody>
-          <a:bodyPr/>
-          <a:lstStyle/>
-          <a:p>
-            <a:r>
-              <a:rPr lang="pt-BR" dirty="0"/>
-              <a:t>Erro Absoluto Médio: 341.84 mortes</a:t>
-            </a:r>
-          </a:p>
-          <a:p>
-            <a:endParaRPr lang="pt-BR" dirty="0"/>
-          </a:p>
-          <a:p>
-            <a:r>
-              <a:rPr lang="pt-BR" dirty="0"/>
-              <a:t>Erro Relativo Médio: 15,98 % </a:t>
-            </a:r>
-          </a:p>
-          <a:p>
-            <a:endParaRPr lang="pt-BR" dirty="0"/>
-          </a:p>
-          <a:p>
-            <a:r>
-              <a:rPr lang="pt-BR" dirty="0"/>
-              <a:t>Erro médio quadrático: 477.52</a:t>
-            </a:r>
-          </a:p>
-          <a:p>
-            <a:endParaRPr lang="pt-BR" dirty="0"/>
-          </a:p>
-          <a:p>
-            <a:r>
-              <a:rPr lang="pt-BR" dirty="0"/>
-              <a:t>R^2: 72,62 %</a:t>
-            </a:r>
-          </a:p>
-        </p:txBody>
-      </p:sp>
+      <mc:AlternateContent xmlns:mc="http://schemas.openxmlformats.org/markup-compatibility/2006">
+        <mc:Choice xmlns:a14="http://schemas.microsoft.com/office/drawing/2010/main" Requires="a14">
+          <p:sp>
+            <p:nvSpPr>
+              <p:cNvPr id="3" name="Espaço Reservado para Conteúdo 2">
+                <a:extLst>
+                  <a:ext uri="{FF2B5EF4-FFF2-40B4-BE49-F238E27FC236}">
+                    <a16:creationId xmlns:a16="http://schemas.microsoft.com/office/drawing/2014/main" id="{EBFDDE69-DBA8-4C83-A490-251ED3AF4138}"/>
+                  </a:ext>
+                </a:extLst>
+              </p:cNvPr>
+              <p:cNvSpPr>
+                <a:spLocks noGrp="1"/>
+              </p:cNvSpPr>
+              <p:nvPr>
+                <p:ph idx="1"/>
+              </p:nvPr>
+            </p:nvSpPr>
+            <p:spPr/>
+            <p:txBody>
+              <a:bodyPr>
+                <a:normAutofit/>
+              </a:bodyPr>
+              <a:lstStyle/>
+              <a:p>
+                <a:r>
+                  <a:rPr lang="pt-BR" sz="2400" dirty="0"/>
+                  <a:t>Erro Absoluto Médio: 341.84 mortes</a:t>
+                </a:r>
+              </a:p>
+              <a:p>
+                <a:endParaRPr lang="pt-BR" sz="2400" dirty="0"/>
+              </a:p>
+              <a:p>
+                <a:r>
+                  <a:rPr lang="pt-BR" sz="2400" dirty="0"/>
+                  <a:t>Erro Relativo Médio: 15,98% </a:t>
+                </a:r>
+              </a:p>
+              <a:p>
+                <a:endParaRPr lang="pt-BR" sz="2400" dirty="0"/>
+              </a:p>
+              <a:p>
+                <a:r>
+                  <a:rPr lang="pt-BR" sz="2400" dirty="0"/>
+                  <a:t>Erro médio quadrático: 477.52</a:t>
+                </a:r>
+              </a:p>
+              <a:p>
+                <a:endParaRPr lang="pt-BR" sz="2400" dirty="0"/>
+              </a:p>
+              <a:p>
+                <a14:m>
+                  <m:oMath xmlns:m="http://schemas.openxmlformats.org/officeDocument/2006/math">
+                    <m:sSup>
+                      <m:sSupPr>
+                        <m:ctrlPr>
+                          <a:rPr lang="pt-BR" sz="2400" b="0" i="1" smtClean="0">
+                            <a:latin typeface="Cambria Math" panose="02040503050406030204" pitchFamily="18" charset="0"/>
+                          </a:rPr>
+                        </m:ctrlPr>
+                      </m:sSupPr>
+                      <m:e>
+                        <m:r>
+                          <a:rPr lang="pt-BR" sz="2400" b="0" i="1" smtClean="0">
+                            <a:latin typeface="Cambria Math" panose="02040503050406030204" pitchFamily="18" charset="0"/>
+                          </a:rPr>
+                          <m:t>𝑅</m:t>
+                        </m:r>
+                      </m:e>
+                      <m:sup>
+                        <m:r>
+                          <a:rPr lang="pt-BR" sz="2400" b="0" i="1" smtClean="0">
+                            <a:latin typeface="Cambria Math" panose="02040503050406030204" pitchFamily="18" charset="0"/>
+                          </a:rPr>
+                          <m:t>2</m:t>
+                        </m:r>
+                      </m:sup>
+                    </m:sSup>
+                  </m:oMath>
+                </a14:m>
+                <a:r>
+                  <a:rPr lang="pt-BR" sz="2400" dirty="0"/>
+                  <a:t>: 72,62%</a:t>
+                </a:r>
+              </a:p>
+            </p:txBody>
+          </p:sp>
+        </mc:Choice>
+        <mc:Fallback>
+          <p:sp>
+            <p:nvSpPr>
+              <p:cNvPr id="3" name="Espaço Reservado para Conteúdo 2">
+                <a:extLst>
+                  <a:ext uri="{FF2B5EF4-FFF2-40B4-BE49-F238E27FC236}">
+                    <a16:creationId xmlns:a16="http://schemas.microsoft.com/office/drawing/2014/main" id="{EBFDDE69-DBA8-4C83-A490-251ED3AF4138}"/>
+                  </a:ext>
+                </a:extLst>
+              </p:cNvPr>
+              <p:cNvSpPr>
+                <a:spLocks noGrp="1" noRot="1" noChangeAspect="1" noMove="1" noResize="1" noEditPoints="1" noAdjustHandles="1" noChangeArrowheads="1" noChangeShapeType="1" noTextEdit="1"/>
+              </p:cNvSpPr>
+              <p:nvPr>
+                <p:ph idx="1"/>
+              </p:nvPr>
+            </p:nvSpPr>
+            <p:spPr>
+              <a:blipFill>
+                <a:blip r:embed="rId2"/>
+                <a:stretch>
+                  <a:fillRect l="-496" t="-1541"/>
+                </a:stretch>
+              </a:blipFill>
+            </p:spPr>
+            <p:txBody>
+              <a:bodyPr/>
+              <a:lstStyle/>
+              <a:p>
+                <a:r>
+                  <a:rPr lang="pt-BR">
+                    <a:noFill/>
+                  </a:rPr>
+                  <a:t> </a:t>
+                </a:r>
+              </a:p>
+            </p:txBody>
+          </p:sp>
+        </mc:Fallback>
+      </mc:AlternateContent>
     </p:spTree>
     <p:extLst>
       <p:ext uri="{BB962C8B-B14F-4D97-AF65-F5344CB8AC3E}">
@@ -4654,12 +5136,15 @@
         </p:nvSpPr>
         <p:spPr/>
         <p:txBody>
-          <a:bodyPr/>
-          <a:lstStyle/>
-          <a:p>
-            <a:r>
-              <a:rPr lang="pt-BR" dirty="0"/>
-              <a:t>O problema</a:t>
+          <a:bodyPr>
+            <a:normAutofit/>
+          </a:bodyPr>
+          <a:lstStyle/>
+          <a:p>
+            <a:pPr algn="just"/>
+            <a:r>
+              <a:rPr lang="pt-BR" sz="4800" b="1" dirty="0"/>
+              <a:t>O Problema</a:t>
             </a:r>
           </a:p>
         </p:txBody>
@@ -4682,36 +5167,31 @@
         </p:nvSpPr>
         <p:spPr/>
         <p:txBody>
-          <a:bodyPr/>
-          <a:lstStyle/>
-          <a:p>
-            <a:r>
-              <a:rPr lang="pt-BR" dirty="0"/>
+          <a:bodyPr>
+            <a:normAutofit/>
+          </a:bodyPr>
+          <a:lstStyle/>
+          <a:p>
+            <a:pPr algn="just"/>
+            <a:r>
+              <a:rPr lang="pt-BR" sz="2400" dirty="0"/>
               <a:t>Utilizar os dados disponíveis na API do The Tracking COVID Project, para desenvolver um modelo capaz de prever o numero de mortes que vão ocorrer no dia seguinte.</a:t>
             </a:r>
           </a:p>
           <a:p>
-            <a:endParaRPr lang="pt-BR" dirty="0"/>
-          </a:p>
-          <a:p>
-            <a:r>
-              <a:rPr lang="pt-BR" dirty="0"/>
-              <a:t>O modelo será validado com os dados de dezembro </a:t>
-            </a:r>
-            <a:r>
-              <a:rPr lang="pt-BR"/>
-              <a:t>de 2020.</a:t>
-            </a:r>
-            <a:endParaRPr lang="pt-BR" dirty="0"/>
-          </a:p>
-          <a:p>
-            <a:pPr marL="0" indent="0">
-              <a:buNone/>
-            </a:pPr>
-            <a:r>
-              <a:rPr lang="pt-BR" dirty="0"/>
-              <a:t> </a:t>
-            </a:r>
+            <a:pPr algn="just"/>
+            <a:endParaRPr lang="pt-BR" sz="2400" dirty="0"/>
+          </a:p>
+          <a:p>
+            <a:pPr algn="just"/>
+            <a:r>
+              <a:rPr lang="pt-BR" sz="2400" dirty="0"/>
+              <a:t>O modelo será validado com os dados de dezembro de 2020.</a:t>
+            </a:r>
+          </a:p>
+          <a:p>
+            <a:pPr algn="just"/>
+            <a:endParaRPr lang="pt-BR" sz="2400" dirty="0"/>
           </a:p>
         </p:txBody>
       </p:sp>
@@ -4767,7 +5247,7 @@
           <a:lstStyle/>
           <a:p>
             <a:r>
-              <a:rPr lang="pt-BR" dirty="0"/>
+              <a:rPr lang="pt-BR" sz="4800" b="1" dirty="0"/>
               <a:t>Dados</a:t>
             </a:r>
           </a:p>
@@ -4791,26 +5271,30 @@
         </p:nvSpPr>
         <p:spPr/>
         <p:txBody>
-          <a:bodyPr/>
-          <a:lstStyle/>
-          <a:p>
-            <a:r>
-              <a:rPr lang="pt-BR" dirty="0"/>
+          <a:bodyPr>
+            <a:normAutofit/>
+          </a:bodyPr>
+          <a:lstStyle/>
+          <a:p>
+            <a:pPr algn="just"/>
+            <a:r>
+              <a:rPr lang="pt-BR" sz="2400" dirty="0"/>
               <a:t>A API fornece dados tanto por cada um dos estados e territórios do USA quanto agregado para o pais todo. </a:t>
             </a:r>
           </a:p>
           <a:p>
-            <a:r>
-              <a:rPr lang="pt-BR" dirty="0"/>
+            <a:pPr algn="just"/>
+            <a:r>
+              <a:rPr lang="pt-BR" sz="2400" dirty="0"/>
               <a:t>Embora tenham sido extraídos os dois </a:t>
             </a:r>
             <a:r>
-              <a:rPr lang="pt-BR" dirty="0" err="1"/>
+              <a:rPr lang="pt-BR" sz="2400" dirty="0" err="1"/>
               <a:t>datasets</a:t>
             </a:r>
             <a:r>
-              <a:rPr lang="pt-BR" dirty="0"/>
-              <a:t> só foram utilizados os dados nacionais </a:t>
+              <a:rPr lang="pt-BR" sz="2400" dirty="0"/>
+              <a:t> só foram utilizados os dados nacionais. </a:t>
             </a:r>
           </a:p>
         </p:txBody>
@@ -4837,7 +5321,7 @@
         </p:blipFill>
         <p:spPr>
           <a:xfrm>
-            <a:off x="1125152" y="3540849"/>
+            <a:off x="997077" y="3644265"/>
             <a:ext cx="9124950" cy="2847975"/>
           </a:xfrm>
           <a:prstGeom prst="rect">
@@ -4893,11 +5377,13 @@
         </p:nvSpPr>
         <p:spPr/>
         <p:txBody>
-          <a:bodyPr/>
-          <a:lstStyle/>
-          <a:p>
-            <a:r>
-              <a:rPr lang="pt-BR" dirty="0"/>
+          <a:bodyPr>
+            <a:normAutofit/>
+          </a:bodyPr>
+          <a:lstStyle/>
+          <a:p>
+            <a:r>
+              <a:rPr lang="pt-BR" sz="4800" b="1" dirty="0"/>
               <a:t>Dados faltantes</a:t>
             </a:r>
           </a:p>
@@ -4921,28 +5407,33 @@
         </p:nvSpPr>
         <p:spPr/>
         <p:txBody>
-          <a:bodyPr/>
-          <a:lstStyle/>
-          <a:p>
-            <a:r>
-              <a:rPr lang="pt-BR" dirty="0"/>
-              <a:t>Foi decidido não utilizar os dados onde nem todos os território reportaram os dados (período antes de 2020-03-16). Utilizar dados nesta região só diminuiria a eficiência do modelo, já que a informação não representaria o comportamento do pais</a:t>
-            </a:r>
-          </a:p>
-          <a:p>
-            <a:endParaRPr lang="pt-BR" dirty="0"/>
-          </a:p>
-          <a:p>
-            <a:r>
-              <a:rPr lang="pt-BR" dirty="0"/>
+          <a:bodyPr>
+            <a:normAutofit/>
+          </a:bodyPr>
+          <a:lstStyle/>
+          <a:p>
+            <a:pPr algn="just"/>
+            <a:r>
+              <a:rPr lang="pt-BR" sz="2400" dirty="0"/>
+              <a:t>Foi decidido não utilizar os dados onde nem todos os território reportaram os dados (período antes de 2020-03-16). Utilizar dados nesta região só diminuiria a eficiência do modelo, já que a informação não representaria o comportamento do pais.</a:t>
+            </a:r>
+          </a:p>
+          <a:p>
+            <a:pPr algn="just"/>
+            <a:endParaRPr lang="pt-BR" sz="2400" dirty="0"/>
+          </a:p>
+          <a:p>
+            <a:pPr algn="just"/>
+            <a:r>
+              <a:rPr lang="pt-BR" sz="2400" dirty="0"/>
               <a:t> Onde dados faltaram, em sua grande maioria nos inicio do </a:t>
             </a:r>
             <a:r>
-              <a:rPr lang="pt-BR" dirty="0" err="1"/>
+              <a:rPr lang="pt-BR" sz="2400" dirty="0" err="1"/>
               <a:t>dataset</a:t>
             </a:r>
             <a:r>
-              <a:rPr lang="pt-BR" dirty="0"/>
+              <a:rPr lang="pt-BR" sz="2400" dirty="0"/>
               <a:t>, foi utilizado o valor zero. Embora tenha sido uma decisão arriscada a maioria dos dados cresce ao longo do tempo, temos bastante dados completos e queremos prever um futuro longe da área com dados faltantes.</a:t>
             </a:r>
           </a:p>
@@ -4996,11 +5487,13 @@
         </p:nvSpPr>
         <p:spPr/>
         <p:txBody>
-          <a:bodyPr/>
-          <a:lstStyle/>
-          <a:p>
-            <a:r>
-              <a:rPr lang="pt-BR" dirty="0"/>
+          <a:bodyPr>
+            <a:normAutofit/>
+          </a:bodyPr>
+          <a:lstStyle/>
+          <a:p>
+            <a:r>
+              <a:rPr lang="pt-BR" sz="4800" b="1" dirty="0"/>
               <a:t>Variável Resposta</a:t>
             </a:r>
           </a:p>
@@ -5024,37 +5517,42 @@
         </p:nvSpPr>
         <p:spPr/>
         <p:txBody>
-          <a:bodyPr/>
-          <a:lstStyle/>
-          <a:p>
-            <a:r>
-              <a:rPr lang="pt-BR" dirty="0"/>
+          <a:bodyPr>
+            <a:normAutofit/>
+          </a:bodyPr>
+          <a:lstStyle/>
+          <a:p>
+            <a:pPr algn="just"/>
+            <a:r>
+              <a:rPr lang="pt-BR" sz="2400" dirty="0"/>
               <a:t>A variável resposta utilizada será o número de mortes novas (</a:t>
             </a:r>
             <a:r>
-              <a:rPr lang="pt-BR" dirty="0" err="1"/>
+              <a:rPr lang="pt-BR" sz="2400" dirty="0" err="1"/>
               <a:t>deathincrease</a:t>
             </a:r>
             <a:r>
-              <a:rPr lang="pt-BR" dirty="0"/>
+              <a:rPr lang="pt-BR" sz="2400" dirty="0"/>
               <a:t> no </a:t>
             </a:r>
             <a:r>
-              <a:rPr lang="pt-BR" dirty="0" err="1"/>
+              <a:rPr lang="pt-BR" sz="2400" dirty="0" err="1"/>
               <a:t>dataset</a:t>
             </a:r>
             <a:r>
-              <a:rPr lang="pt-BR" dirty="0"/>
-              <a:t>)</a:t>
-            </a:r>
-          </a:p>
-          <a:p>
-            <a:endParaRPr lang="pt-BR" dirty="0"/>
-          </a:p>
-          <a:p>
-            <a:r>
-              <a:rPr lang="pt-BR" dirty="0"/>
-              <a:t>Utilizar a Variável death, que é o numero total de mortes até agora é uma opção que só aumentaria ad  dificuldade de ajustar o modelo conforme os números crescem</a:t>
+              <a:rPr lang="pt-BR" sz="2400" dirty="0"/>
+              <a:t>).</a:t>
+            </a:r>
+          </a:p>
+          <a:p>
+            <a:pPr algn="just"/>
+            <a:endParaRPr lang="pt-BR" sz="2400" dirty="0"/>
+          </a:p>
+          <a:p>
+            <a:pPr algn="just"/>
+            <a:r>
+              <a:rPr lang="pt-BR" sz="2400" dirty="0"/>
+              <a:t>Utilizar a Variável death, que é o numero total de mortes até agora é uma opção que só aumentaria ad  dificuldade de ajustar o modelo conforme os números crescem.</a:t>
             </a:r>
           </a:p>
         </p:txBody>
@@ -5107,11 +5605,13 @@
         </p:nvSpPr>
         <p:spPr/>
         <p:txBody>
-          <a:bodyPr/>
-          <a:lstStyle/>
-          <a:p>
-            <a:r>
-              <a:rPr lang="pt-BR" dirty="0"/>
+          <a:bodyPr>
+            <a:normAutofit/>
+          </a:bodyPr>
+          <a:lstStyle/>
+          <a:p>
+            <a:r>
+              <a:rPr lang="pt-BR" sz="4800" b="1" dirty="0"/>
               <a:t>Variável Resposta</a:t>
             </a:r>
           </a:p>
@@ -5145,7 +5645,7 @@
         </p:blipFill>
         <p:spPr>
           <a:xfrm>
-            <a:off x="1240893" y="1430415"/>
+            <a:off x="841397" y="1691322"/>
             <a:ext cx="9710213" cy="5062460"/>
           </a:xfrm>
           <a:prstGeom prst="rect">
@@ -5205,9 +5705,18 @@
           <a:lstStyle/>
           <a:p>
             <a:r>
+              <a:rPr lang="pt-BR" sz="4800" b="1" dirty="0"/>
+              <a:t>Variável</a:t>
+            </a:r>
+            <a:r>
               <a:rPr lang="pt-BR" dirty="0"/>
-              <a:t>Variável Resposta</a:t>
-            </a:r>
+              <a:t> </a:t>
+            </a:r>
+            <a:r>
+              <a:rPr lang="pt-BR" sz="4800" b="1" dirty="0"/>
+              <a:t>Resposta</a:t>
+            </a:r>
+            <a:endParaRPr lang="pt-BR" b="1" dirty="0"/>
           </a:p>
         </p:txBody>
       </p:sp>
@@ -5239,8 +5748,8 @@
         </p:blipFill>
         <p:spPr>
           <a:xfrm>
-            <a:off x="884651" y="1297548"/>
-            <a:ext cx="10422698" cy="5433916"/>
+            <a:off x="772357" y="1691322"/>
+            <a:ext cx="9518578" cy="4962549"/>
           </a:xfrm>
           <a:prstGeom prst="rect">
             <a:avLst/>
@@ -5295,22 +5804,24 @@
         </p:nvSpPr>
         <p:spPr/>
         <p:txBody>
-          <a:bodyPr/>
-          <a:lstStyle/>
-          <a:p>
-            <a:r>
-              <a:rPr lang="pt-BR" dirty="0" err="1"/>
+          <a:bodyPr>
+            <a:normAutofit/>
+          </a:bodyPr>
+          <a:lstStyle/>
+          <a:p>
+            <a:r>
+              <a:rPr lang="pt-BR" sz="4800" b="1" dirty="0" err="1"/>
               <a:t>Feature</a:t>
             </a:r>
             <a:r>
-              <a:rPr lang="pt-BR" dirty="0"/>
+              <a:rPr lang="pt-BR" sz="4800" b="1" dirty="0"/>
               <a:t> </a:t>
             </a:r>
             <a:r>
-              <a:rPr lang="pt-BR" dirty="0" err="1"/>
+              <a:rPr lang="pt-BR" sz="4800" b="1" dirty="0" err="1"/>
               <a:t>Engineering</a:t>
             </a:r>
-            <a:endParaRPr lang="pt-BR" dirty="0"/>
+            <a:endParaRPr lang="pt-BR" sz="4800" b="1" dirty="0"/>
           </a:p>
         </p:txBody>
       </p:sp>
@@ -5337,74 +5848,80 @@
           </a:bodyPr>
           <a:lstStyle/>
           <a:p>
-            <a:r>
-              <a:rPr lang="pt-BR" dirty="0"/>
+            <a:pPr algn="just"/>
+            <a:r>
+              <a:rPr lang="pt-BR" sz="2400" dirty="0"/>
               <a:t>Sazonalidade semanal: Foram criadas </a:t>
             </a:r>
             <a:r>
-              <a:rPr lang="pt-BR" dirty="0" err="1"/>
+              <a:rPr lang="pt-BR" sz="2400" dirty="0" err="1"/>
               <a:t>dummy</a:t>
             </a:r>
             <a:r>
-              <a:rPr lang="pt-BR" dirty="0"/>
+              <a:rPr lang="pt-BR" sz="2400" dirty="0"/>
               <a:t> </a:t>
             </a:r>
             <a:r>
-              <a:rPr lang="pt-BR" dirty="0" err="1"/>
+              <a:rPr lang="pt-BR" sz="2400" dirty="0" err="1"/>
               <a:t>variables</a:t>
             </a:r>
             <a:r>
-              <a:rPr lang="pt-BR" dirty="0"/>
+              <a:rPr lang="pt-BR" sz="2400" dirty="0"/>
               <a:t> para que o modelo possa saber que dia da semana está prevendo (</a:t>
             </a:r>
             <a:r>
-              <a:rPr lang="pt-BR" dirty="0" err="1"/>
+              <a:rPr lang="pt-BR" sz="2400" dirty="0" err="1"/>
               <a:t>d_w_domingo</a:t>
             </a:r>
             <a:r>
-              <a:rPr lang="pt-BR" dirty="0"/>
+              <a:rPr lang="pt-BR" sz="2400" dirty="0"/>
               <a:t>, </a:t>
             </a:r>
             <a:r>
-              <a:rPr lang="pt-BR" dirty="0" err="1"/>
+              <a:rPr lang="pt-BR" sz="2400" dirty="0" err="1"/>
               <a:t>d_w_segunda</a:t>
             </a:r>
             <a:r>
-              <a:rPr lang="pt-BR" dirty="0"/>
+              <a:rPr lang="pt-BR" sz="2400" dirty="0"/>
               <a:t>... </a:t>
             </a:r>
             <a:r>
-              <a:rPr lang="pt-BR" dirty="0" err="1"/>
+              <a:rPr lang="pt-BR" sz="2400" dirty="0" err="1"/>
               <a:t>d_w_sabado</a:t>
             </a:r>
             <a:r>
-              <a:rPr lang="pt-BR" dirty="0"/>
-              <a:t>)</a:t>
-            </a:r>
-          </a:p>
-          <a:p>
-            <a:r>
-              <a:rPr lang="pt-BR" dirty="0"/>
+              <a:rPr lang="pt-BR" sz="2400" dirty="0"/>
+              <a:t>).</a:t>
+            </a:r>
+          </a:p>
+          <a:p>
+            <a:pPr algn="just"/>
+            <a:r>
+              <a:rPr lang="pt-BR" sz="2400" dirty="0"/>
               <a:t>Sazonalidade semanal: Normalmente é útil para prever o efeito sazonal o valor da variável resposta na mesma etapa, mas no ciclo passado. Essa variável foi chamada de </a:t>
             </a:r>
             <a:r>
-              <a:rPr lang="pt-BR" dirty="0" err="1"/>
+              <a:rPr lang="pt-BR" sz="2400" dirty="0" err="1"/>
               <a:t>same_day_last_week</a:t>
             </a:r>
-            <a:endParaRPr lang="pt-BR" dirty="0"/>
-          </a:p>
-          <a:p>
-            <a:r>
-              <a:rPr lang="pt-BR" dirty="0"/>
+            <a:r>
+              <a:rPr lang="pt-BR" sz="2400" dirty="0"/>
+              <a:t>.</a:t>
+            </a:r>
+          </a:p>
+          <a:p>
+            <a:pPr algn="just"/>
+            <a:r>
+              <a:rPr lang="pt-BR" sz="2400" dirty="0"/>
               <a:t>Tempo: Como estamos falando de um evento dinâmico é útil passar uma variável de tempo para que o modelo possa mudar seu comportamento. Foi criada a variável </a:t>
             </a:r>
             <a:r>
-              <a:rPr lang="pt-BR" dirty="0" err="1"/>
+              <a:rPr lang="pt-BR" sz="2400" dirty="0" err="1"/>
               <a:t>date_n</a:t>
             </a:r>
             <a:r>
-              <a:rPr lang="pt-BR" dirty="0"/>
-              <a:t> que é o numero dias que se passaram desde 2020-03-16, começando de zero.</a:t>
+              <a:rPr lang="pt-BR" sz="2400" dirty="0"/>
+              <a:t> que é o número dias que se passaram desde 2020-03-16, começando de zero.</a:t>
             </a:r>
           </a:p>
         </p:txBody>
@@ -5457,23 +5974,25 @@
         </p:nvSpPr>
         <p:spPr/>
         <p:txBody>
-          <a:bodyPr/>
-          <a:lstStyle/>
-          <a:p>
-            <a:r>
-              <a:rPr lang="pt-BR" dirty="0" err="1"/>
+          <a:bodyPr>
+            <a:normAutofit/>
+          </a:bodyPr>
+          <a:lstStyle/>
+          <a:p>
+            <a:r>
+              <a:rPr lang="pt-BR" sz="4800" b="1" dirty="0" err="1"/>
               <a:t>Feature</a:t>
             </a:r>
             <a:r>
-              <a:rPr lang="pt-BR" dirty="0"/>
+              <a:rPr lang="pt-BR" sz="4800" b="1" dirty="0"/>
               <a:t> </a:t>
             </a:r>
             <a:r>
-              <a:rPr lang="pt-BR" dirty="0" err="1"/>
+              <a:rPr lang="pt-BR" sz="4800" b="1" dirty="0" err="1"/>
               <a:t>Selection</a:t>
             </a:r>
             <a:r>
-              <a:rPr lang="pt-BR" dirty="0"/>
+              <a:rPr lang="pt-BR" sz="4800" b="1" dirty="0"/>
               <a:t> </a:t>
             </a:r>
           </a:p>
@@ -5497,61 +6016,42 @@
         </p:nvSpPr>
         <p:spPr/>
         <p:txBody>
-          <a:bodyPr/>
-          <a:lstStyle/>
-          <a:p>
-            <a:r>
-              <a:rPr lang="pt-BR" dirty="0"/>
+          <a:bodyPr>
+            <a:normAutofit/>
+          </a:bodyPr>
+          <a:lstStyle/>
+          <a:p>
+            <a:pPr algn="just"/>
+            <a:r>
+              <a:rPr lang="pt-BR" sz="2400" dirty="0"/>
               <a:t>O </a:t>
             </a:r>
             <a:r>
-              <a:rPr lang="pt-BR" dirty="0" err="1"/>
+              <a:rPr lang="pt-BR" sz="2400" dirty="0" err="1"/>
               <a:t>dataset</a:t>
             </a:r>
             <a:r>
-              <a:rPr lang="pt-BR" dirty="0"/>
-              <a:t> direto da API contem 25 variáveis, além disso foram criadas mais 9 </a:t>
-            </a:r>
-            <a:r>
-              <a:rPr lang="pt-BR" dirty="0" err="1"/>
-              <a:t>varaiveis</a:t>
-            </a:r>
-            <a:r>
-              <a:rPr lang="pt-BR" dirty="0"/>
-              <a:t> (7 </a:t>
-            </a:r>
-            <a:r>
-              <a:rPr lang="pt-BR" dirty="0" err="1"/>
+              <a:rPr lang="pt-BR" sz="2400" dirty="0"/>
+              <a:t> direto da API contem 25 variáveis, além disso foram criadas mais 9 variáveis (7 </a:t>
+            </a:r>
+            <a:r>
+              <a:rPr lang="pt-BR" sz="2400" dirty="0" err="1"/>
               <a:t>dummies</a:t>
             </a:r>
             <a:r>
-              <a:rPr lang="pt-BR" dirty="0"/>
-              <a:t>), precisamos </a:t>
-            </a:r>
-            <a:r>
-              <a:rPr lang="pt-BR" dirty="0" err="1"/>
-              <a:t>eleminar</a:t>
-            </a:r>
-            <a:r>
-              <a:rPr lang="pt-BR" dirty="0"/>
-              <a:t> algumas delas para garantir que o modelo seja interpretável.</a:t>
-            </a:r>
-          </a:p>
-          <a:p>
-            <a:endParaRPr lang="pt-BR" dirty="0"/>
-          </a:p>
-          <a:p>
-            <a:r>
-              <a:rPr lang="pt-BR" dirty="0"/>
-              <a:t>A abordagem escolhida foi remover as </a:t>
-            </a:r>
-            <a:r>
-              <a:rPr lang="pt-BR" dirty="0" err="1"/>
-              <a:t>varaives</a:t>
-            </a:r>
-            <a:r>
-              <a:rPr lang="pt-BR" dirty="0"/>
-              <a:t> que eram extremamente correlacionadas (&gt;90%)</a:t>
+              <a:rPr lang="pt-BR" sz="2400" dirty="0"/>
+              <a:t>), precisamos eliminar algumas delas para garantir que o modelo seja interpretável.</a:t>
+            </a:r>
+          </a:p>
+          <a:p>
+            <a:pPr algn="just"/>
+            <a:endParaRPr lang="pt-BR" sz="2400" dirty="0"/>
+          </a:p>
+          <a:p>
+            <a:pPr algn="just"/>
+            <a:r>
+              <a:rPr lang="pt-BR" sz="2400" dirty="0"/>
+              <a:t>A abordagem escolhida foi remover as variáveis que eram extremamente correlacionadas (&gt;90%).</a:t>
             </a:r>
           </a:p>
         </p:txBody>
@@ -5570,54 +6070,54 @@
 </file>
 
 <file path=ppt/theme/theme1.xml><?xml version="1.0" encoding="utf-8"?>
-<a:theme xmlns:a="http://schemas.openxmlformats.org/drawingml/2006/main" name="Tema do Office">
+<a:theme xmlns:a="http://schemas.openxmlformats.org/drawingml/2006/main" name="Exibir">
   <a:themeElements>
-    <a:clrScheme name="Office">
+    <a:clrScheme name="Exibir">
       <a:dk1>
-        <a:sysClr val="windowText" lastClr="000000"/>
+        <a:srgbClr val="000000"/>
       </a:dk1>
       <a:lt1>
-        <a:sysClr val="window" lastClr="FFFFFF"/>
+        <a:srgbClr val="FFFFFF"/>
       </a:lt1>
       <a:dk2>
-        <a:srgbClr val="44546A"/>
+        <a:srgbClr val="46464A"/>
       </a:dk2>
       <a:lt2>
-        <a:srgbClr val="E7E6E6"/>
+        <a:srgbClr val="D6D3CC"/>
       </a:lt2>
       <a:accent1>
-        <a:srgbClr val="4472C4"/>
+        <a:srgbClr val="6F6F74"/>
       </a:accent1>
       <a:accent2>
-        <a:srgbClr val="ED7D31"/>
+        <a:srgbClr val="92A9B9"/>
       </a:accent2>
       <a:accent3>
-        <a:srgbClr val="A5A5A5"/>
+        <a:srgbClr val="A7B789"/>
       </a:accent3>
       <a:accent4>
-        <a:srgbClr val="FFC000"/>
+        <a:srgbClr val="B9A489"/>
       </a:accent4>
       <a:accent5>
-        <a:srgbClr val="5B9BD5"/>
+        <a:srgbClr val="8D6374"/>
       </a:accent5>
       <a:accent6>
-        <a:srgbClr val="70AD47"/>
+        <a:srgbClr val="9B7362"/>
       </a:accent6>
       <a:hlink>
-        <a:srgbClr val="0563C1"/>
+        <a:srgbClr val="67AABF"/>
       </a:hlink>
       <a:folHlink>
-        <a:srgbClr val="954F72"/>
+        <a:srgbClr val="ABAFA5"/>
       </a:folHlink>
     </a:clrScheme>
-    <a:fontScheme name="Office">
+    <a:fontScheme name="Cambria-Calibri">
       <a:majorFont>
-        <a:latin typeface="Calibri Light" panose="020F0302020204030204"/>
+        <a:latin typeface="Cambria" panose="02040503050406030204"/>
         <a:ea typeface=""/>
         <a:cs typeface=""/>
-        <a:font script="Jpan" typeface="游ゴシック Light"/>
+        <a:font script="Jpan" typeface="ＭＳ Ｐゴシック"/>
         <a:font script="Hang" typeface="맑은 고딕"/>
-        <a:font script="Hans" typeface="等线 Light"/>
+        <a:font script="Hans" typeface="黑体"/>
         <a:font script="Hant" typeface="新細明體"/>
         <a:font script="Arab" typeface="Times New Roman"/>
         <a:font script="Hebr" typeface="Times New Roman"/>
@@ -5645,31 +6145,14 @@
         <a:font script="Viet" typeface="Times New Roman"/>
         <a:font script="Uigh" typeface="Microsoft Uighur"/>
         <a:font script="Geor" typeface="Sylfaen"/>
-        <a:font script="Armn" typeface="Arial"/>
-        <a:font script="Bugi" typeface="Leelawadee UI"/>
-        <a:font script="Bopo" typeface="Microsoft JhengHei"/>
-        <a:font script="Java" typeface="Javanese Text"/>
-        <a:font script="Lisu" typeface="Segoe UI"/>
-        <a:font script="Mymr" typeface="Myanmar Text"/>
-        <a:font script="Nkoo" typeface="Ebrima"/>
-        <a:font script="Olck" typeface="Nirmala UI"/>
-        <a:font script="Osma" typeface="Ebrima"/>
-        <a:font script="Phag" typeface="Phagspa"/>
-        <a:font script="Syrn" typeface="Estrangelo Edessa"/>
-        <a:font script="Syrj" typeface="Estrangelo Edessa"/>
-        <a:font script="Syre" typeface="Estrangelo Edessa"/>
-        <a:font script="Sora" typeface="Nirmala UI"/>
-        <a:font script="Tale" typeface="Microsoft Tai Le"/>
-        <a:font script="Talu" typeface="Microsoft New Tai Lue"/>
-        <a:font script="Tfng" typeface="Ebrima"/>
       </a:majorFont>
       <a:minorFont>
         <a:latin typeface="Calibri" panose="020F0502020204030204"/>
         <a:ea typeface=""/>
         <a:cs typeface=""/>
-        <a:font script="Jpan" typeface="游ゴシック"/>
+        <a:font script="Jpan" typeface="ＭＳ Ｐゴシック"/>
         <a:font script="Hang" typeface="맑은 고딕"/>
-        <a:font script="Hans" typeface="等线"/>
+        <a:font script="Hans" typeface="宋体"/>
         <a:font script="Hant" typeface="新細明體"/>
         <a:font script="Arab" typeface="Arial"/>
         <a:font script="Hebr" typeface="Arial"/>
@@ -5694,107 +6177,51 @@
         <a:font script="Laoo" typeface="DokChampa"/>
         <a:font script="Sinh" typeface="Iskoola Pota"/>
         <a:font script="Mong" typeface="Mongolian Baiti"/>
-        <a:font script="Viet" typeface="Arial"/>
+        <a:font script="Viet" typeface="Tahoma"/>
         <a:font script="Uigh" typeface="Microsoft Uighur"/>
         <a:font script="Geor" typeface="Sylfaen"/>
-        <a:font script="Armn" typeface="Arial"/>
-        <a:font script="Bugi" typeface="Leelawadee UI"/>
-        <a:font script="Bopo" typeface="Microsoft JhengHei"/>
-        <a:font script="Java" typeface="Javanese Text"/>
-        <a:font script="Lisu" typeface="Segoe UI"/>
-        <a:font script="Mymr" typeface="Myanmar Text"/>
-        <a:font script="Nkoo" typeface="Ebrima"/>
-        <a:font script="Olck" typeface="Nirmala UI"/>
-        <a:font script="Osma" typeface="Ebrima"/>
-        <a:font script="Phag" typeface="Phagspa"/>
-        <a:font script="Syrn" typeface="Estrangelo Edessa"/>
-        <a:font script="Syrj" typeface="Estrangelo Edessa"/>
-        <a:font script="Syre" typeface="Estrangelo Edessa"/>
-        <a:font script="Sora" typeface="Nirmala UI"/>
-        <a:font script="Tale" typeface="Microsoft Tai Le"/>
-        <a:font script="Talu" typeface="Microsoft New Tai Lue"/>
-        <a:font script="Tfng" typeface="Ebrima"/>
       </a:minorFont>
     </a:fontScheme>
-    <a:fmtScheme name="Office">
+    <a:fmtScheme name="Exibir">
       <a:fillStyleLst>
         <a:solidFill>
           <a:schemeClr val="phClr"/>
         </a:solidFill>
-        <a:gradFill rotWithShape="1">
-          <a:gsLst>
-            <a:gs pos="0">
-              <a:schemeClr val="phClr">
-                <a:lumMod val="110000"/>
-                <a:satMod val="105000"/>
-                <a:tint val="67000"/>
-              </a:schemeClr>
-            </a:gs>
-            <a:gs pos="50000">
-              <a:schemeClr val="phClr">
-                <a:lumMod val="105000"/>
-                <a:satMod val="103000"/>
-                <a:tint val="73000"/>
-              </a:schemeClr>
-            </a:gs>
-            <a:gs pos="100000">
-              <a:schemeClr val="phClr">
-                <a:lumMod val="105000"/>
-                <a:satMod val="109000"/>
-                <a:tint val="81000"/>
-              </a:schemeClr>
-            </a:gs>
-          </a:gsLst>
-          <a:lin ang="5400000" scaled="0"/>
-        </a:gradFill>
-        <a:gradFill rotWithShape="1">
-          <a:gsLst>
-            <a:gs pos="0">
-              <a:schemeClr val="phClr">
-                <a:satMod val="103000"/>
-                <a:lumMod val="102000"/>
-                <a:tint val="94000"/>
-              </a:schemeClr>
-            </a:gs>
-            <a:gs pos="50000">
-              <a:schemeClr val="phClr">
-                <a:satMod val="110000"/>
-                <a:lumMod val="100000"/>
-                <a:shade val="100000"/>
-              </a:schemeClr>
-            </a:gs>
-            <a:gs pos="100000">
-              <a:schemeClr val="phClr">
-                <a:lumMod val="99000"/>
-                <a:satMod val="120000"/>
-                <a:shade val="78000"/>
-              </a:schemeClr>
-            </a:gs>
-          </a:gsLst>
-          <a:lin ang="5400000" scaled="0"/>
-        </a:gradFill>
+        <a:solidFill>
+          <a:schemeClr val="phClr">
+            <a:tint val="60000"/>
+            <a:satMod val="120000"/>
+          </a:schemeClr>
+        </a:solidFill>
+        <a:solidFill>
+          <a:schemeClr val="phClr">
+            <a:shade val="75000"/>
+            <a:satMod val="160000"/>
+          </a:schemeClr>
+        </a:solidFill>
       </a:fillStyleLst>
       <a:lnStyleLst>
-        <a:ln w="6350" cap="flat" cmpd="sng" algn="ctr">
+        <a:ln w="9525" cap="flat" cmpd="sng" algn="ctr">
           <a:solidFill>
             <a:schemeClr val="phClr"/>
           </a:solidFill>
           <a:prstDash val="solid"/>
-          <a:miter lim="800000"/>
         </a:ln>
-        <a:ln w="12700" cap="flat" cmpd="sng" algn="ctr">
+        <a:ln w="13970" cap="flat" cmpd="sng" algn="ctr">
           <a:solidFill>
             <a:schemeClr val="phClr"/>
           </a:solidFill>
           <a:prstDash val="solid"/>
-          <a:miter lim="800000"/>
         </a:ln>
-        <a:ln w="19050" cap="flat" cmpd="sng" algn="ctr">
+        <a:ln w="17145" cap="flat" cmpd="sng" algn="ctr">
           <a:solidFill>
-            <a:schemeClr val="phClr"/>
+            <a:schemeClr val="phClr">
+              <a:shade val="95000"/>
+              <a:alpha val="95000"/>
+              <a:satMod val="150000"/>
+            </a:schemeClr>
           </a:solidFill>
           <a:prstDash val="solid"/>
-          <a:miter lim="800000"/>
         </a:ln>
       </a:lnStyleLst>
       <a:effectStyleLst>
@@ -5802,16 +6229,52 @@
           <a:effectLst/>
         </a:effectStyle>
         <a:effectStyle>
-          <a:effectLst/>
+          <a:effectLst>
+            <a:outerShdw blurRad="50800" dist="15240" dir="5400000" algn="tl" rotWithShape="0">
+              <a:srgbClr val="000000">
+                <a:alpha val="75000"/>
+              </a:srgbClr>
+            </a:outerShdw>
+          </a:effectLst>
+          <a:scene3d>
+            <a:camera prst="orthographicFront">
+              <a:rot lat="0" lon="0" rev="0"/>
+            </a:camera>
+            <a:lightRig rig="brightRoom" dir="tl"/>
+          </a:scene3d>
+          <a:sp3d contourW="9525" prstMaterial="flat">
+            <a:bevelT w="0" h="0" prst="coolSlant"/>
+            <a:contourClr>
+              <a:schemeClr val="phClr">
+                <a:shade val="35000"/>
+                <a:satMod val="130000"/>
+              </a:schemeClr>
+            </a:contourClr>
+          </a:sp3d>
         </a:effectStyle>
         <a:effectStyle>
           <a:effectLst>
-            <a:outerShdw blurRad="57150" dist="19050" dir="5400000" algn="ctr" rotWithShape="0">
+            <a:outerShdw blurRad="76200" dist="25400" dir="5400000" algn="tl" rotWithShape="0">
               <a:srgbClr val="000000">
-                <a:alpha val="63000"/>
+                <a:alpha val="55000"/>
               </a:srgbClr>
             </a:outerShdw>
           </a:effectLst>
+          <a:scene3d>
+            <a:camera prst="orthographicFront">
+              <a:rot lat="0" lon="0" rev="0"/>
+            </a:camera>
+            <a:lightRig rig="brightRoom" dir="tl"/>
+          </a:scene3d>
+          <a:sp3d contourW="19050" prstMaterial="flat">
+            <a:bevelT w="0" h="0" prst="coolSlant"/>
+            <a:contourClr>
+              <a:schemeClr val="phClr">
+                <a:shade val="25000"/>
+                <a:satMod val="140000"/>
+              </a:schemeClr>
+            </a:contourClr>
+          </a:sp3d>
         </a:effectStyle>
       </a:effectStyleLst>
       <a:bgFillStyleLst>
@@ -5828,28 +6291,23 @@
           <a:gsLst>
             <a:gs pos="0">
               <a:schemeClr val="phClr">
-                <a:tint val="93000"/>
-                <a:satMod val="150000"/>
+                <a:tint val="94000"/>
                 <a:shade val="98000"/>
+                <a:satMod val="130000"/>
                 <a:lumMod val="102000"/>
-              </a:schemeClr>
-            </a:gs>
-            <a:gs pos="50000">
-              <a:schemeClr val="phClr">
-                <a:tint val="98000"/>
-                <a:satMod val="130000"/>
-                <a:shade val="90000"/>
-                <a:lumMod val="103000"/>
               </a:schemeClr>
             </a:gs>
             <a:gs pos="100000">
               <a:schemeClr val="phClr">
-                <a:shade val="63000"/>
-                <a:satMod val="120000"/>
+                <a:tint val="98000"/>
+                <a:shade val="78000"/>
+                <a:satMod val="140000"/>
               </a:schemeClr>
             </a:gs>
           </a:gsLst>
-          <a:lin ang="5400000" scaled="0"/>
+          <a:path path="circle">
+            <a:fillToRect l="100000" t="100000" r="100000" b="100000"/>
+          </a:path>
         </a:gradFill>
       </a:bgFillStyleLst>
     </a:fmtScheme>
@@ -5858,7 +6316,7 @@
   <a:extraClrSchemeLst/>
   <a:extLst>
     <a:ext uri="{05A4C25C-085E-4340-85A3-A5531E510DB2}">
-      <thm15:themeFamily xmlns:thm15="http://schemas.microsoft.com/office/thememl/2012/main" name="Office Theme" id="{62F939B6-93AF-4DB8-9C6B-D6C7DFDC589F}" vid="{4A3C46E8-61CC-4603-A589-7422A47A8E4A}"/>
+      <thm15:themeFamily xmlns:thm15="http://schemas.microsoft.com/office/thememl/2012/main" name="View" id="{BA0EB5A6-F2D4-4F82-977B-64ADEE4A2A69}" vid="{3969A8A2-35DB-4E3B-8885-16FD20568674}"/>
     </a:ext>
   </a:extLst>
 </a:theme>

--- a/Stone Age_apresentação.pptx
+++ b/Stone Age_apresentação.pptx
@@ -24,6 +24,7 @@
     <p:sldId id="272" r:id="rId18"/>
     <p:sldId id="273" r:id="rId19"/>
     <p:sldId id="274" r:id="rId20"/>
+    <p:sldId id="275" r:id="rId21"/>
   </p:sldIdLst>
   <p:sldSz cx="12192000" cy="6858000"/>
   <p:notesSz cx="6858000" cy="9144000"/>
@@ -3878,7 +3879,7 @@
           <a:p>
             <a:r>
               <a:rPr lang="pt-BR" sz="2400" dirty="0"/>
-              <a:t>Alguns exemplo: Regressão linear, Regressão polinomial, </a:t>
+              <a:t>Alguns exemplos: Regressão linear, Regressão polinomial, </a:t>
             </a:r>
             <a:r>
               <a:rPr lang="pt-BR" sz="2400" dirty="0" err="1"/>
@@ -4048,24 +4049,6 @@
                             </a:rPr>
                             <m:t>𝑌</m:t>
                           </m:r>
-                          <m:r>
-                            <a:rPr lang="pt-BR" sz="2400" b="0" i="1" smtClean="0">
-                              <a:latin typeface="Cambria Math" panose="02040503050406030204" pitchFamily="18" charset="0"/>
-                            </a:rPr>
-                            <m:t>(</m:t>
-                          </m:r>
-                          <m:r>
-                            <a:rPr lang="pt-BR" sz="2400" b="0" i="1" smtClean="0">
-                              <a:latin typeface="Cambria Math" panose="02040503050406030204" pitchFamily="18" charset="0"/>
-                            </a:rPr>
-                            <m:t>𝑋</m:t>
-                          </m:r>
-                          <m:r>
-                            <a:rPr lang="pt-BR" sz="2400" b="0" i="1" smtClean="0">
-                              <a:latin typeface="Cambria Math" panose="02040503050406030204" pitchFamily="18" charset="0"/>
-                            </a:rPr>
-                            <m:t>)</m:t>
-                          </m:r>
                         </m:e>
                       </m:rad>
                       <m:r>
@@ -4122,6 +4105,9 @@
                 <a:endParaRPr lang="pt-BR" sz="2400" dirty="0"/>
               </a:p>
               <a:p>
+                <a:pPr marL="0" indent="0">
+                  <a:buNone/>
+                </a:pPr>
                 <a:r>
                   <a:rPr lang="pt-BR" sz="2400" dirty="0"/>
                   <a:t>Porque utilizar a raiz da variável resposta? </a:t>
@@ -4133,7 +4119,103 @@
                 </a:pPr>
                 <a:r>
                   <a:rPr lang="pt-BR" sz="2400" dirty="0"/>
-                  <a:t>Remetendo a decomposição STL é possível perceber que a variância da sazonalidade cresce muito, especialmente na região de validação. Funções como a raiz quadrada e log ajudam a reduzir a variância o que facilita no ajuste do modelo. Foram realizados testes com modelo do tipo log(Y(X))= A X +B + e, e os resultado não foram tão bons quanto com a raiz quadrada.</a:t>
+                  <a:t>Remetendo a decomposição STL é possível perceber que a variância da sazonalidade cresce muito, especialmente na região de validação. Funções como a raiz quadrada e log ajudam a reduzir a variância o que facilita no ajuste do modelo. Foram realizados testes com modelo do tipo </a:t>
+                </a:r>
+                <a14:m>
+                  <m:oMath xmlns:m="http://schemas.openxmlformats.org/officeDocument/2006/math">
+                    <m:func>
+                      <m:funcPr>
+                        <m:ctrlPr>
+                          <a:rPr lang="pt-BR" sz="2400" i="1" smtClean="0">
+                            <a:latin typeface="Cambria Math" panose="02040503050406030204" pitchFamily="18" charset="0"/>
+                          </a:rPr>
+                        </m:ctrlPr>
+                      </m:funcPr>
+                      <m:fName>
+                        <m:r>
+                          <m:rPr>
+                            <m:sty m:val="p"/>
+                          </m:rPr>
+                          <a:rPr lang="pt-BR" sz="2400" i="0" smtClean="0">
+                            <a:latin typeface="Cambria Math" panose="02040503050406030204" pitchFamily="18" charset="0"/>
+                          </a:rPr>
+                          <m:t>log</m:t>
+                        </m:r>
+                      </m:fName>
+                      <m:e>
+                        <m:r>
+                          <a:rPr lang="pt-BR" sz="2400" b="0" i="1" smtClean="0">
+                            <a:latin typeface="Cambria Math" panose="02040503050406030204" pitchFamily="18" charset="0"/>
+                          </a:rPr>
+                          <m:t>(</m:t>
+                        </m:r>
+                        <m:r>
+                          <a:rPr lang="pt-BR" sz="2400" b="0" i="1" smtClean="0">
+                            <a:latin typeface="Cambria Math" panose="02040503050406030204" pitchFamily="18" charset="0"/>
+                          </a:rPr>
+                          <m:t>𝑌</m:t>
+                        </m:r>
+                        <m:r>
+                          <a:rPr lang="pt-BR" sz="2400" b="0" i="1" smtClean="0">
+                            <a:latin typeface="Cambria Math" panose="02040503050406030204" pitchFamily="18" charset="0"/>
+                          </a:rPr>
+                          <m:t>)</m:t>
+                        </m:r>
+                      </m:e>
+                    </m:func>
+                    <m:r>
+                      <a:rPr lang="pt-BR" sz="2400" b="0" i="1" smtClean="0">
+                        <a:latin typeface="Cambria Math" panose="02040503050406030204" pitchFamily="18" charset="0"/>
+                      </a:rPr>
+                      <m:t>=</m:t>
+                    </m:r>
+                    <m:r>
+                      <a:rPr lang="pt-BR" sz="2400" b="0" i="1" smtClean="0">
+                        <a:latin typeface="Cambria Math" panose="02040503050406030204" pitchFamily="18" charset="0"/>
+                      </a:rPr>
+                      <m:t>𝐴</m:t>
+                    </m:r>
+                    <m:r>
+                      <a:rPr lang="pt-BR" sz="2400" b="0" i="1" smtClean="0">
+                        <a:latin typeface="Cambria Math" panose="02040503050406030204" pitchFamily="18" charset="0"/>
+                      </a:rPr>
+                      <m:t> </m:t>
+                    </m:r>
+                    <m:r>
+                      <a:rPr lang="pt-BR" sz="2400" b="0" i="1" smtClean="0">
+                        <a:latin typeface="Cambria Math" panose="02040503050406030204" pitchFamily="18" charset="0"/>
+                      </a:rPr>
+                      <m:t>𝑋</m:t>
+                    </m:r>
+                    <m:r>
+                      <a:rPr lang="pt-BR" sz="2400" b="0" i="1" smtClean="0">
+                        <a:latin typeface="Cambria Math" panose="02040503050406030204" pitchFamily="18" charset="0"/>
+                      </a:rPr>
+                      <m:t>+</m:t>
+                    </m:r>
+                    <m:r>
+                      <a:rPr lang="pt-BR" sz="2400" b="0" i="1" smtClean="0">
+                        <a:latin typeface="Cambria Math" panose="02040503050406030204" pitchFamily="18" charset="0"/>
+                      </a:rPr>
+                      <m:t>𝐵</m:t>
+                    </m:r>
+                    <m:r>
+                      <a:rPr lang="pt-BR" sz="2400" b="0" i="1" smtClean="0">
+                        <a:latin typeface="Cambria Math" panose="02040503050406030204" pitchFamily="18" charset="0"/>
+                      </a:rPr>
+                      <m:t>+</m:t>
+                    </m:r>
+                    <m:r>
+                      <a:rPr lang="pt-BR" sz="2400" b="0" i="1" smtClean="0">
+                        <a:latin typeface="Cambria Math" panose="02040503050406030204" pitchFamily="18" charset="0"/>
+                      </a:rPr>
+                      <m:t>𝑒</m:t>
+                    </m:r>
+                  </m:oMath>
+                </a14:m>
+                <a:r>
+                  <a:rPr lang="pt-BR" sz="2400" dirty="0"/>
+                  <a:t>, mas os resultados não foram tão bons quanto com a raiz quadrada.</a:t>
                 </a:r>
               </a:p>
               <a:p>
@@ -4618,7 +4700,7 @@
               <a:p>
                 <a:r>
                   <a:rPr lang="pt-BR" sz="2400" dirty="0"/>
-                  <a:t>Erro médio quadrático: 190,96</a:t>
+                  <a:t>RMSE : 190,96</a:t>
                 </a:r>
               </a:p>
               <a:p>
@@ -5004,7 +5086,7 @@
               <a:p>
                 <a:r>
                   <a:rPr lang="pt-BR" sz="2400" dirty="0"/>
-                  <a:t>Erro médio quadrático: 477.52</a:t>
+                  <a:t>RMSE: 477.52</a:t>
                 </a:r>
               </a:p>
               <a:p>
@@ -5199,6 +5281,94 @@
     <p:extLst>
       <p:ext uri="{BB962C8B-B14F-4D97-AF65-F5344CB8AC3E}">
         <p14:creationId xmlns:p14="http://schemas.microsoft.com/office/powerpoint/2010/main" val="2028227875"/>
+      </p:ext>
+    </p:extLst>
+  </p:cSld>
+  <p:clrMapOvr>
+    <a:masterClrMapping/>
+  </p:clrMapOvr>
+</p:sld>
+</file>
+
+<file path=ppt/slides/slide20.xml><?xml version="1.0" encoding="utf-8"?>
+<p:sld xmlns:a="http://schemas.openxmlformats.org/drawingml/2006/main" xmlns:r="http://schemas.openxmlformats.org/officeDocument/2006/relationships" xmlns:p="http://schemas.openxmlformats.org/presentationml/2006/main">
+  <p:cSld>
+    <p:spTree>
+      <p:nvGrpSpPr>
+        <p:cNvPr id="1" name=""/>
+        <p:cNvGrpSpPr/>
+        <p:nvPr/>
+      </p:nvGrpSpPr>
+      <p:grpSpPr>
+        <a:xfrm>
+          <a:off x="0" y="0"/>
+          <a:ext cx="0" cy="0"/>
+          <a:chOff x="0" y="0"/>
+          <a:chExt cx="0" cy="0"/>
+        </a:xfrm>
+      </p:grpSpPr>
+      <p:sp>
+        <p:nvSpPr>
+          <p:cNvPr id="2" name="Título 1">
+            <a:extLst>
+              <a:ext uri="{FF2B5EF4-FFF2-40B4-BE49-F238E27FC236}">
+                <a16:creationId xmlns:a16="http://schemas.microsoft.com/office/drawing/2014/main" id="{4873317C-F553-4ADA-8BB9-40D26A39C59F}"/>
+              </a:ext>
+            </a:extLst>
+          </p:cNvPr>
+          <p:cNvSpPr>
+            <a:spLocks noGrp="1"/>
+          </p:cNvSpPr>
+          <p:nvPr>
+            <p:ph type="title"/>
+          </p:nvPr>
+        </p:nvSpPr>
+        <p:spPr/>
+        <p:txBody>
+          <a:bodyPr/>
+          <a:lstStyle/>
+          <a:p>
+            <a:r>
+              <a:rPr lang="pt-BR" dirty="0"/>
+              <a:t>Importância das Variáveis</a:t>
+            </a:r>
+          </a:p>
+        </p:txBody>
+      </p:sp>
+      <p:pic>
+        <p:nvPicPr>
+          <p:cNvPr id="13" name="Imagem 12">
+            <a:extLst>
+              <a:ext uri="{FF2B5EF4-FFF2-40B4-BE49-F238E27FC236}">
+                <a16:creationId xmlns:a16="http://schemas.microsoft.com/office/drawing/2014/main" id="{3309B883-D037-474A-AA72-84AAC18DC0FF}"/>
+              </a:ext>
+            </a:extLst>
+          </p:cNvPr>
+          <p:cNvPicPr>
+            <a:picLocks noChangeAspect="1"/>
+          </p:cNvPicPr>
+          <p:nvPr/>
+        </p:nvPicPr>
+        <p:blipFill>
+          <a:blip r:embed="rId2"/>
+          <a:stretch>
+            <a:fillRect/>
+          </a:stretch>
+        </p:blipFill>
+        <p:spPr>
+          <a:xfrm>
+            <a:off x="701928" y="2097090"/>
+            <a:ext cx="9509760" cy="4030980"/>
+          </a:xfrm>
+          <a:prstGeom prst="rect">
+            <a:avLst/>
+          </a:prstGeom>
+        </p:spPr>
+      </p:pic>
+    </p:spTree>
+    <p:extLst>
+      <p:ext uri="{BB962C8B-B14F-4D97-AF65-F5344CB8AC3E}">
+        <p14:creationId xmlns:p14="http://schemas.microsoft.com/office/powerpoint/2010/main" val="3588086208"/>
       </p:ext>
     </p:extLst>
   </p:cSld>

--- a/Stone Age_apresentação.pptx
+++ b/Stone Age_apresentação.pptx
@@ -5325,11 +5325,13 @@
         </p:nvSpPr>
         <p:spPr/>
         <p:txBody>
-          <a:bodyPr/>
-          <a:lstStyle/>
-          <a:p>
-            <a:r>
-              <a:rPr lang="pt-BR" dirty="0"/>
+          <a:bodyPr>
+            <a:normAutofit/>
+          </a:bodyPr>
+          <a:lstStyle/>
+          <a:p>
+            <a:r>
+              <a:rPr lang="pt-BR" sz="4800" b="1" dirty="0"/>
               <a:t>Importância das Variáveis</a:t>
             </a:r>
           </a:p>

--- a/Stone Age_apresentação.pptx
+++ b/Stone Age_apresentação.pptx
@@ -5803,7 +5803,7 @@
           </p:cNvPicPr>
           <p:nvPr/>
         </p:nvPicPr>
-        <p:blipFill>
+        <p:blipFill rotWithShape="1">
           <a:blip r:embed="rId2">
             <a:extLst>
               <a:ext uri="{28A0092B-C50C-407E-A947-70E740481C1C}">
@@ -5811,14 +5811,13 @@
               </a:ext>
             </a:extLst>
           </a:blip>
-          <a:stretch>
-            <a:fillRect/>
-          </a:stretch>
+          <a:srcRect r="3434"/>
+          <a:stretch/>
         </p:blipFill>
         <p:spPr>
           <a:xfrm>
             <a:off x="841397" y="1691322"/>
-            <a:ext cx="9710213" cy="5062460"/>
+            <a:ext cx="9376801" cy="5062460"/>
           </a:xfrm>
           <a:prstGeom prst="rect">
             <a:avLst/>
